--- a/Adrian_Lapaz_presentacion.pptx
+++ b/Adrian_Lapaz_presentacion.pptx
@@ -15,7 +15,7 @@
     <p:sldId id="260" r:id="rId6"/>
     <p:sldId id="286" r:id="rId7"/>
     <p:sldId id="258" r:id="rId8"/>
-    <p:sldId id="289" r:id="rId9"/>
+    <p:sldId id="294" r:id="rId9"/>
     <p:sldId id="292" r:id="rId10"/>
     <p:sldId id="290" r:id="rId11"/>
     <p:sldId id="262" r:id="rId12"/>
@@ -142,12 +142,12 @@
   <pc:docChgLst>
     <pc:chgData name="ADRIAN LAPAZ" userId="d8ff7f18ef729175" providerId="LiveId" clId="{FA4F1720-4B09-4E47-B1BD-A0DE7E6635FE}"/>
     <pc:docChg chg="undo redo custSel addSld delSld modSld sldOrd modMainMaster modNotesMaster">
-      <pc:chgData name="ADRIAN LAPAZ" userId="d8ff7f18ef729175" providerId="LiveId" clId="{FA4F1720-4B09-4E47-B1BD-A0DE7E6635FE}" dt="2025-04-21T00:44:52.023" v="3059"/>
+      <pc:chgData name="ADRIAN LAPAZ" userId="d8ff7f18ef729175" providerId="LiveId" clId="{FA4F1720-4B09-4E47-B1BD-A0DE7E6635FE}" dt="2025-04-21T21:56:33.108" v="3146" actId="2696"/>
       <pc:docMkLst>
         <pc:docMk/>
       </pc:docMkLst>
       <pc:sldChg chg="modSp mod modNotes">
-        <pc:chgData name="ADRIAN LAPAZ" userId="d8ff7f18ef729175" providerId="LiveId" clId="{FA4F1720-4B09-4E47-B1BD-A0DE7E6635FE}" dt="2025-04-20T16:12:32.175" v="1559" actId="255"/>
+        <pc:chgData name="ADRIAN LAPAZ" userId="d8ff7f18ef729175" providerId="LiveId" clId="{FA4F1720-4B09-4E47-B1BD-A0DE7E6635FE}" dt="2025-04-21T21:54:02.014" v="3074" actId="20577"/>
         <pc:sldMkLst>
           <pc:docMk/>
           <pc:sldMk cId="2582807526" sldId="256"/>
@@ -161,7 +161,7 @@
           </ac:spMkLst>
         </pc:spChg>
         <pc:spChg chg="mod">
-          <ac:chgData name="ADRIAN LAPAZ" userId="d8ff7f18ef729175" providerId="LiveId" clId="{FA4F1720-4B09-4E47-B1BD-A0DE7E6635FE}" dt="2025-04-20T16:12:17.335" v="1554"/>
+          <ac:chgData name="ADRIAN LAPAZ" userId="d8ff7f18ef729175" providerId="LiveId" clId="{FA4F1720-4B09-4E47-B1BD-A0DE7E6635FE}" dt="2025-04-21T21:54:02.014" v="3074" actId="20577"/>
           <ac:spMkLst>
             <pc:docMk/>
             <pc:sldMk cId="2582807526" sldId="256"/>
@@ -1887,8 +1887,8 @@
           </ac:picMkLst>
         </pc:picChg>
       </pc:sldChg>
-      <pc:sldChg chg="modSp new mod modAnim">
-        <pc:chgData name="ADRIAN LAPAZ" userId="d8ff7f18ef729175" providerId="LiveId" clId="{FA4F1720-4B09-4E47-B1BD-A0DE7E6635FE}" dt="2025-04-21T00:44:33.516" v="3058"/>
+      <pc:sldChg chg="addSp delSp modSp new del mod modAnim">
+        <pc:chgData name="ADRIAN LAPAZ" userId="d8ff7f18ef729175" providerId="LiveId" clId="{FA4F1720-4B09-4E47-B1BD-A0DE7E6635FE}" dt="2025-04-21T21:56:33.108" v="3146" actId="2696"/>
         <pc:sldMkLst>
           <pc:docMk/>
           <pc:sldMk cId="3034641274" sldId="289"/>
@@ -1902,7 +1902,7 @@
           </ac:spMkLst>
         </pc:spChg>
         <pc:spChg chg="mod">
-          <ac:chgData name="ADRIAN LAPAZ" userId="d8ff7f18ef729175" providerId="LiveId" clId="{FA4F1720-4B09-4E47-B1BD-A0DE7E6635FE}" dt="2025-04-20T16:57:00.247" v="2193" actId="14100"/>
+          <ac:chgData name="ADRIAN LAPAZ" userId="d8ff7f18ef729175" providerId="LiveId" clId="{FA4F1720-4B09-4E47-B1BD-A0DE7E6635FE}" dt="2025-04-21T21:55:12.058" v="3080" actId="14100"/>
           <ac:spMkLst>
             <pc:docMk/>
             <pc:sldMk cId="3034641274" sldId="289"/>
@@ -1910,27 +1910,43 @@
           </ac:spMkLst>
         </pc:spChg>
         <pc:spChg chg="mod">
-          <ac:chgData name="ADRIAN LAPAZ" userId="d8ff7f18ef729175" providerId="LiveId" clId="{FA4F1720-4B09-4E47-B1BD-A0DE7E6635FE}" dt="2025-04-20T22:04:56.266" v="2407" actId="3064"/>
+          <ac:chgData name="ADRIAN LAPAZ" userId="d8ff7f18ef729175" providerId="LiveId" clId="{FA4F1720-4B09-4E47-B1BD-A0DE7E6635FE}" dt="2025-04-21T21:55:21.676" v="3085" actId="6549"/>
           <ac:spMkLst>
             <pc:docMk/>
             <pc:sldMk cId="3034641274" sldId="289"/>
             <ac:spMk id="4" creationId="{F0E4DEC6-8484-9F33-0E1D-9FBA83154E4E}"/>
           </ac:spMkLst>
         </pc:spChg>
-        <pc:spChg chg="mod">
-          <ac:chgData name="ADRIAN LAPAZ" userId="d8ff7f18ef729175" providerId="LiveId" clId="{FA4F1720-4B09-4E47-B1BD-A0DE7E6635FE}" dt="2025-04-20T16:57:37.666" v="2197" actId="208"/>
+        <pc:spChg chg="del mod">
+          <ac:chgData name="ADRIAN LAPAZ" userId="d8ff7f18ef729175" providerId="LiveId" clId="{FA4F1720-4B09-4E47-B1BD-A0DE7E6635FE}" dt="2025-04-21T21:55:00.705" v="3075" actId="478"/>
           <ac:spMkLst>
             <pc:docMk/>
             <pc:sldMk cId="3034641274" sldId="289"/>
             <ac:spMk id="5" creationId="{3885FB03-8131-06D8-931B-49970E4D8AFE}"/>
           </ac:spMkLst>
         </pc:spChg>
-        <pc:spChg chg="mod">
-          <ac:chgData name="ADRIAN LAPAZ" userId="d8ff7f18ef729175" providerId="LiveId" clId="{FA4F1720-4B09-4E47-B1BD-A0DE7E6635FE}" dt="2025-04-20T22:05:09.722" v="2411" actId="20577"/>
+        <pc:spChg chg="del mod">
+          <ac:chgData name="ADRIAN LAPAZ" userId="d8ff7f18ef729175" providerId="LiveId" clId="{FA4F1720-4B09-4E47-B1BD-A0DE7E6635FE}" dt="2025-04-21T21:55:02.583" v="3076" actId="478"/>
           <ac:spMkLst>
             <pc:docMk/>
             <pc:sldMk cId="3034641274" sldId="289"/>
             <ac:spMk id="6" creationId="{35DF0991-F27D-A291-20F5-38543122F105}"/>
+          </ac:spMkLst>
+        </pc:spChg>
+        <pc:spChg chg="add del mod">
+          <ac:chgData name="ADRIAN LAPAZ" userId="d8ff7f18ef729175" providerId="LiveId" clId="{FA4F1720-4B09-4E47-B1BD-A0DE7E6635FE}" dt="2025-04-21T21:55:04.462" v="3077" actId="478"/>
+          <ac:spMkLst>
+            <pc:docMk/>
+            <pc:sldMk cId="3034641274" sldId="289"/>
+            <ac:spMk id="9" creationId="{38F9B7AE-F9A1-A7B1-4210-DD6C4BD4F1DC}"/>
+          </ac:spMkLst>
+        </pc:spChg>
+        <pc:spChg chg="add del mod">
+          <ac:chgData name="ADRIAN LAPAZ" userId="d8ff7f18ef729175" providerId="LiveId" clId="{FA4F1720-4B09-4E47-B1BD-A0DE7E6635FE}" dt="2025-04-21T21:55:05.751" v="3078" actId="478"/>
+          <ac:spMkLst>
+            <pc:docMk/>
+            <pc:sldMk cId="3034641274" sldId="289"/>
+            <ac:spMk id="11" creationId="{AC17F295-E0D4-F82B-9BBC-AA4FB4A99090}"/>
           </ac:spMkLst>
         </pc:spChg>
       </pc:sldChg>
@@ -2333,6 +2349,29 @@
           <pc:docMk/>
           <pc:sldMk cId="1175183868" sldId="293"/>
         </pc:sldMkLst>
+      </pc:sldChg>
+      <pc:sldChg chg="modSp add mod modAnim">
+        <pc:chgData name="ADRIAN LAPAZ" userId="d8ff7f18ef729175" providerId="LiveId" clId="{FA4F1720-4B09-4E47-B1BD-A0DE7E6635FE}" dt="2025-04-21T21:56:26.565" v="3145" actId="255"/>
+        <pc:sldMkLst>
+          <pc:docMk/>
+          <pc:sldMk cId="4080647131" sldId="294"/>
+        </pc:sldMkLst>
+        <pc:spChg chg="mod">
+          <ac:chgData name="ADRIAN LAPAZ" userId="d8ff7f18ef729175" providerId="LiveId" clId="{FA4F1720-4B09-4E47-B1BD-A0DE7E6635FE}" dt="2025-04-21T21:55:34.221" v="3087"/>
+          <ac:spMkLst>
+            <pc:docMk/>
+            <pc:sldMk cId="4080647131" sldId="294"/>
+            <ac:spMk id="2" creationId="{A0DAA33A-135B-9CBD-1115-5412A2CD5AD9}"/>
+          </ac:spMkLst>
+        </pc:spChg>
+        <pc:spChg chg="mod">
+          <ac:chgData name="ADRIAN LAPAZ" userId="d8ff7f18ef729175" providerId="LiveId" clId="{FA4F1720-4B09-4E47-B1BD-A0DE7E6635FE}" dt="2025-04-21T21:56:26.565" v="3145" actId="255"/>
+          <ac:spMkLst>
+            <pc:docMk/>
+            <pc:sldMk cId="4080647131" sldId="294"/>
+            <ac:spMk id="3" creationId="{9632E9EC-00BE-4B54-846E-660E87F4A90E}"/>
+          </ac:spMkLst>
+        </pc:spChg>
       </pc:sldChg>
       <pc:sldMasterChg chg="modSp modSldLayout">
         <pc:chgData name="ADRIAN LAPAZ" userId="d8ff7f18ef729175" providerId="LiveId" clId="{FA4F1720-4B09-4E47-B1BD-A0DE7E6635FE}" dt="2025-04-20T16:12:17.335" v="1554"/>
@@ -2695,7 +2734,7 @@
           <a:p>
             <a:fld id="{06D84D36-9B05-453D-8828-0B2B32840A0E}" type="datetimeFigureOut">
               <a:rPr lang="es-AR" smtClean="0"/>
-              <a:t>20/4/2025</a:t>
+              <a:t>21/4/2025</a:t>
             </a:fld>
             <a:endParaRPr lang="es-AR"/>
           </a:p>
@@ -3577,7 +3616,7 @@
           <a:p>
             <a:fld id="{2E2DFD15-1F4F-4E3C-97EE-5ACF33F907DC}" type="datetime1">
               <a:rPr lang="es-AR" smtClean="0"/>
-              <a:t>20/4/2025</a:t>
+              <a:t>21/4/2025</a:t>
             </a:fld>
             <a:endParaRPr lang="es-AR"/>
           </a:p>
@@ -3747,7 +3786,7 @@
           <a:p>
             <a:fld id="{796B30DE-1BB8-4E41-8B92-0DB092DF9ECF}" type="datetime1">
               <a:rPr lang="es-AR" smtClean="0"/>
-              <a:t>20/4/2025</a:t>
+              <a:t>21/4/2025</a:t>
             </a:fld>
             <a:endParaRPr lang="es-AR"/>
           </a:p>
@@ -3927,7 +3966,7 @@
           <a:p>
             <a:fld id="{24A0C62B-B0BB-4D94-97D7-AF7892E80EE1}" type="datetime1">
               <a:rPr lang="es-AR" smtClean="0"/>
-              <a:t>20/4/2025</a:t>
+              <a:t>21/4/2025</a:t>
             </a:fld>
             <a:endParaRPr lang="es-AR"/>
           </a:p>
@@ -4097,7 +4136,7 @@
           <a:p>
             <a:fld id="{4ABB4626-3C7B-4DB7-BE1F-C02ED241C309}" type="datetime1">
               <a:rPr lang="es-AR" smtClean="0"/>
-              <a:t>20/4/2025</a:t>
+              <a:t>21/4/2025</a:t>
             </a:fld>
             <a:endParaRPr lang="es-AR"/>
           </a:p>
@@ -4343,7 +4382,7 @@
           <a:p>
             <a:fld id="{2D15F0A7-8CEB-4EC2-B5D2-F1F4C28B0549}" type="datetime1">
               <a:rPr lang="es-AR" smtClean="0"/>
-              <a:t>20/4/2025</a:t>
+              <a:t>21/4/2025</a:t>
             </a:fld>
             <a:endParaRPr lang="es-AR"/>
           </a:p>
@@ -4575,7 +4614,7 @@
           <a:p>
             <a:fld id="{8C4EA1A9-FB65-4779-96BA-33ECC0B9EA8D}" type="datetime1">
               <a:rPr lang="es-AR" smtClean="0"/>
-              <a:t>20/4/2025</a:t>
+              <a:t>21/4/2025</a:t>
             </a:fld>
             <a:endParaRPr lang="es-AR"/>
           </a:p>
@@ -4942,7 +4981,7 @@
           <a:p>
             <a:fld id="{8BAA0400-1683-4014-836C-68091B4745B7}" type="datetime1">
               <a:rPr lang="es-AR" smtClean="0"/>
-              <a:t>20/4/2025</a:t>
+              <a:t>21/4/2025</a:t>
             </a:fld>
             <a:endParaRPr lang="es-AR"/>
           </a:p>
@@ -5060,7 +5099,7 @@
           <a:p>
             <a:fld id="{E0EBB52C-70D3-46BB-A9C9-B4BCD68F1F45}" type="datetime1">
               <a:rPr lang="es-AR" smtClean="0"/>
-              <a:t>20/4/2025</a:t>
+              <a:t>21/4/2025</a:t>
             </a:fld>
             <a:endParaRPr lang="es-AR"/>
           </a:p>
@@ -5155,7 +5194,7 @@
           <a:p>
             <a:fld id="{B976ED00-AF77-4CAF-B467-EB0A97323BAC}" type="datetime1">
               <a:rPr lang="es-AR" smtClean="0"/>
-              <a:t>20/4/2025</a:t>
+              <a:t>21/4/2025</a:t>
             </a:fld>
             <a:endParaRPr lang="es-AR"/>
           </a:p>
@@ -5432,7 +5471,7 @@
           <a:p>
             <a:fld id="{7495D541-8D91-4F20-80D9-E947957BA833}" type="datetime1">
               <a:rPr lang="es-AR" smtClean="0"/>
-              <a:t>20/4/2025</a:t>
+              <a:t>21/4/2025</a:t>
             </a:fld>
             <a:endParaRPr lang="es-AR"/>
           </a:p>
@@ -5689,7 +5728,7 @@
           <a:p>
             <a:fld id="{DA9D775A-41C2-4F00-A276-DC4A9CA6B77D}" type="datetime1">
               <a:rPr lang="es-AR" smtClean="0"/>
-              <a:t>20/4/2025</a:t>
+              <a:t>21/4/2025</a:t>
             </a:fld>
             <a:endParaRPr lang="es-AR"/>
           </a:p>
@@ -5902,7 +5941,7 @@
           <a:p>
             <a:fld id="{4B0292B7-EDD5-4186-855F-12061877FDA8}" type="datetime1">
               <a:rPr lang="es-AR" smtClean="0"/>
-              <a:t>20/4/2025</a:t>
+              <a:t>21/4/2025</a:t>
             </a:fld>
             <a:endParaRPr lang="es-AR"/>
           </a:p>
@@ -6439,7 +6478,7 @@
               <a:rPr lang="es-AR" altLang="es-AR" b="1" dirty="0">
                 <a:latin typeface="Arial" panose="020B0604020202020204" pitchFamily="34" charset="0"/>
               </a:rPr>
-              <a:t>Trabajo Final - CEIA, FIUBA</a:t>
+              <a:t>Plan de trabajo- CEIA, FIUBA</a:t>
             </a:r>
           </a:p>
           <a:p>
@@ -10550,8 +10589,8 @@
           </a:p>
         </p:txBody>
       </p:sp>
-      <mc:AlternateContent xmlns:mc="http://schemas.openxmlformats.org/markup-compatibility/2006">
-        <mc:Choice xmlns:a14="http://schemas.microsoft.com/office/drawing/2010/main" Requires="a14">
+      <mc:AlternateContent xmlns:mc="http://schemas.openxmlformats.org/markup-compatibility/2006" xmlns:a14="http://schemas.microsoft.com/office/drawing/2010/main">
+        <mc:Choice Requires="a14">
           <p:sp>
             <p:nvSpPr>
               <p:cNvPr id="3" name="Marcador de contenido 2">
@@ -10854,7 +10893,7 @@
             </p:txBody>
           </p:sp>
         </mc:Choice>
-        <mc:Fallback>
+        <mc:Fallback xmlns="">
           <p:sp>
             <p:nvSpPr>
               <p:cNvPr id="3" name="Marcador de contenido 2">
@@ -13510,7 +13549,13 @@
   <p:cSld>
     <p:spTree>
       <p:nvGrpSpPr>
-        <p:cNvPr id="1" name=""/>
+        <p:cNvPr id="1" name="">
+          <a:extLst>
+            <a:ext uri="{FF2B5EF4-FFF2-40B4-BE49-F238E27FC236}">
+              <a16:creationId xmlns:a16="http://schemas.microsoft.com/office/drawing/2014/main" id="{F6861B3C-1742-BACA-B0DB-A9039B99FF59}"/>
+            </a:ext>
+          </a:extLst>
+        </p:cNvPr>
         <p:cNvGrpSpPr/>
         <p:nvPr/>
       </p:nvGrpSpPr>
@@ -13527,7 +13572,7 @@
           <p:cNvPr id="2" name="Título 1">
             <a:extLst>
               <a:ext uri="{FF2B5EF4-FFF2-40B4-BE49-F238E27FC236}">
-                <a16:creationId xmlns:a16="http://schemas.microsoft.com/office/drawing/2014/main" id="{4D350299-0F58-66C3-37B1-D3E7293BB06B}"/>
+                <a16:creationId xmlns:a16="http://schemas.microsoft.com/office/drawing/2014/main" id="{A0DAA33A-135B-9CBD-1115-5412A2CD5AD9}"/>
               </a:ext>
             </a:extLst>
           </p:cNvPr>
@@ -13553,10 +13598,10 @@
       </p:sp>
       <p:sp>
         <p:nvSpPr>
-          <p:cNvPr id="3" name="Marcador de texto 2">
+          <p:cNvPr id="3" name="Marcador de contenido 2">
             <a:extLst>
               <a:ext uri="{FF2B5EF4-FFF2-40B4-BE49-F238E27FC236}">
-                <a16:creationId xmlns:a16="http://schemas.microsoft.com/office/drawing/2014/main" id="{94C25A5A-DFB7-B504-5619-31A85E7219EF}"/>
+                <a16:creationId xmlns:a16="http://schemas.microsoft.com/office/drawing/2014/main" id="{9632E9EC-00BE-4B54-846E-660E87F4A90E}"/>
               </a:ext>
             </a:extLst>
           </p:cNvPr>
@@ -13564,469 +13609,95 @@
             <a:spLocks noGrp="1"/>
           </p:cNvSpPr>
           <p:nvPr>
-            <p:ph type="body" idx="1"/>
+            <p:ph idx="1"/>
           </p:nvPr>
         </p:nvSpPr>
-        <p:spPr>
-          <a:xfrm>
-            <a:off x="839789" y="1681164"/>
-            <a:ext cx="5157787" cy="411738"/>
-          </a:xfrm>
-          <a:ln>
-            <a:solidFill>
-              <a:schemeClr val="tx1"/>
-            </a:solidFill>
-          </a:ln>
-        </p:spPr>
+        <p:spPr/>
         <p:txBody>
           <a:bodyPr>
             <a:normAutofit/>
           </a:bodyPr>
           <a:lstStyle/>
           <a:p>
-            <a:r>
-              <a:rPr lang="es-ES" sz="2000" dirty="0">
+            <a:pPr>
+              <a:buFont typeface="Wingdings" panose="05000000000000000000" pitchFamily="2" charset="2"/>
+              <a:buChar char="Ø"/>
+            </a:pPr>
+            <a:r>
+              <a:rPr lang="es-AR" sz="2000" dirty="0">
                 <a:latin typeface="Arial" panose="020B0604020202020204" pitchFamily="34" charset="0"/>
                 <a:cs typeface="Arial" panose="020B0604020202020204" pitchFamily="34" charset="0"/>
               </a:rPr>
               <a:t>Incluye</a:t>
             </a:r>
+          </a:p>
+          <a:p>
+            <a:pPr lvl="1">
+              <a:buFont typeface="Wingdings" panose="05000000000000000000" pitchFamily="2" charset="2"/>
+              <a:buChar char="Ø"/>
+            </a:pPr>
+            <a:r>
+              <a:rPr lang="es-AR" sz="2000" dirty="0">
+                <a:latin typeface="Arial" panose="020B0604020202020204" pitchFamily="34" charset="0"/>
+                <a:cs typeface="Arial" panose="020B0604020202020204" pitchFamily="34" charset="0"/>
+              </a:rPr>
+              <a:t>Información de la producción de cebada 2023 y 2024 para miles de lotes</a:t>
+            </a:r>
+          </a:p>
+          <a:p>
+            <a:pPr lvl="1">
+              <a:buFont typeface="Wingdings" panose="05000000000000000000" pitchFamily="2" charset="2"/>
+              <a:buChar char="Ø"/>
+            </a:pPr>
+            <a:r>
+              <a:rPr lang="es-AR" sz="2000" dirty="0">
+                <a:latin typeface="Arial" panose="020B0604020202020204" pitchFamily="34" charset="0"/>
+                <a:cs typeface="Arial" panose="020B0604020202020204" pitchFamily="34" charset="0"/>
+              </a:rPr>
+              <a:t>Datos agroclimáticos por lote</a:t>
+            </a:r>
+          </a:p>
+          <a:p>
+            <a:pPr lvl="1">
+              <a:buFont typeface="Wingdings" panose="05000000000000000000" pitchFamily="2" charset="2"/>
+              <a:buChar char="Ø"/>
+            </a:pPr>
+            <a:r>
+              <a:rPr lang="es-AR" sz="2000" dirty="0">
+                <a:latin typeface="Arial" panose="020B0604020202020204" pitchFamily="34" charset="0"/>
+                <a:cs typeface="Arial" panose="020B0604020202020204" pitchFamily="34" charset="0"/>
+              </a:rPr>
+              <a:t>Datos satelitales para cinco puntos representativos por lote</a:t>
+            </a:r>
+          </a:p>
+          <a:p>
+            <a:pPr>
+              <a:buFont typeface="Wingdings" panose="05000000000000000000" pitchFamily="2" charset="2"/>
+              <a:buChar char="Ø"/>
+            </a:pPr>
             <a:endParaRPr lang="es-AR" sz="2000" dirty="0">
               <a:latin typeface="Arial" panose="020B0604020202020204" pitchFamily="34" charset="0"/>
               <a:cs typeface="Arial" panose="020B0604020202020204" pitchFamily="34" charset="0"/>
             </a:endParaRPr>
           </a:p>
+          <a:p>
+            <a:pPr>
+              <a:buFont typeface="Wingdings" panose="05000000000000000000" pitchFamily="2" charset="2"/>
+              <a:buChar char="Ø"/>
+            </a:pPr>
+            <a:endParaRPr lang="es-AR" sz="2000" dirty="0">
+              <a:latin typeface="Arial" panose="020B0604020202020204" pitchFamily="34" charset="0"/>
+              <a:cs typeface="Arial" panose="020B0604020202020204" pitchFamily="34" charset="0"/>
+            </a:endParaRPr>
+          </a:p>
         </p:txBody>
       </p:sp>
       <p:sp>
         <p:nvSpPr>
-          <p:cNvPr id="4" name="Marcador de contenido 3">
+          <p:cNvPr id="4" name="Marcador de número de diapositiva 3">
             <a:extLst>
               <a:ext uri="{FF2B5EF4-FFF2-40B4-BE49-F238E27FC236}">
-                <a16:creationId xmlns:a16="http://schemas.microsoft.com/office/drawing/2014/main" id="{F0E4DEC6-8484-9F33-0E1D-9FBA83154E4E}"/>
-              </a:ext>
-            </a:extLst>
-          </p:cNvPr>
-          <p:cNvSpPr>
-            <a:spLocks noGrp="1"/>
-          </p:cNvSpPr>
-          <p:nvPr>
-            <p:ph sz="half" idx="2"/>
-          </p:nvPr>
-        </p:nvSpPr>
-        <p:spPr>
-          <a:xfrm>
-            <a:off x="839789" y="2092902"/>
-            <a:ext cx="5157787" cy="4480020"/>
-          </a:xfrm>
-          <a:ln>
-            <a:solidFill>
-              <a:schemeClr val="tx1"/>
-            </a:solidFill>
-          </a:ln>
-        </p:spPr>
-        <p:txBody>
-          <a:bodyPr anchor="ctr" anchorCtr="0">
-            <a:normAutofit fontScale="70000" lnSpcReduction="20000"/>
-          </a:bodyPr>
-          <a:lstStyle/>
-          <a:p>
-            <a:pPr>
-              <a:buFont typeface="Wingdings" panose="05000000000000000000" pitchFamily="2" charset="2"/>
-              <a:buChar char="Ø"/>
-            </a:pPr>
-            <a:r>
-              <a:rPr lang="es-AR" dirty="0">
-                <a:latin typeface="Arial" panose="020B0604020202020204" pitchFamily="34" charset="0"/>
-                <a:cs typeface="Arial" panose="020B0604020202020204" pitchFamily="34" charset="0"/>
-              </a:rPr>
-              <a:t>Información de la producción de cebada 2023 y 2024 para miles de lotes</a:t>
-            </a:r>
-          </a:p>
-          <a:p>
-            <a:pPr lvl="1"/>
-            <a:r>
-              <a:rPr lang="es-AR" dirty="0">
-                <a:latin typeface="Arial" panose="020B0604020202020204" pitchFamily="34" charset="0"/>
-                <a:cs typeface="Arial" panose="020B0604020202020204" pitchFamily="34" charset="0"/>
-              </a:rPr>
-              <a:t>Polígono del lote</a:t>
-            </a:r>
-          </a:p>
-          <a:p>
-            <a:pPr lvl="1"/>
-            <a:r>
-              <a:rPr lang="es-AR" dirty="0">
-                <a:latin typeface="Arial" panose="020B0604020202020204" pitchFamily="34" charset="0"/>
-                <a:cs typeface="Arial" panose="020B0604020202020204" pitchFamily="34" charset="0"/>
-              </a:rPr>
-              <a:t>Fecha de siembra</a:t>
-            </a:r>
-          </a:p>
-          <a:p>
-            <a:pPr lvl="1"/>
-            <a:r>
-              <a:rPr lang="es-AR" dirty="0">
-                <a:latin typeface="Arial" panose="020B0604020202020204" pitchFamily="34" charset="0"/>
-                <a:cs typeface="Arial" panose="020B0604020202020204" pitchFamily="34" charset="0"/>
-              </a:rPr>
-              <a:t>Cultivar</a:t>
-            </a:r>
-          </a:p>
-          <a:p>
-            <a:pPr lvl="1"/>
-            <a:r>
-              <a:rPr lang="es-AR" dirty="0">
-                <a:latin typeface="Arial" panose="020B0604020202020204" pitchFamily="34" charset="0"/>
-                <a:cs typeface="Arial" panose="020B0604020202020204" pitchFamily="34" charset="0"/>
-              </a:rPr>
-              <a:t>Aplicación de fertilizantes</a:t>
-            </a:r>
-          </a:p>
-          <a:p>
-            <a:pPr>
-              <a:buFont typeface="Wingdings" panose="05000000000000000000" pitchFamily="2" charset="2"/>
-              <a:buChar char="Ø"/>
-            </a:pPr>
-            <a:r>
-              <a:rPr lang="es-AR" dirty="0">
-                <a:latin typeface="Arial" panose="020B0604020202020204" pitchFamily="34" charset="0"/>
-                <a:cs typeface="Arial" panose="020B0604020202020204" pitchFamily="34" charset="0"/>
-              </a:rPr>
-              <a:t>Datos agroclimáticos por lote</a:t>
-            </a:r>
-          </a:p>
-          <a:p>
-            <a:pPr lvl="1"/>
-            <a:r>
-              <a:rPr lang="es-AR" dirty="0">
-                <a:latin typeface="Arial" panose="020B0604020202020204" pitchFamily="34" charset="0"/>
-                <a:cs typeface="Arial" panose="020B0604020202020204" pitchFamily="34" charset="0"/>
-              </a:rPr>
-              <a:t>Precipitación</a:t>
-            </a:r>
-          </a:p>
-          <a:p>
-            <a:pPr lvl="1"/>
-            <a:r>
-              <a:rPr lang="es-AR" dirty="0">
-                <a:latin typeface="Arial" panose="020B0604020202020204" pitchFamily="34" charset="0"/>
-                <a:cs typeface="Arial" panose="020B0604020202020204" pitchFamily="34" charset="0"/>
-              </a:rPr>
-              <a:t>Temperatura diaria</a:t>
-            </a:r>
-          </a:p>
-          <a:p>
-            <a:pPr lvl="1"/>
-            <a:r>
-              <a:rPr lang="es-AR" dirty="0">
-                <a:latin typeface="Arial" panose="020B0604020202020204" pitchFamily="34" charset="0"/>
-                <a:cs typeface="Arial" panose="020B0604020202020204" pitchFamily="34" charset="0"/>
-              </a:rPr>
-              <a:t>Fotoperíodo</a:t>
-            </a:r>
-          </a:p>
-          <a:p>
-            <a:pPr lvl="1"/>
-            <a:r>
-              <a:rPr lang="es-AR" dirty="0">
-                <a:latin typeface="Arial" panose="020B0604020202020204" pitchFamily="34" charset="0"/>
-                <a:cs typeface="Arial" panose="020B0604020202020204" pitchFamily="34" charset="0"/>
-              </a:rPr>
-              <a:t>Grados días</a:t>
-            </a:r>
-          </a:p>
-          <a:p>
-            <a:pPr lvl="1"/>
-            <a:r>
-              <a:rPr lang="es-AR" dirty="0">
-                <a:latin typeface="Arial" panose="020B0604020202020204" pitchFamily="34" charset="0"/>
-                <a:cs typeface="Arial" panose="020B0604020202020204" pitchFamily="34" charset="0"/>
-              </a:rPr>
-              <a:t>Radiación</a:t>
-            </a:r>
-          </a:p>
-          <a:p>
-            <a:pPr lvl="1"/>
-            <a:r>
-              <a:rPr lang="es-AR" dirty="0">
-                <a:latin typeface="Arial" panose="020B0604020202020204" pitchFamily="34" charset="0"/>
-                <a:cs typeface="Arial" panose="020B0604020202020204" pitchFamily="34" charset="0"/>
-              </a:rPr>
-              <a:t>Coeficiente </a:t>
-            </a:r>
-            <a:r>
-              <a:rPr lang="es-AR" dirty="0" err="1">
-                <a:latin typeface="Arial" panose="020B0604020202020204" pitchFamily="34" charset="0"/>
-                <a:cs typeface="Arial" panose="020B0604020202020204" pitchFamily="34" charset="0"/>
-              </a:rPr>
-              <a:t>fototermal</a:t>
-            </a:r>
-            <a:endParaRPr lang="es-AR" dirty="0">
-              <a:latin typeface="Arial" panose="020B0604020202020204" pitchFamily="34" charset="0"/>
-              <a:cs typeface="Arial" panose="020B0604020202020204" pitchFamily="34" charset="0"/>
-            </a:endParaRPr>
-          </a:p>
-          <a:p>
-            <a:pPr>
-              <a:buFont typeface="Wingdings" panose="05000000000000000000" pitchFamily="2" charset="2"/>
-              <a:buChar char="Ø"/>
-            </a:pPr>
-            <a:r>
-              <a:rPr lang="es-AR" dirty="0">
-                <a:latin typeface="Arial" panose="020B0604020202020204" pitchFamily="34" charset="0"/>
-                <a:cs typeface="Arial" panose="020B0604020202020204" pitchFamily="34" charset="0"/>
-              </a:rPr>
-              <a:t>Datos satelitales para cinco puntos representativos por lote</a:t>
-            </a:r>
-          </a:p>
-          <a:p>
-            <a:pPr lvl="1"/>
-            <a:r>
-              <a:rPr lang="es-AR" dirty="0">
-                <a:latin typeface="Arial" panose="020B0604020202020204" pitchFamily="34" charset="0"/>
-                <a:cs typeface="Arial" panose="020B0604020202020204" pitchFamily="34" charset="0"/>
-              </a:rPr>
-              <a:t>NDVI</a:t>
-            </a:r>
-          </a:p>
-          <a:p>
-            <a:pPr lvl="1"/>
-            <a:r>
-              <a:rPr lang="es-AR" dirty="0">
-                <a:latin typeface="Arial" panose="020B0604020202020204" pitchFamily="34" charset="0"/>
-                <a:cs typeface="Arial" panose="020B0604020202020204" pitchFamily="34" charset="0"/>
-              </a:rPr>
-              <a:t>Parámetros de la curva β</a:t>
-            </a:r>
-          </a:p>
-        </p:txBody>
-      </p:sp>
-      <p:sp>
-        <p:nvSpPr>
-          <p:cNvPr id="5" name="Marcador de texto 4">
-            <a:extLst>
-              <a:ext uri="{FF2B5EF4-FFF2-40B4-BE49-F238E27FC236}">
-                <a16:creationId xmlns:a16="http://schemas.microsoft.com/office/drawing/2014/main" id="{3885FB03-8131-06D8-931B-49970E4D8AFE}"/>
-              </a:ext>
-            </a:extLst>
-          </p:cNvPr>
-          <p:cNvSpPr>
-            <a:spLocks noGrp="1"/>
-          </p:cNvSpPr>
-          <p:nvPr>
-            <p:ph type="body" sz="quarter" idx="3"/>
-          </p:nvPr>
-        </p:nvSpPr>
-        <p:spPr>
-          <a:xfrm>
-            <a:off x="6172203" y="1681163"/>
-            <a:ext cx="5183188" cy="438093"/>
-          </a:xfrm>
-          <a:ln>
-            <a:solidFill>
-              <a:schemeClr val="tx1"/>
-            </a:solidFill>
-          </a:ln>
-        </p:spPr>
-        <p:txBody>
-          <a:bodyPr/>
-          <a:lstStyle/>
-          <a:p>
-            <a:r>
-              <a:rPr lang="es-ES" dirty="0"/>
-              <a:t>No incluye</a:t>
-            </a:r>
-            <a:endParaRPr lang="es-AR" dirty="0"/>
-          </a:p>
-        </p:txBody>
-      </p:sp>
-      <p:sp>
-        <p:nvSpPr>
-          <p:cNvPr id="6" name="Marcador de contenido 5">
-            <a:extLst>
-              <a:ext uri="{FF2B5EF4-FFF2-40B4-BE49-F238E27FC236}">
-                <a16:creationId xmlns:a16="http://schemas.microsoft.com/office/drawing/2014/main" id="{35DF0991-F27D-A291-20F5-38543122F105}"/>
-              </a:ext>
-            </a:extLst>
-          </p:cNvPr>
-          <p:cNvSpPr>
-            <a:spLocks noGrp="1"/>
-          </p:cNvSpPr>
-          <p:nvPr>
-            <p:ph sz="quarter" idx="4"/>
-          </p:nvPr>
-        </p:nvSpPr>
-        <p:spPr>
-          <a:xfrm>
-            <a:off x="6172203" y="2119256"/>
-            <a:ext cx="5183188" cy="4480020"/>
-          </a:xfrm>
-          <a:ln>
-            <a:solidFill>
-              <a:schemeClr val="tx1"/>
-            </a:solidFill>
-          </a:ln>
-        </p:spPr>
-        <p:txBody>
-          <a:bodyPr anchor="ctr" anchorCtr="0">
-            <a:normAutofit fontScale="70000" lnSpcReduction="20000"/>
-          </a:bodyPr>
-          <a:lstStyle/>
-          <a:p>
-            <a:r>
-              <a:rPr lang="es-AR" dirty="0">
-                <a:latin typeface="Arial" panose="020B0604020202020204" pitchFamily="34" charset="0"/>
-                <a:cs typeface="Arial" panose="020B0604020202020204" pitchFamily="34" charset="0"/>
-              </a:rPr>
-              <a:t>Observaciones en </a:t>
-            </a:r>
-            <a:r>
-              <a:rPr lang="es-AR" dirty="0" err="1">
-                <a:latin typeface="Arial" panose="020B0604020202020204" pitchFamily="34" charset="0"/>
-                <a:cs typeface="Arial" panose="020B0604020202020204" pitchFamily="34" charset="0"/>
-              </a:rPr>
-              <a:t>espigazón</a:t>
-            </a:r>
-            <a:endParaRPr lang="es-AR" dirty="0">
-              <a:latin typeface="Arial" panose="020B0604020202020204" pitchFamily="34" charset="0"/>
-              <a:cs typeface="Arial" panose="020B0604020202020204" pitchFamily="34" charset="0"/>
-            </a:endParaRPr>
-          </a:p>
-          <a:p>
-            <a:pPr lvl="1"/>
-            <a:r>
-              <a:rPr lang="es-AR" dirty="0">
-                <a:latin typeface="Arial" panose="020B0604020202020204" pitchFamily="34" charset="0"/>
-                <a:cs typeface="Arial" panose="020B0604020202020204" pitchFamily="34" charset="0"/>
-              </a:rPr>
-              <a:t>Biomasa aérea seca y fresca</a:t>
-            </a:r>
-          </a:p>
-          <a:p>
-            <a:pPr lvl="1"/>
-            <a:r>
-              <a:rPr lang="es-AR" dirty="0">
-                <a:latin typeface="Arial" panose="020B0604020202020204" pitchFamily="34" charset="0"/>
-                <a:cs typeface="Arial" panose="020B0604020202020204" pitchFamily="34" charset="0"/>
-              </a:rPr>
-              <a:t>Concentración y acumulación de nitrógeno en la biomasa</a:t>
-            </a:r>
-          </a:p>
-          <a:p>
-            <a:pPr lvl="1"/>
-            <a:r>
-              <a:rPr lang="es-AR" dirty="0">
-                <a:latin typeface="Arial" panose="020B0604020202020204" pitchFamily="34" charset="0"/>
-                <a:cs typeface="Arial" panose="020B0604020202020204" pitchFamily="34" charset="0"/>
-              </a:rPr>
-              <a:t>Índice de nutrición nitrogenada (INN)</a:t>
-            </a:r>
-          </a:p>
-          <a:p>
-            <a:pPr lvl="1"/>
-            <a:r>
-              <a:rPr lang="es-AR" dirty="0">
-                <a:latin typeface="Arial" panose="020B0604020202020204" pitchFamily="34" charset="0"/>
-                <a:cs typeface="Arial" panose="020B0604020202020204" pitchFamily="34" charset="0"/>
-              </a:rPr>
-              <a:t>Índice de diagnóstico hídrico (WDI)</a:t>
-            </a:r>
-          </a:p>
-          <a:p>
-            <a:endParaRPr lang="es-AR" dirty="0">
-              <a:latin typeface="Arial" panose="020B0604020202020204" pitchFamily="34" charset="0"/>
-              <a:cs typeface="Arial" panose="020B0604020202020204" pitchFamily="34" charset="0"/>
-            </a:endParaRPr>
-          </a:p>
-          <a:p>
-            <a:r>
-              <a:rPr lang="es-AR" dirty="0">
-                <a:latin typeface="Arial" panose="020B0604020202020204" pitchFamily="34" charset="0"/>
-                <a:cs typeface="Arial" panose="020B0604020202020204" pitchFamily="34" charset="0"/>
-              </a:rPr>
-              <a:t>Observados en cosecha</a:t>
-            </a:r>
-          </a:p>
-          <a:p>
-            <a:pPr lvl="1"/>
-            <a:r>
-              <a:rPr lang="es-AR" dirty="0">
-                <a:latin typeface="Arial" panose="020B0604020202020204" pitchFamily="34" charset="0"/>
-                <a:cs typeface="Arial" panose="020B0604020202020204" pitchFamily="34" charset="0"/>
-              </a:rPr>
-              <a:t>Rendimiento en grano</a:t>
-            </a:r>
-          </a:p>
-          <a:p>
-            <a:pPr lvl="1"/>
-            <a:r>
-              <a:rPr lang="es-AR" dirty="0">
-                <a:latin typeface="Arial" panose="020B0604020202020204" pitchFamily="34" charset="0"/>
-                <a:cs typeface="Arial" panose="020B0604020202020204" pitchFamily="34" charset="0"/>
-              </a:rPr>
-              <a:t>Concentración y acumulación de nitrógeno en grano</a:t>
-            </a:r>
-          </a:p>
-          <a:p>
-            <a:pPr lvl="1"/>
-            <a:r>
-              <a:rPr lang="es-AR" dirty="0">
-                <a:latin typeface="Arial" panose="020B0604020202020204" pitchFamily="34" charset="0"/>
-                <a:cs typeface="Arial" panose="020B0604020202020204" pitchFamily="34" charset="0"/>
-              </a:rPr>
-              <a:t>Proteína en grano</a:t>
-            </a:r>
-          </a:p>
-          <a:p>
-            <a:pPr lvl="1"/>
-            <a:r>
-              <a:rPr lang="es-AR" dirty="0">
-                <a:latin typeface="Arial" panose="020B0604020202020204" pitchFamily="34" charset="0"/>
-                <a:cs typeface="Arial" panose="020B0604020202020204" pitchFamily="34" charset="0"/>
-              </a:rPr>
-              <a:t>Índice de cosecha</a:t>
-            </a:r>
-          </a:p>
-          <a:p>
-            <a:pPr lvl="1"/>
-            <a:r>
-              <a:rPr lang="es-AR" dirty="0">
-                <a:latin typeface="Arial" panose="020B0604020202020204" pitchFamily="34" charset="0"/>
-                <a:cs typeface="Arial" panose="020B0604020202020204" pitchFamily="34" charset="0"/>
-              </a:rPr>
-              <a:t>Calidad de grano</a:t>
-            </a:r>
-          </a:p>
-          <a:p>
-            <a:pPr lvl="1"/>
-            <a:endParaRPr lang="es-AR" dirty="0">
-              <a:latin typeface="Arial" panose="020B0604020202020204" pitchFamily="34" charset="0"/>
-              <a:cs typeface="Arial" panose="020B0604020202020204" pitchFamily="34" charset="0"/>
-            </a:endParaRPr>
-          </a:p>
-          <a:p>
-            <a:pPr lvl="1"/>
-            <a:endParaRPr lang="es-AR" dirty="0">
-              <a:latin typeface="Arial" panose="020B0604020202020204" pitchFamily="34" charset="0"/>
-              <a:cs typeface="Arial" panose="020B0604020202020204" pitchFamily="34" charset="0"/>
-            </a:endParaRPr>
-          </a:p>
-          <a:p>
-            <a:pPr lvl="1"/>
-            <a:endParaRPr lang="es-AR" dirty="0">
-              <a:latin typeface="Arial" panose="020B0604020202020204" pitchFamily="34" charset="0"/>
-              <a:cs typeface="Arial" panose="020B0604020202020204" pitchFamily="34" charset="0"/>
-            </a:endParaRPr>
-          </a:p>
-        </p:txBody>
-      </p:sp>
-      <p:sp>
-        <p:nvSpPr>
-          <p:cNvPr id="7" name="Marcador de número de diapositiva 6">
-            <a:extLst>
-              <a:ext uri="{FF2B5EF4-FFF2-40B4-BE49-F238E27FC236}">
-                <a16:creationId xmlns:a16="http://schemas.microsoft.com/office/drawing/2014/main" id="{E2DE3B4B-988B-F032-54DE-AE7F4C32985E}"/>
+                <a16:creationId xmlns:a16="http://schemas.microsoft.com/office/drawing/2014/main" id="{C3F4A9E8-1C14-0798-24EC-4ED8871DAB9D}"/>
               </a:ext>
             </a:extLst>
           </p:cNvPr>
@@ -14050,16 +13721,278 @@
           </a:p>
         </p:txBody>
       </p:sp>
+      <p:pic>
+        <p:nvPicPr>
+          <p:cNvPr id="6" name="Imagen 5" descr="Logotipo&#10;&#10;El contenido generado por IA puede ser incorrecto.">
+            <a:extLst>
+              <a:ext uri="{FF2B5EF4-FFF2-40B4-BE49-F238E27FC236}">
+                <a16:creationId xmlns:a16="http://schemas.microsoft.com/office/drawing/2014/main" id="{23FCA0B8-5CB8-AD19-B9EA-CAB6325BAA0E}"/>
+              </a:ext>
+            </a:extLst>
+          </p:cNvPr>
+          <p:cNvPicPr>
+            <a:picLocks noChangeAspect="1"/>
+          </p:cNvPicPr>
+          <p:nvPr/>
+        </p:nvPicPr>
+        <p:blipFill>
+          <a:blip r:embed="rId2">
+            <a:extLst>
+              <a:ext uri="{28A0092B-C50C-407E-A947-70E740481C1C}">
+                <a14:useLocalDpi xmlns:a14="http://schemas.microsoft.com/office/drawing/2010/main" val="0"/>
+              </a:ext>
+            </a:extLst>
+          </a:blip>
+          <a:stretch>
+            <a:fillRect/>
+          </a:stretch>
+        </p:blipFill>
+        <p:spPr>
+          <a:xfrm>
+            <a:off x="0" y="6252210"/>
+            <a:ext cx="1828800" cy="605790"/>
+          </a:xfrm>
+          <a:prstGeom prst="rect">
+            <a:avLst/>
+          </a:prstGeom>
+        </p:spPr>
+      </p:pic>
     </p:spTree>
     <p:extLst>
       <p:ext uri="{BB962C8B-B14F-4D97-AF65-F5344CB8AC3E}">
-        <p14:creationId xmlns:p14="http://schemas.microsoft.com/office/powerpoint/2010/main" val="3034641274"/>
+        <p14:creationId xmlns:p14="http://schemas.microsoft.com/office/powerpoint/2010/main" val="4080647131"/>
       </p:ext>
     </p:extLst>
   </p:cSld>
   <p:clrMapOvr>
     <a:masterClrMapping/>
   </p:clrMapOvr>
+  <p:timing>
+    <p:tnLst>
+      <p:par>
+        <p:cTn id="1" dur="indefinite" restart="never" nodeType="tmRoot">
+          <p:childTnLst>
+            <p:seq concurrent="1" nextAc="seek">
+              <p:cTn id="2" dur="indefinite" nodeType="mainSeq">
+                <p:childTnLst>
+                  <p:par>
+                    <p:cTn id="3" fill="hold">
+                      <p:stCondLst>
+                        <p:cond delay="indefinite"/>
+                      </p:stCondLst>
+                      <p:childTnLst>
+                        <p:par>
+                          <p:cTn id="4" fill="hold">
+                            <p:stCondLst>
+                              <p:cond delay="0"/>
+                            </p:stCondLst>
+                            <p:childTnLst>
+                              <p:par>
+                                <p:cTn id="5" presetID="1" presetClass="entr" presetSubtype="0" fill="hold" nodeType="clickEffect">
+                                  <p:stCondLst>
+                                    <p:cond delay="0"/>
+                                  </p:stCondLst>
+                                  <p:childTnLst>
+                                    <p:set>
+                                      <p:cBhvr>
+                                        <p:cTn id="6" dur="1" fill="hold">
+                                          <p:stCondLst>
+                                            <p:cond delay="0"/>
+                                          </p:stCondLst>
+                                        </p:cTn>
+                                        <p:tgtEl>
+                                          <p:spTgt spid="3">
+                                            <p:txEl>
+                                              <p:pRg st="0" end="0"/>
+                                            </p:txEl>
+                                          </p:spTgt>
+                                        </p:tgtEl>
+                                        <p:attrNameLst>
+                                          <p:attrName>style.visibility</p:attrName>
+                                        </p:attrNameLst>
+                                      </p:cBhvr>
+                                      <p:to>
+                                        <p:strVal val="visible"/>
+                                      </p:to>
+                                    </p:set>
+                                  </p:childTnLst>
+                                </p:cTn>
+                              </p:par>
+                            </p:childTnLst>
+                          </p:cTn>
+                        </p:par>
+                      </p:childTnLst>
+                    </p:cTn>
+                  </p:par>
+                  <p:par>
+                    <p:cTn id="7" fill="hold">
+                      <p:stCondLst>
+                        <p:cond delay="indefinite"/>
+                      </p:stCondLst>
+                      <p:childTnLst>
+                        <p:par>
+                          <p:cTn id="8" fill="hold">
+                            <p:stCondLst>
+                              <p:cond delay="0"/>
+                            </p:stCondLst>
+                            <p:childTnLst>
+                              <p:par>
+                                <p:cTn id="9" presetID="1" presetClass="entr" presetSubtype="0" fill="hold" nodeType="clickEffect">
+                                  <p:stCondLst>
+                                    <p:cond delay="0"/>
+                                  </p:stCondLst>
+                                  <p:childTnLst>
+                                    <p:set>
+                                      <p:cBhvr>
+                                        <p:cTn id="10" dur="1" fill="hold">
+                                          <p:stCondLst>
+                                            <p:cond delay="0"/>
+                                          </p:stCondLst>
+                                        </p:cTn>
+                                        <p:tgtEl>
+                                          <p:spTgt spid="3">
+                                            <p:txEl>
+                                              <p:pRg st="1" end="1"/>
+                                            </p:txEl>
+                                          </p:spTgt>
+                                        </p:tgtEl>
+                                        <p:attrNameLst>
+                                          <p:attrName>style.visibility</p:attrName>
+                                        </p:attrNameLst>
+                                      </p:cBhvr>
+                                      <p:to>
+                                        <p:strVal val="visible"/>
+                                      </p:to>
+                                    </p:set>
+                                  </p:childTnLst>
+                                </p:cTn>
+                              </p:par>
+                            </p:childTnLst>
+                          </p:cTn>
+                        </p:par>
+                      </p:childTnLst>
+                    </p:cTn>
+                  </p:par>
+                  <p:par>
+                    <p:cTn id="11" fill="hold">
+                      <p:stCondLst>
+                        <p:cond delay="indefinite"/>
+                      </p:stCondLst>
+                      <p:childTnLst>
+                        <p:par>
+                          <p:cTn id="12" fill="hold">
+                            <p:stCondLst>
+                              <p:cond delay="0"/>
+                            </p:stCondLst>
+                            <p:childTnLst>
+                              <p:par>
+                                <p:cTn id="13" presetID="1" presetClass="entr" presetSubtype="0" fill="hold" nodeType="clickEffect">
+                                  <p:stCondLst>
+                                    <p:cond delay="0"/>
+                                  </p:stCondLst>
+                                  <p:childTnLst>
+                                    <p:set>
+                                      <p:cBhvr>
+                                        <p:cTn id="14" dur="1" fill="hold">
+                                          <p:stCondLst>
+                                            <p:cond delay="0"/>
+                                          </p:stCondLst>
+                                        </p:cTn>
+                                        <p:tgtEl>
+                                          <p:spTgt spid="3">
+                                            <p:txEl>
+                                              <p:pRg st="2" end="2"/>
+                                            </p:txEl>
+                                          </p:spTgt>
+                                        </p:tgtEl>
+                                        <p:attrNameLst>
+                                          <p:attrName>style.visibility</p:attrName>
+                                        </p:attrNameLst>
+                                      </p:cBhvr>
+                                      <p:to>
+                                        <p:strVal val="visible"/>
+                                      </p:to>
+                                    </p:set>
+                                  </p:childTnLst>
+                                </p:cTn>
+                              </p:par>
+                            </p:childTnLst>
+                          </p:cTn>
+                        </p:par>
+                      </p:childTnLst>
+                    </p:cTn>
+                  </p:par>
+                  <p:par>
+                    <p:cTn id="15" fill="hold">
+                      <p:stCondLst>
+                        <p:cond delay="indefinite"/>
+                      </p:stCondLst>
+                      <p:childTnLst>
+                        <p:par>
+                          <p:cTn id="16" fill="hold">
+                            <p:stCondLst>
+                              <p:cond delay="0"/>
+                            </p:stCondLst>
+                            <p:childTnLst>
+                              <p:par>
+                                <p:cTn id="17" presetID="1" presetClass="entr" presetSubtype="0" fill="hold" nodeType="clickEffect">
+                                  <p:stCondLst>
+                                    <p:cond delay="0"/>
+                                  </p:stCondLst>
+                                  <p:childTnLst>
+                                    <p:set>
+                                      <p:cBhvr>
+                                        <p:cTn id="18" dur="1" fill="hold">
+                                          <p:stCondLst>
+                                            <p:cond delay="0"/>
+                                          </p:stCondLst>
+                                        </p:cTn>
+                                        <p:tgtEl>
+                                          <p:spTgt spid="3">
+                                            <p:txEl>
+                                              <p:pRg st="3" end="3"/>
+                                            </p:txEl>
+                                          </p:spTgt>
+                                        </p:tgtEl>
+                                        <p:attrNameLst>
+                                          <p:attrName>style.visibility</p:attrName>
+                                        </p:attrNameLst>
+                                      </p:cBhvr>
+                                      <p:to>
+                                        <p:strVal val="visible"/>
+                                      </p:to>
+                                    </p:set>
+                                  </p:childTnLst>
+                                </p:cTn>
+                              </p:par>
+                            </p:childTnLst>
+                          </p:cTn>
+                        </p:par>
+                      </p:childTnLst>
+                    </p:cTn>
+                  </p:par>
+                </p:childTnLst>
+              </p:cTn>
+              <p:prevCondLst>
+                <p:cond evt="onPrev" delay="0">
+                  <p:tgtEl>
+                    <p:sldTgt/>
+                  </p:tgtEl>
+                </p:cond>
+              </p:prevCondLst>
+              <p:nextCondLst>
+                <p:cond evt="onNext" delay="0">
+                  <p:tgtEl>
+                    <p:sldTgt/>
+                  </p:tgtEl>
+                </p:cond>
+              </p:nextCondLst>
+            </p:seq>
+          </p:childTnLst>
+        </p:cTn>
+      </p:par>
+    </p:tnLst>
+  </p:timing>
 </p:sld>
 </file>
 

--- a/Adrian_Lapaz_presentacion.pptx
+++ b/Adrian_Lapaz_presentacion.pptx
@@ -20,7 +20,7 @@
     <p:sldId id="290" r:id="rId11"/>
     <p:sldId id="262" r:id="rId12"/>
     <p:sldId id="288" r:id="rId13"/>
-    <p:sldId id="291" r:id="rId14"/>
+    <p:sldId id="295" r:id="rId14"/>
     <p:sldId id="293" r:id="rId15"/>
     <p:sldId id="266" r:id="rId16"/>
   </p:sldIdLst>
@@ -132,13 +132,214 @@
 <file path=ppt/revisionInfo.xml><?xml version="1.0" encoding="utf-8"?>
 <p1510:revInfo xmlns:a="http://schemas.openxmlformats.org/drawingml/2006/main" xmlns:r="http://schemas.openxmlformats.org/officeDocument/2006/relationships" xmlns:p1510="http://schemas.microsoft.com/office/powerpoint/2015/10/main">
   <p1510:revLst>
-    <p1510:client id="{FA4F1720-4B09-4E47-B1BD-A0DE7E6635FE}" v="177" dt="2025-04-20T16:17:01.684"/>
+    <p1510:client id="{1FD4D17B-9F0D-456B-91F1-7EE1DCA3F045}" v="29" dt="2025-04-22T00:34:21.278"/>
   </p1510:revLst>
 </p1510:revInfo>
 </file>
 
 <file path=ppt/changesInfos/changesInfo1.xml><?xml version="1.0" encoding="utf-8"?>
 <pc:chgInfo xmlns:a="http://schemas.openxmlformats.org/drawingml/2006/main" xmlns:r="http://schemas.openxmlformats.org/officeDocument/2006/relationships" xmlns:ac="http://schemas.microsoft.com/office/drawing/2013/main/command" xmlns:pc="http://schemas.microsoft.com/office/powerpoint/2013/main/command">
+  <pc:docChgLst>
+    <pc:chgData name="ADRIAN LAPAZ" userId="d8ff7f18ef729175" providerId="LiveId" clId="{1FD4D17B-9F0D-456B-91F1-7EE1DCA3F045}"/>
+    <pc:docChg chg="undo redo custSel addSld delSld modSld">
+      <pc:chgData name="ADRIAN LAPAZ" userId="d8ff7f18ef729175" providerId="LiveId" clId="{1FD4D17B-9F0D-456B-91F1-7EE1DCA3F045}" dt="2025-04-22T00:36:06.699" v="236" actId="20577"/>
+      <pc:docMkLst>
+        <pc:docMk/>
+      </pc:docMkLst>
+      <pc:sldChg chg="modSp mod">
+        <pc:chgData name="ADRIAN LAPAZ" userId="d8ff7f18ef729175" providerId="LiveId" clId="{1FD4D17B-9F0D-456B-91F1-7EE1DCA3F045}" dt="2025-04-22T00:11:30.596" v="32" actId="20577"/>
+        <pc:sldMkLst>
+          <pc:docMk/>
+          <pc:sldMk cId="366488338" sldId="258"/>
+        </pc:sldMkLst>
+        <pc:spChg chg="mod">
+          <ac:chgData name="ADRIAN LAPAZ" userId="d8ff7f18ef729175" providerId="LiveId" clId="{1FD4D17B-9F0D-456B-91F1-7EE1DCA3F045}" dt="2025-04-22T00:09:15.090" v="1" actId="255"/>
+          <ac:spMkLst>
+            <pc:docMk/>
+            <pc:sldMk cId="366488338" sldId="258"/>
+            <ac:spMk id="2" creationId="{9C253F4F-4B4D-E853-E358-98952962C28F}"/>
+          </ac:spMkLst>
+        </pc:spChg>
+        <pc:spChg chg="mod">
+          <ac:chgData name="ADRIAN LAPAZ" userId="d8ff7f18ef729175" providerId="LiveId" clId="{1FD4D17B-9F0D-456B-91F1-7EE1DCA3F045}" dt="2025-04-22T00:11:30.596" v="32" actId="20577"/>
+          <ac:spMkLst>
+            <pc:docMk/>
+            <pc:sldMk cId="366488338" sldId="258"/>
+            <ac:spMk id="3" creationId="{69D5B813-546E-0DE0-5D28-44B31E9BE823}"/>
+          </ac:spMkLst>
+        </pc:spChg>
+      </pc:sldChg>
+      <pc:sldChg chg="modSp mod">
+        <pc:chgData name="ADRIAN LAPAZ" userId="d8ff7f18ef729175" providerId="LiveId" clId="{1FD4D17B-9F0D-456B-91F1-7EE1DCA3F045}" dt="2025-04-22T00:11:23.790" v="30" actId="20577"/>
+        <pc:sldMkLst>
+          <pc:docMk/>
+          <pc:sldMk cId="1200349377" sldId="277"/>
+        </pc:sldMkLst>
+        <pc:spChg chg="mod">
+          <ac:chgData name="ADRIAN LAPAZ" userId="d8ff7f18ef729175" providerId="LiveId" clId="{1FD4D17B-9F0D-456B-91F1-7EE1DCA3F045}" dt="2025-04-22T00:11:23.790" v="30" actId="20577"/>
+          <ac:spMkLst>
+            <pc:docMk/>
+            <pc:sldMk cId="1200349377" sldId="277"/>
+            <ac:spMk id="3" creationId="{9C5A7905-DC80-F889-4EDA-6DB143883B0C}"/>
+          </ac:spMkLst>
+        </pc:spChg>
+      </pc:sldChg>
+      <pc:sldChg chg="modSp">
+        <pc:chgData name="ADRIAN LAPAZ" userId="d8ff7f18ef729175" providerId="LiveId" clId="{1FD4D17B-9F0D-456B-91F1-7EE1DCA3F045}" dt="2025-04-22T00:09:35.203" v="5" actId="20577"/>
+        <pc:sldMkLst>
+          <pc:docMk/>
+          <pc:sldMk cId="4161097549" sldId="288"/>
+        </pc:sldMkLst>
+        <pc:spChg chg="mod">
+          <ac:chgData name="ADRIAN LAPAZ" userId="d8ff7f18ef729175" providerId="LiveId" clId="{1FD4D17B-9F0D-456B-91F1-7EE1DCA3F045}" dt="2025-04-22T00:09:35.203" v="5" actId="20577"/>
+          <ac:spMkLst>
+            <pc:docMk/>
+            <pc:sldMk cId="4161097549" sldId="288"/>
+            <ac:spMk id="3" creationId="{895A5FFD-C38C-6774-5C39-684804B1AE3A}"/>
+          </ac:spMkLst>
+        </pc:spChg>
+      </pc:sldChg>
+      <pc:sldChg chg="addSp modSp del mod">
+        <pc:chgData name="ADRIAN LAPAZ" userId="d8ff7f18ef729175" providerId="LiveId" clId="{1FD4D17B-9F0D-456B-91F1-7EE1DCA3F045}" dt="2025-04-22T00:35:41.712" v="224" actId="2696"/>
+        <pc:sldMkLst>
+          <pc:docMk/>
+          <pc:sldMk cId="3545665216" sldId="291"/>
+        </pc:sldMkLst>
+        <pc:spChg chg="add mod">
+          <ac:chgData name="ADRIAN LAPAZ" userId="d8ff7f18ef729175" providerId="LiveId" clId="{1FD4D17B-9F0D-456B-91F1-7EE1DCA3F045}" dt="2025-04-22T00:32:42.292" v="158" actId="20577"/>
+          <ac:spMkLst>
+            <pc:docMk/>
+            <pc:sldMk cId="3545665216" sldId="291"/>
+            <ac:spMk id="3" creationId="{0095FD23-7D28-E714-A9CE-27CF4BE0736B}"/>
+          </ac:spMkLst>
+        </pc:spChg>
+        <pc:spChg chg="add mod">
+          <ac:chgData name="ADRIAN LAPAZ" userId="d8ff7f18ef729175" providerId="LiveId" clId="{1FD4D17B-9F0D-456B-91F1-7EE1DCA3F045}" dt="2025-04-22T00:30:08.957" v="71" actId="14100"/>
+          <ac:spMkLst>
+            <pc:docMk/>
+            <pc:sldMk cId="3545665216" sldId="291"/>
+            <ac:spMk id="5" creationId="{268E7EAE-E8DC-4B9E-7422-9C259C5C84E2}"/>
+          </ac:spMkLst>
+        </pc:spChg>
+        <pc:spChg chg="add mod">
+          <ac:chgData name="ADRIAN LAPAZ" userId="d8ff7f18ef729175" providerId="LiveId" clId="{1FD4D17B-9F0D-456B-91F1-7EE1DCA3F045}" dt="2025-04-22T00:32:37.640" v="157" actId="113"/>
+          <ac:spMkLst>
+            <pc:docMk/>
+            <pc:sldMk cId="3545665216" sldId="291"/>
+            <ac:spMk id="7" creationId="{3F425481-9C88-C89B-AD8E-D37B75E12A3D}"/>
+          </ac:spMkLst>
+        </pc:spChg>
+        <pc:spChg chg="mod">
+          <ac:chgData name="ADRIAN LAPAZ" userId="d8ff7f18ef729175" providerId="LiveId" clId="{1FD4D17B-9F0D-456B-91F1-7EE1DCA3F045}" dt="2025-04-22T00:32:45.972" v="159" actId="20577"/>
+          <ac:spMkLst>
+            <pc:docMk/>
+            <pc:sldMk cId="3545665216" sldId="291"/>
+            <ac:spMk id="8" creationId="{7AC8A693-20B2-F8B1-2F24-57627B564373}"/>
+          </ac:spMkLst>
+        </pc:spChg>
+        <pc:spChg chg="mod">
+          <ac:chgData name="ADRIAN LAPAZ" userId="d8ff7f18ef729175" providerId="LiveId" clId="{1FD4D17B-9F0D-456B-91F1-7EE1DCA3F045}" dt="2025-04-22T00:13:08.224" v="62" actId="14100"/>
+          <ac:spMkLst>
+            <pc:docMk/>
+            <pc:sldMk cId="3545665216" sldId="291"/>
+            <ac:spMk id="10" creationId="{0E98D0B4-5144-A7CF-FB9B-DFC6989B029E}"/>
+          </ac:spMkLst>
+        </pc:spChg>
+        <pc:spChg chg="mod">
+          <ac:chgData name="ADRIAN LAPAZ" userId="d8ff7f18ef729175" providerId="LiveId" clId="{1FD4D17B-9F0D-456B-91F1-7EE1DCA3F045}" dt="2025-04-22T00:32:27.374" v="154" actId="20577"/>
+          <ac:spMkLst>
+            <pc:docMk/>
+            <pc:sldMk cId="3545665216" sldId="291"/>
+            <ac:spMk id="11" creationId="{F4D41F70-447D-C174-1E97-A7730CE71866}"/>
+          </ac:spMkLst>
+        </pc:spChg>
+      </pc:sldChg>
+      <pc:sldChg chg="modSp modAnim">
+        <pc:chgData name="ADRIAN LAPAZ" userId="d8ff7f18ef729175" providerId="LiveId" clId="{1FD4D17B-9F0D-456B-91F1-7EE1DCA3F045}" dt="2025-04-22T00:11:13.988" v="27" actId="20577"/>
+        <pc:sldMkLst>
+          <pc:docMk/>
+          <pc:sldMk cId="515186656" sldId="292"/>
+        </pc:sldMkLst>
+        <pc:spChg chg="mod">
+          <ac:chgData name="ADRIAN LAPAZ" userId="d8ff7f18ef729175" providerId="LiveId" clId="{1FD4D17B-9F0D-456B-91F1-7EE1DCA3F045}" dt="2025-04-22T00:10:52.558" v="11" actId="20577"/>
+          <ac:spMkLst>
+            <pc:docMk/>
+            <pc:sldMk cId="515186656" sldId="292"/>
+            <ac:spMk id="3" creationId="{98CFF59B-E454-23D7-1CE9-43F21A214C45}"/>
+          </ac:spMkLst>
+        </pc:spChg>
+      </pc:sldChg>
+      <pc:sldChg chg="modSp mod">
+        <pc:chgData name="ADRIAN LAPAZ" userId="d8ff7f18ef729175" providerId="LiveId" clId="{1FD4D17B-9F0D-456B-91F1-7EE1DCA3F045}" dt="2025-04-22T00:11:16.531" v="29"/>
+        <pc:sldMkLst>
+          <pc:docMk/>
+          <pc:sldMk cId="114352189" sldId="293"/>
+        </pc:sldMkLst>
+        <pc:spChg chg="mod">
+          <ac:chgData name="ADRIAN LAPAZ" userId="d8ff7f18ef729175" providerId="LiveId" clId="{1FD4D17B-9F0D-456B-91F1-7EE1DCA3F045}" dt="2025-04-22T00:11:16.531" v="29"/>
+          <ac:spMkLst>
+            <pc:docMk/>
+            <pc:sldMk cId="114352189" sldId="293"/>
+            <ac:spMk id="3" creationId="{82393443-B079-87EB-9092-BCEEFDAA57E0}"/>
+          </ac:spMkLst>
+        </pc:spChg>
+      </pc:sldChg>
+      <pc:sldChg chg="modSp">
+        <pc:chgData name="ADRIAN LAPAZ" userId="d8ff7f18ef729175" providerId="LiveId" clId="{1FD4D17B-9F0D-456B-91F1-7EE1DCA3F045}" dt="2025-04-22T00:11:38.929" v="35" actId="20577"/>
+        <pc:sldMkLst>
+          <pc:docMk/>
+          <pc:sldMk cId="4080647131" sldId="294"/>
+        </pc:sldMkLst>
+        <pc:spChg chg="mod">
+          <ac:chgData name="ADRIAN LAPAZ" userId="d8ff7f18ef729175" providerId="LiveId" clId="{1FD4D17B-9F0D-456B-91F1-7EE1DCA3F045}" dt="2025-04-22T00:11:38.929" v="35" actId="20577"/>
+          <ac:spMkLst>
+            <pc:docMk/>
+            <pc:sldMk cId="4080647131" sldId="294"/>
+            <ac:spMk id="3" creationId="{9632E9EC-00BE-4B54-846E-660E87F4A90E}"/>
+          </ac:spMkLst>
+        </pc:spChg>
+      </pc:sldChg>
+      <pc:sldChg chg="addSp delSp modSp add mod delAnim modAnim">
+        <pc:chgData name="ADRIAN LAPAZ" userId="d8ff7f18ef729175" providerId="LiveId" clId="{1FD4D17B-9F0D-456B-91F1-7EE1DCA3F045}" dt="2025-04-22T00:36:06.699" v="236" actId="20577"/>
+        <pc:sldMkLst>
+          <pc:docMk/>
+          <pc:sldMk cId="3583603672" sldId="295"/>
+        </pc:sldMkLst>
+        <pc:spChg chg="mod">
+          <ac:chgData name="ADRIAN LAPAZ" userId="d8ff7f18ef729175" providerId="LiveId" clId="{1FD4D17B-9F0D-456B-91F1-7EE1DCA3F045}" dt="2025-04-22T00:35:37.313" v="223" actId="255"/>
+          <ac:spMkLst>
+            <pc:docMk/>
+            <pc:sldMk cId="3583603672" sldId="295"/>
+            <ac:spMk id="2" creationId="{6091941E-F33D-05F9-0F60-02002CBD8017}"/>
+          </ac:spMkLst>
+        </pc:spChg>
+        <pc:spChg chg="del mod">
+          <ac:chgData name="ADRIAN LAPAZ" userId="d8ff7f18ef729175" providerId="LiveId" clId="{1FD4D17B-9F0D-456B-91F1-7EE1DCA3F045}" dt="2025-04-22T00:33:11.129" v="164" actId="3680"/>
+          <ac:spMkLst>
+            <pc:docMk/>
+            <pc:sldMk cId="3583603672" sldId="295"/>
+            <ac:spMk id="3" creationId="{CC650CAD-A528-71BD-0EDB-352679222199}"/>
+          </ac:spMkLst>
+        </pc:spChg>
+        <pc:graphicFrameChg chg="add mod ord modGraphic">
+          <ac:chgData name="ADRIAN LAPAZ" userId="d8ff7f18ef729175" providerId="LiveId" clId="{1FD4D17B-9F0D-456B-91F1-7EE1DCA3F045}" dt="2025-04-22T00:36:06.699" v="236" actId="20577"/>
+          <ac:graphicFrameMkLst>
+            <pc:docMk/>
+            <pc:sldMk cId="3583603672" sldId="295"/>
+            <ac:graphicFrameMk id="5" creationId="{5E4E3D4F-ABD3-FE61-5AE5-ADA080984A28}"/>
+          </ac:graphicFrameMkLst>
+        </pc:graphicFrameChg>
+        <pc:picChg chg="del">
+          <ac:chgData name="ADRIAN LAPAZ" userId="d8ff7f18ef729175" providerId="LiveId" clId="{1FD4D17B-9F0D-456B-91F1-7EE1DCA3F045}" dt="2025-04-22T00:32:54.908" v="161" actId="478"/>
+          <ac:picMkLst>
+            <pc:docMk/>
+            <pc:sldMk cId="3583603672" sldId="295"/>
+            <ac:picMk id="9" creationId="{504D7246-59AB-F984-1298-6713E53B19F6}"/>
+          </ac:picMkLst>
+        </pc:picChg>
+      </pc:sldChg>
+    </pc:docChg>
+  </pc:docChgLst>
   <pc:docChgLst>
     <pc:chgData name="ADRIAN LAPAZ" userId="d8ff7f18ef729175" providerId="LiveId" clId="{FA4F1720-4B09-4E47-B1BD-A0DE7E6635FE}"/>
     <pc:docChg chg="undo redo custSel addSld delSld modSld sldOrd modMainMaster modNotesMaster">
@@ -183,14 +384,6 @@
           <pc:docMk/>
           <pc:sldMk cId="344659672" sldId="257"/>
         </pc:sldMkLst>
-        <pc:picChg chg="add del">
-          <ac:chgData name="ADRIAN LAPAZ" userId="d8ff7f18ef729175" providerId="LiveId" clId="{FA4F1720-4B09-4E47-B1BD-A0DE7E6635FE}" dt="2025-04-20T01:21:38.944" v="581" actId="21"/>
-          <ac:picMkLst>
-            <pc:docMk/>
-            <pc:sldMk cId="344659672" sldId="257"/>
-            <ac:picMk id="5" creationId="{D00D3A5B-DE54-221B-02EB-7A9B5976BA60}"/>
-          </ac:picMkLst>
-        </pc:picChg>
       </pc:sldChg>
       <pc:sldChg chg="addSp delSp modSp mod ord modAnim">
         <pc:chgData name="ADRIAN LAPAZ" userId="d8ff7f18ef729175" providerId="LiveId" clId="{FA4F1720-4B09-4E47-B1BD-A0DE7E6635FE}" dt="2025-04-20T16:45:27.302" v="1968" actId="20577"/>
@@ -222,14 +415,6 @@
             <ac:spMk id="4" creationId="{7519068A-F3F5-D7A4-7016-21BBC34B6621}"/>
           </ac:spMkLst>
         </pc:spChg>
-        <pc:spChg chg="add del">
-          <ac:chgData name="ADRIAN LAPAZ" userId="d8ff7f18ef729175" providerId="LiveId" clId="{FA4F1720-4B09-4E47-B1BD-A0DE7E6635FE}" dt="2025-04-20T16:44:19.051" v="1945" actId="22"/>
-          <ac:spMkLst>
-            <pc:docMk/>
-            <pc:sldMk cId="366488338" sldId="258"/>
-            <ac:spMk id="7" creationId="{096DF41B-67AD-C867-0742-A8F4197A3CE3}"/>
-          </ac:spMkLst>
-        </pc:spChg>
         <pc:picChg chg="mod">
           <ac:chgData name="ADRIAN LAPAZ" userId="d8ff7f18ef729175" providerId="LiveId" clId="{FA4F1720-4B09-4E47-B1BD-A0DE7E6635FE}" dt="2025-04-20T16:12:17.335" v="1554"/>
           <ac:picMkLst>
@@ -245,38 +430,6 @@
           <pc:docMk/>
           <pc:sldMk cId="21861973" sldId="259"/>
         </pc:sldMkLst>
-        <pc:spChg chg="mod">
-          <ac:chgData name="ADRIAN LAPAZ" userId="d8ff7f18ef729175" providerId="LiveId" clId="{FA4F1720-4B09-4E47-B1BD-A0DE7E6635FE}" dt="2025-04-20T16:12:17.335" v="1554"/>
-          <ac:spMkLst>
-            <pc:docMk/>
-            <pc:sldMk cId="21861973" sldId="259"/>
-            <ac:spMk id="2" creationId="{5BDBB312-976A-92C6-4A65-BF4AD9F1A79B}"/>
-          </ac:spMkLst>
-        </pc:spChg>
-        <pc:spChg chg="mod">
-          <ac:chgData name="ADRIAN LAPAZ" userId="d8ff7f18ef729175" providerId="LiveId" clId="{FA4F1720-4B09-4E47-B1BD-A0DE7E6635FE}" dt="2025-04-20T16:12:17.335" v="1554"/>
-          <ac:spMkLst>
-            <pc:docMk/>
-            <pc:sldMk cId="21861973" sldId="259"/>
-            <ac:spMk id="3" creationId="{B2C80610-BB36-D100-EBC5-1B677963CBB5}"/>
-          </ac:spMkLst>
-        </pc:spChg>
-        <pc:spChg chg="mod">
-          <ac:chgData name="ADRIAN LAPAZ" userId="d8ff7f18ef729175" providerId="LiveId" clId="{FA4F1720-4B09-4E47-B1BD-A0DE7E6635FE}" dt="2025-04-20T16:12:17.335" v="1554"/>
-          <ac:spMkLst>
-            <pc:docMk/>
-            <pc:sldMk cId="21861973" sldId="259"/>
-            <ac:spMk id="4" creationId="{1E08A1DB-ACA8-F2DF-15E2-7E4AC7970863}"/>
-          </ac:spMkLst>
-        </pc:spChg>
-        <pc:picChg chg="mod">
-          <ac:chgData name="ADRIAN LAPAZ" userId="d8ff7f18ef729175" providerId="LiveId" clId="{FA4F1720-4B09-4E47-B1BD-A0DE7E6635FE}" dt="2025-04-20T16:12:17.335" v="1554"/>
-          <ac:picMkLst>
-            <pc:docMk/>
-            <pc:sldMk cId="21861973" sldId="259"/>
-            <ac:picMk id="5" creationId="{A0E81015-3768-9AC5-9C4A-7F120382AC6C}"/>
-          </ac:picMkLst>
-        </pc:picChg>
       </pc:sldChg>
       <pc:sldChg chg="modSp mod ord">
         <pc:chgData name="ADRIAN LAPAZ" userId="d8ff7f18ef729175" providerId="LiveId" clId="{FA4F1720-4B09-4E47-B1BD-A0DE7E6635FE}" dt="2025-04-20T22:02:47.353" v="2384" actId="14100"/>
@@ -323,38 +476,6 @@
           <pc:docMk/>
           <pc:sldMk cId="2600079152" sldId="261"/>
         </pc:sldMkLst>
-        <pc:spChg chg="mod">
-          <ac:chgData name="ADRIAN LAPAZ" userId="d8ff7f18ef729175" providerId="LiveId" clId="{FA4F1720-4B09-4E47-B1BD-A0DE7E6635FE}" dt="2025-04-20T16:12:17.335" v="1554"/>
-          <ac:spMkLst>
-            <pc:docMk/>
-            <pc:sldMk cId="2600079152" sldId="261"/>
-            <ac:spMk id="2" creationId="{4D07B662-5D10-B361-B94A-08E9C4BC8BEA}"/>
-          </ac:spMkLst>
-        </pc:spChg>
-        <pc:spChg chg="mod">
-          <ac:chgData name="ADRIAN LAPAZ" userId="d8ff7f18ef729175" providerId="LiveId" clId="{FA4F1720-4B09-4E47-B1BD-A0DE7E6635FE}" dt="2025-04-20T16:12:17.335" v="1554"/>
-          <ac:spMkLst>
-            <pc:docMk/>
-            <pc:sldMk cId="2600079152" sldId="261"/>
-            <ac:spMk id="3" creationId="{285B20A7-42FD-5F37-A806-9AD6A797E1F3}"/>
-          </ac:spMkLst>
-        </pc:spChg>
-        <pc:spChg chg="mod">
-          <ac:chgData name="ADRIAN LAPAZ" userId="d8ff7f18ef729175" providerId="LiveId" clId="{FA4F1720-4B09-4E47-B1BD-A0DE7E6635FE}" dt="2025-04-20T16:12:17.335" v="1554"/>
-          <ac:spMkLst>
-            <pc:docMk/>
-            <pc:sldMk cId="2600079152" sldId="261"/>
-            <ac:spMk id="4" creationId="{2313D8AA-1B9C-41E1-0583-F988CF17596E}"/>
-          </ac:spMkLst>
-        </pc:spChg>
-        <pc:picChg chg="mod">
-          <ac:chgData name="ADRIAN LAPAZ" userId="d8ff7f18ef729175" providerId="LiveId" clId="{FA4F1720-4B09-4E47-B1BD-A0DE7E6635FE}" dt="2025-04-20T16:12:17.335" v="1554"/>
-          <ac:picMkLst>
-            <pc:docMk/>
-            <pc:sldMk cId="2600079152" sldId="261"/>
-            <ac:picMk id="5" creationId="{8F477099-20BF-663D-B49D-EC453A133314}"/>
-          </ac:picMkLst>
-        </pc:picChg>
       </pc:sldChg>
       <pc:sldChg chg="addSp delSp modSp mod ord">
         <pc:chgData name="ADRIAN LAPAZ" userId="d8ff7f18ef729175" providerId="LiveId" clId="{FA4F1720-4B09-4E47-B1BD-A0DE7E6635FE}" dt="2025-04-20T22:34:56.620" v="2479" actId="14100"/>
@@ -378,36 +499,12 @@
             <ac:spMk id="4" creationId="{011F4555-C409-D031-DB43-2816457AC2F2}"/>
           </ac:spMkLst>
         </pc:spChg>
-        <pc:spChg chg="add del mod">
-          <ac:chgData name="ADRIAN LAPAZ" userId="d8ff7f18ef729175" providerId="LiveId" clId="{FA4F1720-4B09-4E47-B1BD-A0DE7E6635FE}" dt="2025-04-20T22:34:51.807" v="2476" actId="478"/>
-          <ac:spMkLst>
-            <pc:docMk/>
-            <pc:sldMk cId="2226561123" sldId="262"/>
-            <ac:spMk id="5" creationId="{6DB56FB4-E429-E8E7-5CAF-1EB5221DCD99}"/>
-          </ac:spMkLst>
-        </pc:spChg>
-        <pc:spChg chg="del mod">
-          <ac:chgData name="ADRIAN LAPAZ" userId="d8ff7f18ef729175" providerId="LiveId" clId="{FA4F1720-4B09-4E47-B1BD-A0DE7E6635FE}" dt="2025-04-20T22:34:48.689" v="2475" actId="478"/>
-          <ac:spMkLst>
-            <pc:docMk/>
-            <pc:sldMk cId="2226561123" sldId="262"/>
-            <ac:spMk id="8" creationId="{56D8F594-CF3D-CB77-BD18-17F18EED8808}"/>
-          </ac:spMkLst>
-        </pc:spChg>
         <pc:picChg chg="add mod">
           <ac:chgData name="ADRIAN LAPAZ" userId="d8ff7f18ef729175" providerId="LiveId" clId="{FA4F1720-4B09-4E47-B1BD-A0DE7E6635FE}" dt="2025-04-20T22:34:56.620" v="2479" actId="14100"/>
           <ac:picMkLst>
             <pc:docMk/>
             <pc:sldMk cId="2226561123" sldId="262"/>
             <ac:picMk id="7" creationId="{ED8AAD7F-D1AA-F3D6-058B-10AB79C1D367}"/>
-          </ac:picMkLst>
-        </pc:picChg>
-        <pc:picChg chg="del mod">
-          <ac:chgData name="ADRIAN LAPAZ" userId="d8ff7f18ef729175" providerId="LiveId" clId="{FA4F1720-4B09-4E47-B1BD-A0DE7E6635FE}" dt="2025-04-20T22:34:46.822" v="2474" actId="478"/>
-          <ac:picMkLst>
-            <pc:docMk/>
-            <pc:sldMk cId="2226561123" sldId="262"/>
-            <ac:picMk id="10" creationId="{4C9376D3-08F2-8457-5638-49C5F30E8AC4}"/>
           </ac:picMkLst>
         </pc:picChg>
         <pc:picChg chg="mod">
@@ -425,38 +522,6 @@
           <pc:docMk/>
           <pc:sldMk cId="237979536" sldId="263"/>
         </pc:sldMkLst>
-        <pc:spChg chg="mod">
-          <ac:chgData name="ADRIAN LAPAZ" userId="d8ff7f18ef729175" providerId="LiveId" clId="{FA4F1720-4B09-4E47-B1BD-A0DE7E6635FE}" dt="2025-04-20T16:12:17.335" v="1554"/>
-          <ac:spMkLst>
-            <pc:docMk/>
-            <pc:sldMk cId="237979536" sldId="263"/>
-            <ac:spMk id="2" creationId="{4DAF6334-DC97-04FF-F85C-66A9F754EEE4}"/>
-          </ac:spMkLst>
-        </pc:spChg>
-        <pc:spChg chg="mod">
-          <ac:chgData name="ADRIAN LAPAZ" userId="d8ff7f18ef729175" providerId="LiveId" clId="{FA4F1720-4B09-4E47-B1BD-A0DE7E6635FE}" dt="2025-04-20T16:12:17.335" v="1554"/>
-          <ac:spMkLst>
-            <pc:docMk/>
-            <pc:sldMk cId="237979536" sldId="263"/>
-            <ac:spMk id="3" creationId="{9FC2C89F-7671-76AD-A2DB-93117F888CAB}"/>
-          </ac:spMkLst>
-        </pc:spChg>
-        <pc:spChg chg="mod">
-          <ac:chgData name="ADRIAN LAPAZ" userId="d8ff7f18ef729175" providerId="LiveId" clId="{FA4F1720-4B09-4E47-B1BD-A0DE7E6635FE}" dt="2025-04-20T16:12:17.335" v="1554"/>
-          <ac:spMkLst>
-            <pc:docMk/>
-            <pc:sldMk cId="237979536" sldId="263"/>
-            <ac:spMk id="4" creationId="{A3AEE151-E85F-4A77-4D04-BEFEBD0838C6}"/>
-          </ac:spMkLst>
-        </pc:spChg>
-        <pc:picChg chg="mod">
-          <ac:chgData name="ADRIAN LAPAZ" userId="d8ff7f18ef729175" providerId="LiveId" clId="{FA4F1720-4B09-4E47-B1BD-A0DE7E6635FE}" dt="2025-04-20T16:12:17.335" v="1554"/>
-          <ac:picMkLst>
-            <pc:docMk/>
-            <pc:sldMk cId="237979536" sldId="263"/>
-            <ac:picMk id="7" creationId="{F02E177F-ECEC-8279-318A-2B5C16FC1953}"/>
-          </ac:picMkLst>
-        </pc:picChg>
       </pc:sldChg>
       <pc:sldChg chg="modSp del">
         <pc:chgData name="ADRIAN LAPAZ" userId="d8ff7f18ef729175" providerId="LiveId" clId="{FA4F1720-4B09-4E47-B1BD-A0DE7E6635FE}" dt="2025-04-20T23:21:25.642" v="2938" actId="47"/>
@@ -464,38 +529,6 @@
           <pc:docMk/>
           <pc:sldMk cId="3577415161" sldId="264"/>
         </pc:sldMkLst>
-        <pc:spChg chg="mod">
-          <ac:chgData name="ADRIAN LAPAZ" userId="d8ff7f18ef729175" providerId="LiveId" clId="{FA4F1720-4B09-4E47-B1BD-A0DE7E6635FE}" dt="2025-04-20T16:12:17.335" v="1554"/>
-          <ac:spMkLst>
-            <pc:docMk/>
-            <pc:sldMk cId="3577415161" sldId="264"/>
-            <ac:spMk id="2" creationId="{8333E63E-A0F9-C752-B3FD-48ABF4D3BC5B}"/>
-          </ac:spMkLst>
-        </pc:spChg>
-        <pc:spChg chg="mod">
-          <ac:chgData name="ADRIAN LAPAZ" userId="d8ff7f18ef729175" providerId="LiveId" clId="{FA4F1720-4B09-4E47-B1BD-A0DE7E6635FE}" dt="2025-04-20T16:12:17.335" v="1554"/>
-          <ac:spMkLst>
-            <pc:docMk/>
-            <pc:sldMk cId="3577415161" sldId="264"/>
-            <ac:spMk id="3" creationId="{9F857C4B-D4AE-7538-A471-D4542F45BDEC}"/>
-          </ac:spMkLst>
-        </pc:spChg>
-        <pc:spChg chg="mod">
-          <ac:chgData name="ADRIAN LAPAZ" userId="d8ff7f18ef729175" providerId="LiveId" clId="{FA4F1720-4B09-4E47-B1BD-A0DE7E6635FE}" dt="2025-04-20T16:12:17.335" v="1554"/>
-          <ac:spMkLst>
-            <pc:docMk/>
-            <pc:sldMk cId="3577415161" sldId="264"/>
-            <ac:spMk id="4" creationId="{7570C7F0-0915-5B45-A8E3-C982BE3F75E9}"/>
-          </ac:spMkLst>
-        </pc:spChg>
-        <pc:picChg chg="mod">
-          <ac:chgData name="ADRIAN LAPAZ" userId="d8ff7f18ef729175" providerId="LiveId" clId="{FA4F1720-4B09-4E47-B1BD-A0DE7E6635FE}" dt="2025-04-20T16:12:17.335" v="1554"/>
-          <ac:picMkLst>
-            <pc:docMk/>
-            <pc:sldMk cId="3577415161" sldId="264"/>
-            <ac:picMk id="5" creationId="{FA326BC6-0126-D3C4-4B0D-96FCA0E611CC}"/>
-          </ac:picMkLst>
-        </pc:picChg>
       </pc:sldChg>
       <pc:sldChg chg="modSp del">
         <pc:chgData name="ADRIAN LAPAZ" userId="d8ff7f18ef729175" providerId="LiveId" clId="{FA4F1720-4B09-4E47-B1BD-A0DE7E6635FE}" dt="2025-04-20T23:21:25.642" v="2938" actId="47"/>
@@ -503,38 +536,6 @@
           <pc:docMk/>
           <pc:sldMk cId="4058511922" sldId="265"/>
         </pc:sldMkLst>
-        <pc:spChg chg="mod">
-          <ac:chgData name="ADRIAN LAPAZ" userId="d8ff7f18ef729175" providerId="LiveId" clId="{FA4F1720-4B09-4E47-B1BD-A0DE7E6635FE}" dt="2025-04-20T16:12:17.335" v="1554"/>
-          <ac:spMkLst>
-            <pc:docMk/>
-            <pc:sldMk cId="4058511922" sldId="265"/>
-            <ac:spMk id="2" creationId="{2A8E3A3E-4A6C-B2C1-A36E-88FE652D26A6}"/>
-          </ac:spMkLst>
-        </pc:spChg>
-        <pc:spChg chg="mod">
-          <ac:chgData name="ADRIAN LAPAZ" userId="d8ff7f18ef729175" providerId="LiveId" clId="{FA4F1720-4B09-4E47-B1BD-A0DE7E6635FE}" dt="2025-04-20T16:12:17.335" v="1554"/>
-          <ac:spMkLst>
-            <pc:docMk/>
-            <pc:sldMk cId="4058511922" sldId="265"/>
-            <ac:spMk id="3" creationId="{707C3F67-3AF5-845A-9273-C592BD29A3C8}"/>
-          </ac:spMkLst>
-        </pc:spChg>
-        <pc:spChg chg="mod">
-          <ac:chgData name="ADRIAN LAPAZ" userId="d8ff7f18ef729175" providerId="LiveId" clId="{FA4F1720-4B09-4E47-B1BD-A0DE7E6635FE}" dt="2025-04-20T16:12:17.335" v="1554"/>
-          <ac:spMkLst>
-            <pc:docMk/>
-            <pc:sldMk cId="4058511922" sldId="265"/>
-            <ac:spMk id="4" creationId="{10C43428-107F-2EF8-F30C-E9BF617A7D72}"/>
-          </ac:spMkLst>
-        </pc:spChg>
-        <pc:picChg chg="mod">
-          <ac:chgData name="ADRIAN LAPAZ" userId="d8ff7f18ef729175" providerId="LiveId" clId="{FA4F1720-4B09-4E47-B1BD-A0DE7E6635FE}" dt="2025-04-20T16:12:17.335" v="1554"/>
-          <ac:picMkLst>
-            <pc:docMk/>
-            <pc:sldMk cId="4058511922" sldId="265"/>
-            <ac:picMk id="5" creationId="{7100823F-5ECC-2374-462F-E54581155D0B}"/>
-          </ac:picMkLst>
-        </pc:picChg>
       </pc:sldChg>
       <pc:sldChg chg="delSp modSp mod">
         <pc:chgData name="ADRIAN LAPAZ" userId="d8ff7f18ef729175" providerId="LiveId" clId="{FA4F1720-4B09-4E47-B1BD-A0DE7E6635FE}" dt="2025-04-20T23:22:59.919" v="2951" actId="113"/>
@@ -542,14 +543,6 @@
           <pc:docMk/>
           <pc:sldMk cId="2985611689" sldId="266"/>
         </pc:sldMkLst>
-        <pc:spChg chg="del mod">
-          <ac:chgData name="ADRIAN LAPAZ" userId="d8ff7f18ef729175" providerId="LiveId" clId="{FA4F1720-4B09-4E47-B1BD-A0DE7E6635FE}" dt="2025-04-20T23:21:35.925" v="2940" actId="478"/>
-          <ac:spMkLst>
-            <pc:docMk/>
-            <pc:sldMk cId="2985611689" sldId="266"/>
-            <ac:spMk id="2" creationId="{F70274F1-3415-80DB-5F99-33118E3A2527}"/>
-          </ac:spMkLst>
-        </pc:spChg>
         <pc:spChg chg="mod">
           <ac:chgData name="ADRIAN LAPAZ" userId="d8ff7f18ef729175" providerId="LiveId" clId="{FA4F1720-4B09-4E47-B1BD-A0DE7E6635FE}" dt="2025-04-20T23:22:59.919" v="2951" actId="113"/>
           <ac:spMkLst>
@@ -580,166 +573,6 @@
           <pc:docMk/>
           <pc:sldMk cId="4240474631" sldId="267"/>
         </pc:sldMkLst>
-        <pc:spChg chg="mod">
-          <ac:chgData name="ADRIAN LAPAZ" userId="d8ff7f18ef729175" providerId="LiveId" clId="{FA4F1720-4B09-4E47-B1BD-A0DE7E6635FE}" dt="2025-04-20T15:21:06.044" v="1314"/>
-          <ac:spMkLst>
-            <pc:docMk/>
-            <pc:sldMk cId="4240474631" sldId="267"/>
-            <ac:spMk id="2" creationId="{85C7759C-5D00-1BBF-8B04-ACDE3FD80E40}"/>
-          </ac:spMkLst>
-        </pc:spChg>
-        <pc:spChg chg="add del">
-          <ac:chgData name="ADRIAN LAPAZ" userId="d8ff7f18ef729175" providerId="LiveId" clId="{FA4F1720-4B09-4E47-B1BD-A0DE7E6635FE}" dt="2025-04-20T00:12:40.833" v="338" actId="11529"/>
-          <ac:spMkLst>
-            <pc:docMk/>
-            <pc:sldMk cId="4240474631" sldId="267"/>
-            <ac:spMk id="19" creationId="{DC890B50-5DA9-F2D8-97D1-834001C8EDB6}"/>
-          </ac:spMkLst>
-        </pc:spChg>
-        <pc:spChg chg="add del mod">
-          <ac:chgData name="ADRIAN LAPAZ" userId="d8ff7f18ef729175" providerId="LiveId" clId="{FA4F1720-4B09-4E47-B1BD-A0DE7E6635FE}" dt="2025-04-20T00:27:28.859" v="353" actId="478"/>
-          <ac:spMkLst>
-            <pc:docMk/>
-            <pc:sldMk cId="4240474631" sldId="267"/>
-            <ac:spMk id="28" creationId="{41FDFABE-BB8A-52FD-E27C-2C39A9A213B8}"/>
-          </ac:spMkLst>
-        </pc:spChg>
-        <pc:spChg chg="add del mod">
-          <ac:chgData name="ADRIAN LAPAZ" userId="d8ff7f18ef729175" providerId="LiveId" clId="{FA4F1720-4B09-4E47-B1BD-A0DE7E6635FE}" dt="2025-04-20T00:57:48.378" v="487" actId="478"/>
-          <ac:spMkLst>
-            <pc:docMk/>
-            <pc:sldMk cId="4240474631" sldId="267"/>
-            <ac:spMk id="29" creationId="{6DD10CC4-91B8-C259-2649-BE891473A5F4}"/>
-          </ac:spMkLst>
-        </pc:spChg>
-        <pc:spChg chg="add del mod">
-          <ac:chgData name="ADRIAN LAPAZ" userId="d8ff7f18ef729175" providerId="LiveId" clId="{FA4F1720-4B09-4E47-B1BD-A0DE7E6635FE}" dt="2025-04-20T00:50:33.478" v="382" actId="478"/>
-          <ac:spMkLst>
-            <pc:docMk/>
-            <pc:sldMk cId="4240474631" sldId="267"/>
-            <ac:spMk id="30" creationId="{FFFB1638-2D21-B47B-FA0D-DC8FE1025508}"/>
-          </ac:spMkLst>
-        </pc:spChg>
-        <pc:spChg chg="add del mod">
-          <ac:chgData name="ADRIAN LAPAZ" userId="d8ff7f18ef729175" providerId="LiveId" clId="{FA4F1720-4B09-4E47-B1BD-A0DE7E6635FE}" dt="2025-04-20T00:57:55.643" v="489" actId="478"/>
-          <ac:spMkLst>
-            <pc:docMk/>
-            <pc:sldMk cId="4240474631" sldId="267"/>
-            <ac:spMk id="31" creationId="{C90C380D-81B2-A1AA-5F00-BE938DC189A5}"/>
-          </ac:spMkLst>
-        </pc:spChg>
-        <pc:spChg chg="add del mod">
-          <ac:chgData name="ADRIAN LAPAZ" userId="d8ff7f18ef729175" providerId="LiveId" clId="{FA4F1720-4B09-4E47-B1BD-A0DE7E6635FE}" dt="2025-04-20T00:57:52.193" v="488" actId="478"/>
-          <ac:spMkLst>
-            <pc:docMk/>
-            <pc:sldMk cId="4240474631" sldId="267"/>
-            <ac:spMk id="32" creationId="{DEF919A4-34A3-DEE7-6826-EBFDB63D7DCC}"/>
-          </ac:spMkLst>
-        </pc:spChg>
-        <pc:spChg chg="add del mod ord">
-          <ac:chgData name="ADRIAN LAPAZ" userId="d8ff7f18ef729175" providerId="LiveId" clId="{FA4F1720-4B09-4E47-B1BD-A0DE7E6635FE}" dt="2025-04-20T01:16:27.522" v="565" actId="478"/>
-          <ac:spMkLst>
-            <pc:docMk/>
-            <pc:sldMk cId="4240474631" sldId="267"/>
-            <ac:spMk id="38" creationId="{86E3536B-1F26-C836-7FE7-95C45051C8F0}"/>
-          </ac:spMkLst>
-        </pc:spChg>
-        <pc:spChg chg="add del mod">
-          <ac:chgData name="ADRIAN LAPAZ" userId="d8ff7f18ef729175" providerId="LiveId" clId="{FA4F1720-4B09-4E47-B1BD-A0DE7E6635FE}" dt="2025-04-20T01:16:23.516" v="564" actId="478"/>
-          <ac:spMkLst>
-            <pc:docMk/>
-            <pc:sldMk cId="4240474631" sldId="267"/>
-            <ac:spMk id="39" creationId="{0D454475-EE6D-D096-6552-DC5C60DFF0EA}"/>
-          </ac:spMkLst>
-        </pc:spChg>
-        <pc:spChg chg="add del mod">
-          <ac:chgData name="ADRIAN LAPAZ" userId="d8ff7f18ef729175" providerId="LiveId" clId="{FA4F1720-4B09-4E47-B1BD-A0DE7E6635FE}" dt="2025-04-20T01:16:30.275" v="566" actId="478"/>
-          <ac:spMkLst>
-            <pc:docMk/>
-            <pc:sldMk cId="4240474631" sldId="267"/>
-            <ac:spMk id="44" creationId="{1FC1E06A-579F-3E4E-F6C3-7E73797B4C61}"/>
-          </ac:spMkLst>
-        </pc:spChg>
-        <pc:picChg chg="add del mod">
-          <ac:chgData name="ADRIAN LAPAZ" userId="d8ff7f18ef729175" providerId="LiveId" clId="{FA4F1720-4B09-4E47-B1BD-A0DE7E6635FE}" dt="2025-04-20T00:55:39.354" v="472" actId="478"/>
-          <ac:picMkLst>
-            <pc:docMk/>
-            <pc:sldMk cId="4240474631" sldId="267"/>
-            <ac:picMk id="14" creationId="{E5FA37E3-CDE3-7B2A-AEA4-4ECA45D17E19}"/>
-          </ac:picMkLst>
-        </pc:picChg>
-        <pc:picChg chg="add mod">
-          <ac:chgData name="ADRIAN LAPAZ" userId="d8ff7f18ef729175" providerId="LiveId" clId="{FA4F1720-4B09-4E47-B1BD-A0DE7E6635FE}" dt="2025-04-20T00:55:15.425" v="463"/>
-          <ac:picMkLst>
-            <pc:docMk/>
-            <pc:sldMk cId="4240474631" sldId="267"/>
-            <ac:picMk id="34" creationId="{4B6D0B53-C79A-9E7F-0CE8-2AC77831EF99}"/>
-          </ac:picMkLst>
-        </pc:picChg>
-        <pc:picChg chg="add del mod">
-          <ac:chgData name="ADRIAN LAPAZ" userId="d8ff7f18ef729175" providerId="LiveId" clId="{FA4F1720-4B09-4E47-B1BD-A0DE7E6635FE}" dt="2025-04-20T00:55:37.446" v="471" actId="21"/>
-          <ac:picMkLst>
-            <pc:docMk/>
-            <pc:sldMk cId="4240474631" sldId="267"/>
-            <ac:picMk id="36" creationId="{B4A561AD-F19F-D700-27CD-6C3E551EE626}"/>
-          </ac:picMkLst>
-        </pc:picChg>
-        <pc:picChg chg="add mod ord">
-          <ac:chgData name="ADRIAN LAPAZ" userId="d8ff7f18ef729175" providerId="LiveId" clId="{FA4F1720-4B09-4E47-B1BD-A0DE7E6635FE}" dt="2025-04-20T01:00:58.965" v="499" actId="14100"/>
-          <ac:picMkLst>
-            <pc:docMk/>
-            <pc:sldMk cId="4240474631" sldId="267"/>
-            <ac:picMk id="37" creationId="{B4A561AD-F19F-D700-27CD-6C3E551EE626}"/>
-          </ac:picMkLst>
-        </pc:picChg>
-        <pc:picChg chg="add del mod">
-          <ac:chgData name="ADRIAN LAPAZ" userId="d8ff7f18ef729175" providerId="LiveId" clId="{FA4F1720-4B09-4E47-B1BD-A0DE7E6635FE}" dt="2025-04-20T01:02:48.668" v="510" actId="478"/>
-          <ac:picMkLst>
-            <pc:docMk/>
-            <pc:sldMk cId="4240474631" sldId="267"/>
-            <ac:picMk id="1032" creationId="{763F9E37-D475-BA51-4332-71E20CEF8DF4}"/>
-          </ac:picMkLst>
-        </pc:picChg>
-        <pc:picChg chg="add del mod">
-          <ac:chgData name="ADRIAN LAPAZ" userId="d8ff7f18ef729175" providerId="LiveId" clId="{FA4F1720-4B09-4E47-B1BD-A0DE7E6635FE}" dt="2025-04-20T01:16:21.609" v="563" actId="478"/>
-          <ac:picMkLst>
-            <pc:docMk/>
-            <pc:sldMk cId="4240474631" sldId="267"/>
-            <ac:picMk id="1034" creationId="{EE04B27B-BC18-5186-B500-A19AE6FD13DB}"/>
-          </ac:picMkLst>
-        </pc:picChg>
-        <pc:cxnChg chg="add del mod">
-          <ac:chgData name="ADRIAN LAPAZ" userId="d8ff7f18ef729175" providerId="LiveId" clId="{FA4F1720-4B09-4E47-B1BD-A0DE7E6635FE}" dt="2025-04-20T00:12:23.581" v="334" actId="478"/>
-          <ac:cxnSpMkLst>
-            <pc:docMk/>
-            <pc:sldMk cId="4240474631" sldId="267"/>
-            <ac:cxnSpMk id="18" creationId="{F2A0E133-7EEE-FB1B-E82B-01F48DD93D1E}"/>
-          </ac:cxnSpMkLst>
-        </pc:cxnChg>
-        <pc:cxnChg chg="add del">
-          <ac:chgData name="ADRIAN LAPAZ" userId="d8ff7f18ef729175" providerId="LiveId" clId="{FA4F1720-4B09-4E47-B1BD-A0DE7E6635FE}" dt="2025-04-20T00:12:40.311" v="337" actId="11529"/>
-          <ac:cxnSpMkLst>
-            <pc:docMk/>
-            <pc:sldMk cId="4240474631" sldId="267"/>
-            <ac:cxnSpMk id="21" creationId="{ADC6F4FA-A456-7051-A889-BE53C4C09773}"/>
-          </ac:cxnSpMkLst>
-        </pc:cxnChg>
-        <pc:cxnChg chg="add mod">
-          <ac:chgData name="ADRIAN LAPAZ" userId="d8ff7f18ef729175" providerId="LiveId" clId="{FA4F1720-4B09-4E47-B1BD-A0DE7E6635FE}" dt="2025-04-20T01:04:35.630" v="536" actId="14100"/>
-          <ac:cxnSpMkLst>
-            <pc:docMk/>
-            <pc:sldMk cId="4240474631" sldId="267"/>
-            <ac:cxnSpMk id="23" creationId="{F6A2FE99-49CC-8CA7-6385-FB48BCD50D10}"/>
-          </ac:cxnSpMkLst>
-        </pc:cxnChg>
-        <pc:cxnChg chg="add mod">
-          <ac:chgData name="ADRIAN LAPAZ" userId="d8ff7f18ef729175" providerId="LiveId" clId="{FA4F1720-4B09-4E47-B1BD-A0DE7E6635FE}" dt="2025-04-20T01:04:25.573" v="533" actId="14100"/>
-          <ac:cxnSpMkLst>
-            <pc:docMk/>
-            <pc:sldMk cId="4240474631" sldId="267"/>
-            <ac:cxnSpMk id="25" creationId="{EE3B5A3E-0AC5-10AC-D9C5-F5C55FF3D672}"/>
-          </ac:cxnSpMkLst>
-        </pc:cxnChg>
       </pc:sldChg>
       <pc:sldChg chg="addSp delSp modSp add del mod">
         <pc:chgData name="ADRIAN LAPAZ" userId="d8ff7f18ef729175" providerId="LiveId" clId="{FA4F1720-4B09-4E47-B1BD-A0DE7E6635FE}" dt="2025-04-20T01:00:17.343" v="498" actId="2696"/>
@@ -747,22 +580,6 @@
           <pc:docMk/>
           <pc:sldMk cId="151027497" sldId="268"/>
         </pc:sldMkLst>
-        <pc:picChg chg="add mod ord">
-          <ac:chgData name="ADRIAN LAPAZ" userId="d8ff7f18ef729175" providerId="LiveId" clId="{FA4F1720-4B09-4E47-B1BD-A0DE7E6635FE}" dt="2025-04-20T00:55:10.036" v="457" actId="1076"/>
-          <ac:picMkLst>
-            <pc:docMk/>
-            <pc:sldMk cId="151027497" sldId="268"/>
-            <ac:picMk id="4" creationId="{6D48B2E4-84C7-0001-91A9-865175054850}"/>
-          </ac:picMkLst>
-        </pc:picChg>
-        <pc:picChg chg="del mod ord">
-          <ac:chgData name="ADRIAN LAPAZ" userId="d8ff7f18ef729175" providerId="LiveId" clId="{FA4F1720-4B09-4E47-B1BD-A0DE7E6635FE}" dt="2025-04-20T00:55:03.827" v="451" actId="478"/>
-          <ac:picMkLst>
-            <pc:docMk/>
-            <pc:sldMk cId="151027497" sldId="268"/>
-            <ac:picMk id="14" creationId="{FDE4417E-ABBB-42CE-A468-A755A16E1139}"/>
-          </ac:picMkLst>
-        </pc:picChg>
       </pc:sldChg>
       <pc:sldChg chg="add del">
         <pc:chgData name="ADRIAN LAPAZ" userId="d8ff7f18ef729175" providerId="LiveId" clId="{FA4F1720-4B09-4E47-B1BD-A0DE7E6635FE}" dt="2025-04-20T01:26:40.249" v="592" actId="2696"/>
@@ -784,30 +601,6 @@
           <pc:docMk/>
           <pc:sldMk cId="2331695152" sldId="270"/>
         </pc:sldMkLst>
-        <pc:spChg chg="mod">
-          <ac:chgData name="ADRIAN LAPAZ" userId="d8ff7f18ef729175" providerId="LiveId" clId="{FA4F1720-4B09-4E47-B1BD-A0DE7E6635FE}" dt="2025-04-20T15:21:05.639" v="1313"/>
-          <ac:spMkLst>
-            <pc:docMk/>
-            <pc:sldMk cId="2331695152" sldId="270"/>
-            <ac:spMk id="2" creationId="{B86C8E30-DB4F-CF93-1E57-C38632F31CFA}"/>
-          </ac:spMkLst>
-        </pc:spChg>
-        <pc:spChg chg="del">
-          <ac:chgData name="ADRIAN LAPAZ" userId="d8ff7f18ef729175" providerId="LiveId" clId="{FA4F1720-4B09-4E47-B1BD-A0DE7E6635FE}" dt="2025-04-20T01:16:43.651" v="567" actId="478"/>
-          <ac:spMkLst>
-            <pc:docMk/>
-            <pc:sldMk cId="2331695152" sldId="270"/>
-            <ac:spMk id="38" creationId="{EBF2DFD5-CB74-818A-EC57-70EE05F58BCB}"/>
-          </ac:spMkLst>
-        </pc:spChg>
-        <pc:spChg chg="del">
-          <ac:chgData name="ADRIAN LAPAZ" userId="d8ff7f18ef729175" providerId="LiveId" clId="{FA4F1720-4B09-4E47-B1BD-A0DE7E6635FE}" dt="2025-04-20T01:16:47.986" v="568" actId="478"/>
-          <ac:spMkLst>
-            <pc:docMk/>
-            <pc:sldMk cId="2331695152" sldId="270"/>
-            <ac:spMk id="44" creationId="{5EDCE64E-8C03-50B7-EB4D-4C4CE7E55581}"/>
-          </ac:spMkLst>
-        </pc:spChg>
       </pc:sldChg>
       <pc:sldChg chg="addSp delSp modSp add del mod">
         <pc:chgData name="ADRIAN LAPAZ" userId="d8ff7f18ef729175" providerId="LiveId" clId="{FA4F1720-4B09-4E47-B1BD-A0DE7E6635FE}" dt="2025-04-20T16:00:28.403" v="1396" actId="47"/>
@@ -815,110 +608,6 @@
           <pc:docMk/>
           <pc:sldMk cId="2643511060" sldId="271"/>
         </pc:sldMkLst>
-        <pc:spChg chg="add del mod">
-          <ac:chgData name="ADRIAN LAPAZ" userId="d8ff7f18ef729175" providerId="LiveId" clId="{FA4F1720-4B09-4E47-B1BD-A0DE7E6635FE}" dt="2025-04-20T01:28:52.508" v="609" actId="478"/>
-          <ac:spMkLst>
-            <pc:docMk/>
-            <pc:sldMk cId="2643511060" sldId="271"/>
-            <ac:spMk id="6" creationId="{5684940E-105F-3DB8-4416-0CFA7167D764}"/>
-          </ac:spMkLst>
-        </pc:spChg>
-        <pc:spChg chg="del">
-          <ac:chgData name="ADRIAN LAPAZ" userId="d8ff7f18ef729175" providerId="LiveId" clId="{FA4F1720-4B09-4E47-B1BD-A0DE7E6635FE}" dt="2025-04-20T01:21:35.295" v="579" actId="478"/>
-          <ac:spMkLst>
-            <pc:docMk/>
-            <pc:sldMk cId="2643511060" sldId="271"/>
-            <ac:spMk id="16" creationId="{96C2DD19-38BC-344F-B252-BFB2FA593BD5}"/>
-          </ac:spMkLst>
-        </pc:spChg>
-        <pc:spChg chg="del">
-          <ac:chgData name="ADRIAN LAPAZ" userId="d8ff7f18ef729175" providerId="LiveId" clId="{FA4F1720-4B09-4E47-B1BD-A0DE7E6635FE}" dt="2025-04-20T01:21:27.366" v="573" actId="478"/>
-          <ac:spMkLst>
-            <pc:docMk/>
-            <pc:sldMk cId="2643511060" sldId="271"/>
-            <ac:spMk id="38" creationId="{259D0594-07A0-F596-F6DB-BCFE7FFA1766}"/>
-          </ac:spMkLst>
-        </pc:spChg>
-        <pc:spChg chg="del">
-          <ac:chgData name="ADRIAN LAPAZ" userId="d8ff7f18ef729175" providerId="LiveId" clId="{FA4F1720-4B09-4E47-B1BD-A0DE7E6635FE}" dt="2025-04-20T01:21:28.695" v="574" actId="478"/>
-          <ac:spMkLst>
-            <pc:docMk/>
-            <pc:sldMk cId="2643511060" sldId="271"/>
-            <ac:spMk id="39" creationId="{FBF04BF3-796F-C592-4824-C5AFC82F6799}"/>
-          </ac:spMkLst>
-        </pc:spChg>
-        <pc:spChg chg="del">
-          <ac:chgData name="ADRIAN LAPAZ" userId="d8ff7f18ef729175" providerId="LiveId" clId="{FA4F1720-4B09-4E47-B1BD-A0DE7E6635FE}" dt="2025-04-20T01:21:30.489" v="575" actId="478"/>
-          <ac:spMkLst>
-            <pc:docMk/>
-            <pc:sldMk cId="2643511060" sldId="271"/>
-            <ac:spMk id="44" creationId="{1D136197-3305-425B-DA3B-F8AEDB657B45}"/>
-          </ac:spMkLst>
-        </pc:spChg>
-        <pc:picChg chg="add mod">
-          <ac:chgData name="ADRIAN LAPAZ" userId="d8ff7f18ef729175" providerId="LiveId" clId="{FA4F1720-4B09-4E47-B1BD-A0DE7E6635FE}" dt="2025-04-20T15:15:36.964" v="1284" actId="14100"/>
-          <ac:picMkLst>
-            <pc:docMk/>
-            <pc:sldMk cId="2643511060" sldId="271"/>
-            <ac:picMk id="4" creationId="{BFEBF60C-A45A-07A7-5D03-84952D284D85}"/>
-          </ac:picMkLst>
-        </pc:picChg>
-        <pc:picChg chg="add mod">
-          <ac:chgData name="ADRIAN LAPAZ" userId="d8ff7f18ef729175" providerId="LiveId" clId="{FA4F1720-4B09-4E47-B1BD-A0DE7E6635FE}" dt="2025-04-20T15:15:27.839" v="1281" actId="1076"/>
-          <ac:picMkLst>
-            <pc:docMk/>
-            <pc:sldMk cId="2643511060" sldId="271"/>
-            <ac:picMk id="5" creationId="{D00D3A5B-DE54-221B-02EB-7A9B5976BA60}"/>
-          </ac:picMkLst>
-        </pc:picChg>
-        <pc:picChg chg="del">
-          <ac:chgData name="ADRIAN LAPAZ" userId="d8ff7f18ef729175" providerId="LiveId" clId="{FA4F1720-4B09-4E47-B1BD-A0DE7E6635FE}" dt="2025-04-20T01:21:25.466" v="571" actId="478"/>
-          <ac:picMkLst>
-            <pc:docMk/>
-            <pc:sldMk cId="2643511060" sldId="271"/>
-            <ac:picMk id="37" creationId="{A6225A8A-7E29-D275-705F-1BA47E7E8E90}"/>
-          </ac:picMkLst>
-        </pc:picChg>
-        <pc:picChg chg="del">
-          <ac:chgData name="ADRIAN LAPAZ" userId="d8ff7f18ef729175" providerId="LiveId" clId="{FA4F1720-4B09-4E47-B1BD-A0DE7E6635FE}" dt="2025-04-20T01:21:33.676" v="578" actId="478"/>
-          <ac:picMkLst>
-            <pc:docMk/>
-            <pc:sldMk cId="2643511060" sldId="271"/>
-            <ac:picMk id="1028" creationId="{14A85FCC-F2DD-762D-27D8-AD4F5E11AC34}"/>
-          </ac:picMkLst>
-        </pc:picChg>
-        <pc:picChg chg="del">
-          <ac:chgData name="ADRIAN LAPAZ" userId="d8ff7f18ef729175" providerId="LiveId" clId="{FA4F1720-4B09-4E47-B1BD-A0DE7E6635FE}" dt="2025-04-20T01:21:36.055" v="580" actId="478"/>
-          <ac:picMkLst>
-            <pc:docMk/>
-            <pc:sldMk cId="2643511060" sldId="271"/>
-            <ac:picMk id="1030" creationId="{8A0D2EA3-E6A2-DB70-5B7D-8B9A6483FEED}"/>
-          </ac:picMkLst>
-        </pc:picChg>
-        <pc:picChg chg="del">
-          <ac:chgData name="ADRIAN LAPAZ" userId="d8ff7f18ef729175" providerId="LiveId" clId="{FA4F1720-4B09-4E47-B1BD-A0DE7E6635FE}" dt="2025-04-20T01:21:26.154" v="572" actId="478"/>
-          <ac:picMkLst>
-            <pc:docMk/>
-            <pc:sldMk cId="2643511060" sldId="271"/>
-            <ac:picMk id="1034" creationId="{FAF49C2C-5040-D00C-2145-6A5DF8861BA8}"/>
-          </ac:picMkLst>
-        </pc:picChg>
-        <pc:cxnChg chg="del mod">
-          <ac:chgData name="ADRIAN LAPAZ" userId="d8ff7f18ef729175" providerId="LiveId" clId="{FA4F1720-4B09-4E47-B1BD-A0DE7E6635FE}" dt="2025-04-20T01:21:32.915" v="577" actId="478"/>
-          <ac:cxnSpMkLst>
-            <pc:docMk/>
-            <pc:sldMk cId="2643511060" sldId="271"/>
-            <ac:cxnSpMk id="23" creationId="{C3BA7EB9-D158-87DE-D39A-F718F8DE7F6F}"/>
-          </ac:cxnSpMkLst>
-        </pc:cxnChg>
-        <pc:cxnChg chg="del mod">
-          <ac:chgData name="ADRIAN LAPAZ" userId="d8ff7f18ef729175" providerId="LiveId" clId="{FA4F1720-4B09-4E47-B1BD-A0DE7E6635FE}" dt="2025-04-20T01:21:31.877" v="576" actId="478"/>
-          <ac:cxnSpMkLst>
-            <pc:docMk/>
-            <pc:sldMk cId="2643511060" sldId="271"/>
-            <ac:cxnSpMk id="25" creationId="{19E47C6C-F437-F0FD-E7B3-F6F72264419A}"/>
-          </ac:cxnSpMkLst>
-        </pc:cxnChg>
       </pc:sldChg>
       <pc:sldChg chg="addSp delSp modSp add del mod">
         <pc:chgData name="ADRIAN LAPAZ" userId="d8ff7f18ef729175" providerId="LiveId" clId="{FA4F1720-4B09-4E47-B1BD-A0DE7E6635FE}" dt="2025-04-20T16:00:28.403" v="1396" actId="47"/>
@@ -926,110 +615,6 @@
           <pc:docMk/>
           <pc:sldMk cId="2491049098" sldId="272"/>
         </pc:sldMkLst>
-        <pc:spChg chg="add del">
-          <ac:chgData name="ADRIAN LAPAZ" userId="d8ff7f18ef729175" providerId="LiveId" clId="{FA4F1720-4B09-4E47-B1BD-A0DE7E6635FE}" dt="2025-04-20T01:37:16.152" v="645" actId="478"/>
-          <ac:spMkLst>
-            <pc:docMk/>
-            <pc:sldMk cId="2491049098" sldId="272"/>
-            <ac:spMk id="16" creationId="{68193F77-9340-CD0C-5900-4A149EAE48D1}"/>
-          </ac:spMkLst>
-        </pc:spChg>
-        <pc:spChg chg="add del mod">
-          <ac:chgData name="ADRIAN LAPAZ" userId="d8ff7f18ef729175" providerId="LiveId" clId="{FA4F1720-4B09-4E47-B1BD-A0DE7E6635FE}" dt="2025-04-20T01:41:40.112" v="803" actId="478"/>
-          <ac:spMkLst>
-            <pc:docMk/>
-            <pc:sldMk cId="2491049098" sldId="272"/>
-            <ac:spMk id="17" creationId="{D2C34866-7894-5D39-96A0-416B30655AA3}"/>
-          </ac:spMkLst>
-        </pc:spChg>
-        <pc:spChg chg="add del mod">
-          <ac:chgData name="ADRIAN LAPAZ" userId="d8ff7f18ef729175" providerId="LiveId" clId="{FA4F1720-4B09-4E47-B1BD-A0DE7E6635FE}" dt="2025-04-20T01:41:41.518" v="804" actId="478"/>
-          <ac:spMkLst>
-            <pc:docMk/>
-            <pc:sldMk cId="2491049098" sldId="272"/>
-            <ac:spMk id="18" creationId="{33A4739D-DBE2-82ED-095B-4081742E9A80}"/>
-          </ac:spMkLst>
-        </pc:spChg>
-        <pc:picChg chg="del">
-          <ac:chgData name="ADRIAN LAPAZ" userId="d8ff7f18ef729175" providerId="LiveId" clId="{FA4F1720-4B09-4E47-B1BD-A0DE7E6635FE}" dt="2025-04-20T01:29:23.608" v="612" actId="478"/>
-          <ac:picMkLst>
-            <pc:docMk/>
-            <pc:sldMk cId="2491049098" sldId="272"/>
-            <ac:picMk id="4" creationId="{C0C55012-72FF-347A-7334-F4982B434CD5}"/>
-          </ac:picMkLst>
-        </pc:picChg>
-        <pc:picChg chg="del">
-          <ac:chgData name="ADRIAN LAPAZ" userId="d8ff7f18ef729175" providerId="LiveId" clId="{FA4F1720-4B09-4E47-B1BD-A0DE7E6635FE}" dt="2025-04-20T01:29:22.957" v="611" actId="478"/>
-          <ac:picMkLst>
-            <pc:docMk/>
-            <pc:sldMk cId="2491049098" sldId="272"/>
-            <ac:picMk id="5" creationId="{4ADB2F1D-2BC1-B2D5-3C71-8E6691E8BE7E}"/>
-          </ac:picMkLst>
-        </pc:picChg>
-        <pc:picChg chg="add mod">
-          <ac:chgData name="ADRIAN LAPAZ" userId="d8ff7f18ef729175" providerId="LiveId" clId="{FA4F1720-4B09-4E47-B1BD-A0DE7E6635FE}" dt="2025-04-20T01:32:43.659" v="630" actId="1076"/>
-          <ac:picMkLst>
-            <pc:docMk/>
-            <pc:sldMk cId="2491049098" sldId="272"/>
-            <ac:picMk id="6" creationId="{DE2A8696-4359-0FEF-1570-DAE7F5548AB7}"/>
-          </ac:picMkLst>
-        </pc:picChg>
-        <pc:picChg chg="add mod">
-          <ac:chgData name="ADRIAN LAPAZ" userId="d8ff7f18ef729175" providerId="LiveId" clId="{FA4F1720-4B09-4E47-B1BD-A0DE7E6635FE}" dt="2025-04-20T01:32:48.969" v="632" actId="14100"/>
-          <ac:picMkLst>
-            <pc:docMk/>
-            <pc:sldMk cId="2491049098" sldId="272"/>
-            <ac:picMk id="8" creationId="{E59BF045-9CAE-3337-1A0F-0F31F0EE5233}"/>
-          </ac:picMkLst>
-        </pc:picChg>
-        <pc:picChg chg="add del mod">
-          <ac:chgData name="ADRIAN LAPAZ" userId="d8ff7f18ef729175" providerId="LiveId" clId="{FA4F1720-4B09-4E47-B1BD-A0DE7E6635FE}" dt="2025-04-20T01:35:01.118" v="635" actId="478"/>
-          <ac:picMkLst>
-            <pc:docMk/>
-            <pc:sldMk cId="2491049098" sldId="272"/>
-            <ac:picMk id="11" creationId="{6CFC0CB1-339D-44B6-7E36-3E839DC90B1E}"/>
-          </ac:picMkLst>
-        </pc:picChg>
-        <pc:picChg chg="add del mod">
-          <ac:chgData name="ADRIAN LAPAZ" userId="d8ff7f18ef729175" providerId="LiveId" clId="{FA4F1720-4B09-4E47-B1BD-A0DE7E6635FE}" dt="2025-04-20T01:41:36.421" v="801" actId="478"/>
-          <ac:picMkLst>
-            <pc:docMk/>
-            <pc:sldMk cId="2491049098" sldId="272"/>
-            <ac:picMk id="13" creationId="{B008F8C2-1AC3-48E9-196B-52DEDD7D1D90}"/>
-          </ac:picMkLst>
-        </pc:picChg>
-        <pc:picChg chg="add del mod">
-          <ac:chgData name="ADRIAN LAPAZ" userId="d8ff7f18ef729175" providerId="LiveId" clId="{FA4F1720-4B09-4E47-B1BD-A0DE7E6635FE}" dt="2025-04-20T01:41:38.576" v="802" actId="478"/>
-          <ac:picMkLst>
-            <pc:docMk/>
-            <pc:sldMk cId="2491049098" sldId="272"/>
-            <ac:picMk id="15" creationId="{4E4F7B79-6326-F6F2-EEF4-A35EEDEB4F27}"/>
-          </ac:picMkLst>
-        </pc:picChg>
-        <pc:picChg chg="add del mod">
-          <ac:chgData name="ADRIAN LAPAZ" userId="d8ff7f18ef729175" providerId="LiveId" clId="{FA4F1720-4B09-4E47-B1BD-A0DE7E6635FE}" dt="2025-04-20T01:41:36.421" v="801" actId="478"/>
-          <ac:picMkLst>
-            <pc:docMk/>
-            <pc:sldMk cId="2491049098" sldId="272"/>
-            <ac:picMk id="20" creationId="{A45F9EB5-491F-3670-AE8E-E75D1A99D8D9}"/>
-          </ac:picMkLst>
-        </pc:picChg>
-        <pc:cxnChg chg="add del mod">
-          <ac:chgData name="ADRIAN LAPAZ" userId="d8ff7f18ef729175" providerId="LiveId" clId="{FA4F1720-4B09-4E47-B1BD-A0DE7E6635FE}" dt="2025-04-20T01:41:03.172" v="797" actId="478"/>
-          <ac:cxnSpMkLst>
-            <pc:docMk/>
-            <pc:sldMk cId="2491049098" sldId="272"/>
-            <ac:cxnSpMk id="22" creationId="{72B27C6C-BA3A-00F6-3CF1-01F4E36CDB47}"/>
-          </ac:cxnSpMkLst>
-        </pc:cxnChg>
-        <pc:cxnChg chg="add del mod">
-          <ac:chgData name="ADRIAN LAPAZ" userId="d8ff7f18ef729175" providerId="LiveId" clId="{FA4F1720-4B09-4E47-B1BD-A0DE7E6635FE}" dt="2025-04-20T01:41:36.421" v="801" actId="478"/>
-          <ac:cxnSpMkLst>
-            <pc:docMk/>
-            <pc:sldMk cId="2491049098" sldId="272"/>
-            <ac:cxnSpMk id="24" creationId="{FA3284B7-E33F-89CC-6E90-75FF7342D484}"/>
-          </ac:cxnSpMkLst>
-        </pc:cxnChg>
       </pc:sldChg>
       <pc:sldChg chg="delSp modSp add del mod">
         <pc:chgData name="ADRIAN LAPAZ" userId="d8ff7f18ef729175" providerId="LiveId" clId="{FA4F1720-4B09-4E47-B1BD-A0DE7E6635FE}" dt="2025-04-20T16:00:28.403" v="1396" actId="47"/>
@@ -1037,22 +622,6 @@
           <pc:docMk/>
           <pc:sldMk cId="911077936" sldId="273"/>
         </pc:sldMkLst>
-        <pc:picChg chg="del">
-          <ac:chgData name="ADRIAN LAPAZ" userId="d8ff7f18ef729175" providerId="LiveId" clId="{FA4F1720-4B09-4E47-B1BD-A0DE7E6635FE}" dt="2025-04-20T01:41:47.100" v="806" actId="478"/>
-          <ac:picMkLst>
-            <pc:docMk/>
-            <pc:sldMk cId="911077936" sldId="273"/>
-            <ac:picMk id="20" creationId="{A843F2EF-891B-4EDE-4E77-93F5C8342E38}"/>
-          </ac:picMkLst>
-        </pc:picChg>
-        <pc:cxnChg chg="del mod">
-          <ac:chgData name="ADRIAN LAPAZ" userId="d8ff7f18ef729175" providerId="LiveId" clId="{FA4F1720-4B09-4E47-B1BD-A0DE7E6635FE}" dt="2025-04-20T01:41:46.448" v="805" actId="478"/>
-          <ac:cxnSpMkLst>
-            <pc:docMk/>
-            <pc:sldMk cId="911077936" sldId="273"/>
-            <ac:cxnSpMk id="24" creationId="{2C9D9789-4EB3-8499-9A00-1C5CA3DE521F}"/>
-          </ac:cxnSpMkLst>
-        </pc:cxnChg>
       </pc:sldChg>
       <pc:sldChg chg="add del">
         <pc:chgData name="ADRIAN LAPAZ" userId="d8ff7f18ef729175" providerId="LiveId" clId="{FA4F1720-4B09-4E47-B1BD-A0DE7E6635FE}" dt="2025-04-20T16:00:28.403" v="1396" actId="47"/>
@@ -1067,110 +636,6 @@
           <pc:docMk/>
           <pc:sldMk cId="1169159235" sldId="275"/>
         </pc:sldMkLst>
-        <pc:spChg chg="add del mod">
-          <ac:chgData name="ADRIAN LAPAZ" userId="d8ff7f18ef729175" providerId="LiveId" clId="{FA4F1720-4B09-4E47-B1BD-A0DE7E6635FE}" dt="2025-04-20T01:45:28.341" v="842"/>
-          <ac:spMkLst>
-            <pc:docMk/>
-            <pc:sldMk cId="1169159235" sldId="275"/>
-            <ac:spMk id="3" creationId="{D3FEDBE2-CC94-EFFF-4EDB-AAF6793431F7}"/>
-          </ac:spMkLst>
-        </pc:spChg>
-        <pc:spChg chg="add mod">
-          <ac:chgData name="ADRIAN LAPAZ" userId="d8ff7f18ef729175" providerId="LiveId" clId="{FA4F1720-4B09-4E47-B1BD-A0DE7E6635FE}" dt="2025-04-20T01:45:27.935" v="840" actId="1076"/>
-          <ac:spMkLst>
-            <pc:docMk/>
-            <pc:sldMk cId="1169159235" sldId="275"/>
-            <ac:spMk id="4" creationId="{B13AF002-9536-58F8-5069-E68B191DEFC2}"/>
-          </ac:spMkLst>
-        </pc:spChg>
-        <pc:spChg chg="add del mod">
-          <ac:chgData name="ADRIAN LAPAZ" userId="d8ff7f18ef729175" providerId="LiveId" clId="{FA4F1720-4B09-4E47-B1BD-A0DE7E6635FE}" dt="2025-04-20T01:48:23.011" v="896" actId="478"/>
-          <ac:spMkLst>
-            <pc:docMk/>
-            <pc:sldMk cId="1169159235" sldId="275"/>
-            <ac:spMk id="9" creationId="{9F7ABDF0-0C83-91C8-0B68-4DDE846F233F}"/>
-          </ac:spMkLst>
-        </pc:spChg>
-        <pc:spChg chg="del">
-          <ac:chgData name="ADRIAN LAPAZ" userId="d8ff7f18ef729175" providerId="LiveId" clId="{FA4F1720-4B09-4E47-B1BD-A0DE7E6635FE}" dt="2025-04-20T01:43:51.663" v="814" actId="478"/>
-          <ac:spMkLst>
-            <pc:docMk/>
-            <pc:sldMk cId="1169159235" sldId="275"/>
-            <ac:spMk id="17" creationId="{8F146D4B-1D3D-F3CC-F66D-4F42DAD65D16}"/>
-          </ac:spMkLst>
-        </pc:spChg>
-        <pc:spChg chg="del">
-          <ac:chgData name="ADRIAN LAPAZ" userId="d8ff7f18ef729175" providerId="LiveId" clId="{FA4F1720-4B09-4E47-B1BD-A0DE7E6635FE}" dt="2025-04-20T01:43:49.017" v="812" actId="478"/>
-          <ac:spMkLst>
-            <pc:docMk/>
-            <pc:sldMk cId="1169159235" sldId="275"/>
-            <ac:spMk id="18" creationId="{0070C2F3-B245-96D0-D2FA-C2B5C64F340B}"/>
-          </ac:spMkLst>
-        </pc:spChg>
-        <pc:picChg chg="del">
-          <ac:chgData name="ADRIAN LAPAZ" userId="d8ff7f18ef729175" providerId="LiveId" clId="{FA4F1720-4B09-4E47-B1BD-A0DE7E6635FE}" dt="2025-04-20T01:43:44.551" v="808" actId="478"/>
-          <ac:picMkLst>
-            <pc:docMk/>
-            <pc:sldMk cId="1169159235" sldId="275"/>
-            <ac:picMk id="6" creationId="{B08CCC65-E12F-7494-6BDF-4B2458446777}"/>
-          </ac:picMkLst>
-        </pc:picChg>
-        <pc:picChg chg="add del mod">
-          <ac:chgData name="ADRIAN LAPAZ" userId="d8ff7f18ef729175" providerId="LiveId" clId="{FA4F1720-4B09-4E47-B1BD-A0DE7E6635FE}" dt="2025-04-20T01:48:23.011" v="896" actId="478"/>
-          <ac:picMkLst>
-            <pc:docMk/>
-            <pc:sldMk cId="1169159235" sldId="275"/>
-            <ac:picMk id="7" creationId="{E9A53BD3-0886-C9ED-AF55-1E4A748DDF2A}"/>
-          </ac:picMkLst>
-        </pc:picChg>
-        <pc:picChg chg="del">
-          <ac:chgData name="ADRIAN LAPAZ" userId="d8ff7f18ef729175" providerId="LiveId" clId="{FA4F1720-4B09-4E47-B1BD-A0DE7E6635FE}" dt="2025-04-20T01:43:46.038" v="809" actId="478"/>
-          <ac:picMkLst>
-            <pc:docMk/>
-            <pc:sldMk cId="1169159235" sldId="275"/>
-            <ac:picMk id="8" creationId="{0A5B8ED6-2B18-2472-0AB2-72718B72D5DA}"/>
-          </ac:picMkLst>
-        </pc:picChg>
-        <pc:picChg chg="del">
-          <ac:chgData name="ADRIAN LAPAZ" userId="d8ff7f18ef729175" providerId="LiveId" clId="{FA4F1720-4B09-4E47-B1BD-A0DE7E6635FE}" dt="2025-04-20T01:43:46.861" v="810" actId="478"/>
-          <ac:picMkLst>
-            <pc:docMk/>
-            <pc:sldMk cId="1169159235" sldId="275"/>
-            <ac:picMk id="13" creationId="{3055F464-6229-7706-8A42-BC213257F68C}"/>
-          </ac:picMkLst>
-        </pc:picChg>
-        <pc:picChg chg="del">
-          <ac:chgData name="ADRIAN LAPAZ" userId="d8ff7f18ef729175" providerId="LiveId" clId="{FA4F1720-4B09-4E47-B1BD-A0DE7E6635FE}" dt="2025-04-20T01:43:50.161" v="813" actId="478"/>
-          <ac:picMkLst>
-            <pc:docMk/>
-            <pc:sldMk cId="1169159235" sldId="275"/>
-            <ac:picMk id="15" creationId="{5E3DB965-ABE8-AB97-CAD7-FD1FE283C334}"/>
-          </ac:picMkLst>
-        </pc:picChg>
-        <pc:picChg chg="del">
-          <ac:chgData name="ADRIAN LAPAZ" userId="d8ff7f18ef729175" providerId="LiveId" clId="{FA4F1720-4B09-4E47-B1BD-A0DE7E6635FE}" dt="2025-04-20T01:43:52.728" v="815" actId="478"/>
-          <ac:picMkLst>
-            <pc:docMk/>
-            <pc:sldMk cId="1169159235" sldId="275"/>
-            <ac:picMk id="20" creationId="{932C5702-F523-9736-8988-026C4398445F}"/>
-          </ac:picMkLst>
-        </pc:picChg>
-        <pc:picChg chg="add mod">
-          <ac:chgData name="ADRIAN LAPAZ" userId="d8ff7f18ef729175" providerId="LiveId" clId="{FA4F1720-4B09-4E47-B1BD-A0DE7E6635FE}" dt="2025-04-20T01:44:22.399" v="818" actId="1076"/>
-          <ac:picMkLst>
-            <pc:docMk/>
-            <pc:sldMk cId="1169159235" sldId="275"/>
-            <ac:picMk id="3074" creationId="{0ED79E70-813D-76AF-02CA-F5A3E7133470}"/>
-          </ac:picMkLst>
-        </pc:picChg>
-        <pc:cxnChg chg="del mod">
-          <ac:chgData name="ADRIAN LAPAZ" userId="d8ff7f18ef729175" providerId="LiveId" clId="{FA4F1720-4B09-4E47-B1BD-A0DE7E6635FE}" dt="2025-04-20T01:43:47.733" v="811" actId="478"/>
-          <ac:cxnSpMkLst>
-            <pc:docMk/>
-            <pc:sldMk cId="1169159235" sldId="275"/>
-            <ac:cxnSpMk id="24" creationId="{97A11D06-D9CE-2D64-1F39-58F818EEA718}"/>
-          </ac:cxnSpMkLst>
-        </pc:cxnChg>
       </pc:sldChg>
       <pc:sldChg chg="addSp delSp modSp add del mod">
         <pc:chgData name="ADRIAN LAPAZ" userId="d8ff7f18ef729175" providerId="LiveId" clId="{FA4F1720-4B09-4E47-B1BD-A0DE7E6635FE}" dt="2025-04-20T16:00:28.403" v="1396" actId="47"/>
@@ -1178,54 +643,6 @@
           <pc:docMk/>
           <pc:sldMk cId="1648843134" sldId="276"/>
         </pc:sldMkLst>
-        <pc:spChg chg="add del mod">
-          <ac:chgData name="ADRIAN LAPAZ" userId="d8ff7f18ef729175" providerId="LiveId" clId="{FA4F1720-4B09-4E47-B1BD-A0DE7E6635FE}" dt="2025-04-20T01:50:17.450" v="913" actId="478"/>
-          <ac:spMkLst>
-            <pc:docMk/>
-            <pc:sldMk cId="1648843134" sldId="276"/>
-            <ac:spMk id="3" creationId="{C709A3F4-F536-AF57-3D44-5FEC5E32A27D}"/>
-          </ac:spMkLst>
-        </pc:spChg>
-        <pc:spChg chg="add mod">
-          <ac:chgData name="ADRIAN LAPAZ" userId="d8ff7f18ef729175" providerId="LiveId" clId="{FA4F1720-4B09-4E47-B1BD-A0DE7E6635FE}" dt="2025-04-20T01:49:57.329" v="910"/>
-          <ac:spMkLst>
-            <pc:docMk/>
-            <pc:sldMk cId="1648843134" sldId="276"/>
-            <ac:spMk id="5" creationId="{0822EA66-DFAF-88C4-16E1-7AEC533BB27E}"/>
-          </ac:spMkLst>
-        </pc:spChg>
-        <pc:spChg chg="add mod">
-          <ac:chgData name="ADRIAN LAPAZ" userId="d8ff7f18ef729175" providerId="LiveId" clId="{FA4F1720-4B09-4E47-B1BD-A0DE7E6635FE}" dt="2025-04-20T01:50:36.134" v="918" actId="1076"/>
-          <ac:spMkLst>
-            <pc:docMk/>
-            <pc:sldMk cId="1648843134" sldId="276"/>
-            <ac:spMk id="6" creationId="{C59438BB-1085-6776-A448-CA30B67B653A}"/>
-          </ac:spMkLst>
-        </pc:spChg>
-        <pc:spChg chg="add mod">
-          <ac:chgData name="ADRIAN LAPAZ" userId="d8ff7f18ef729175" providerId="LiveId" clId="{FA4F1720-4B09-4E47-B1BD-A0DE7E6635FE}" dt="2025-04-20T01:51:21.647" v="941" actId="1076"/>
-          <ac:spMkLst>
-            <pc:docMk/>
-            <pc:sldMk cId="1648843134" sldId="276"/>
-            <ac:spMk id="8" creationId="{F0E368EB-5170-47DA-487F-33EDFADEB6B4}"/>
-          </ac:spMkLst>
-        </pc:spChg>
-        <pc:spChg chg="add mod">
-          <ac:chgData name="ADRIAN LAPAZ" userId="d8ff7f18ef729175" providerId="LiveId" clId="{FA4F1720-4B09-4E47-B1BD-A0DE7E6635FE}" dt="2025-04-20T01:51:46.816" v="950" actId="6549"/>
-          <ac:spMkLst>
-            <pc:docMk/>
-            <pc:sldMk cId="1648843134" sldId="276"/>
-            <ac:spMk id="11" creationId="{550B4C2E-C50F-9184-434E-19A4F1A0E15A}"/>
-          </ac:spMkLst>
-        </pc:spChg>
-        <pc:picChg chg="mod">
-          <ac:chgData name="ADRIAN LAPAZ" userId="d8ff7f18ef729175" providerId="LiveId" clId="{FA4F1720-4B09-4E47-B1BD-A0DE7E6635FE}" dt="2025-04-20T01:51:02.122" v="919" actId="1076"/>
-          <ac:picMkLst>
-            <pc:docMk/>
-            <pc:sldMk cId="1648843134" sldId="276"/>
-            <ac:picMk id="7" creationId="{9AD14236-5F37-39ED-BCB4-586D98756F2D}"/>
-          </ac:picMkLst>
-        </pc:picChg>
       </pc:sldChg>
       <pc:sldChg chg="addSp delSp modSp add mod ord delAnim modAnim">
         <pc:chgData name="ADRIAN LAPAZ" userId="d8ff7f18ef729175" providerId="LiveId" clId="{FA4F1720-4B09-4E47-B1BD-A0DE7E6635FE}" dt="2025-04-21T00:42:51.021" v="3048"/>
@@ -1265,14 +682,6 @@
             <ac:spMk id="7" creationId="{827CCBD6-02F8-7AE3-DED1-72CC501075F1}"/>
           </ac:spMkLst>
         </pc:spChg>
-        <pc:spChg chg="mod">
-          <ac:chgData name="ADRIAN LAPAZ" userId="d8ff7f18ef729175" providerId="LiveId" clId="{FA4F1720-4B09-4E47-B1BD-A0DE7E6635FE}" dt="2025-04-20T02:08:25.370" v="1276" actId="1076"/>
-          <ac:spMkLst>
-            <pc:docMk/>
-            <pc:sldMk cId="1200349377" sldId="277"/>
-            <ac:spMk id="8" creationId="{3D86698C-F61D-199E-98F2-F14A50183AD4}"/>
-          </ac:spMkLst>
-        </pc:spChg>
         <pc:spChg chg="add mod">
           <ac:chgData name="ADRIAN LAPAZ" userId="d8ff7f18ef729175" providerId="LiveId" clId="{FA4F1720-4B09-4E47-B1BD-A0DE7E6635FE}" dt="2025-04-21T00:41:10.343" v="3035"/>
           <ac:spMkLst>
@@ -1289,44 +698,12 @@
             <ac:spMk id="13" creationId="{E6AB1053-72AE-3885-B608-1906EB20D850}"/>
           </ac:spMkLst>
         </pc:spChg>
-        <pc:grpChg chg="add del mod">
-          <ac:chgData name="ADRIAN LAPAZ" userId="d8ff7f18ef729175" providerId="LiveId" clId="{FA4F1720-4B09-4E47-B1BD-A0DE7E6635FE}" dt="2025-04-20T02:08:26.036" v="1277" actId="478"/>
-          <ac:grpSpMkLst>
-            <pc:docMk/>
-            <pc:sldMk cId="1200349377" sldId="277"/>
-            <ac:grpSpMk id="5" creationId="{49D8322A-D187-9702-51BD-FC5127AE699D}"/>
-          </ac:grpSpMkLst>
-        </pc:grpChg>
-        <pc:picChg chg="add del mod">
-          <ac:chgData name="ADRIAN LAPAZ" userId="d8ff7f18ef729175" providerId="LiveId" clId="{FA4F1720-4B09-4E47-B1BD-A0DE7E6635FE}" dt="2025-04-20T16:22:19.409" v="1578" actId="478"/>
-          <ac:picMkLst>
-            <pc:docMk/>
-            <pc:sldMk cId="1200349377" sldId="277"/>
-            <ac:picMk id="5" creationId="{F0766AA3-02D5-7063-8544-27E128E9D0E1}"/>
-          </ac:picMkLst>
-        </pc:picChg>
         <pc:picChg chg="mod">
           <ac:chgData name="ADRIAN LAPAZ" userId="d8ff7f18ef729175" providerId="LiveId" clId="{FA4F1720-4B09-4E47-B1BD-A0DE7E6635FE}" dt="2025-04-20T16:12:17.335" v="1554"/>
           <ac:picMkLst>
             <pc:docMk/>
             <pc:sldMk cId="1200349377" sldId="277"/>
             <ac:picMk id="6" creationId="{7AEC1AEE-3945-838F-E9A7-E53106817209}"/>
-          </ac:picMkLst>
-        </pc:picChg>
-        <pc:picChg chg="add del mod">
-          <ac:chgData name="ADRIAN LAPAZ" userId="d8ff7f18ef729175" providerId="LiveId" clId="{FA4F1720-4B09-4E47-B1BD-A0DE7E6635FE}" dt="2025-04-20T16:24:01.742" v="1586" actId="478"/>
-          <ac:picMkLst>
-            <pc:docMk/>
-            <pc:sldMk cId="1200349377" sldId="277"/>
-            <ac:picMk id="7" creationId="{4379C991-8440-CFEE-AAB9-5676E54D516A}"/>
-          </ac:picMkLst>
-        </pc:picChg>
-        <pc:picChg chg="mod">
-          <ac:chgData name="ADRIAN LAPAZ" userId="d8ff7f18ef729175" providerId="LiveId" clId="{FA4F1720-4B09-4E47-B1BD-A0DE7E6635FE}" dt="2025-04-20T02:08:25.370" v="1276" actId="1076"/>
-          <ac:picMkLst>
-            <pc:docMk/>
-            <pc:sldMk cId="1200349377" sldId="277"/>
-            <ac:picMk id="7" creationId="{46CB5903-9942-658C-C1EF-ED860A5E19DD}"/>
           </ac:picMkLst>
         </pc:picChg>
         <pc:picChg chg="add mod">
@@ -1343,14 +720,6 @@
             <pc:docMk/>
             <pc:sldMk cId="1200349377" sldId="277"/>
             <ac:picMk id="9" creationId="{3A48E23B-B0D8-9DF9-617B-3171CE16E6E1}"/>
-          </ac:picMkLst>
-        </pc:picChg>
-        <pc:picChg chg="add del mod">
-          <ac:chgData name="ADRIAN LAPAZ" userId="d8ff7f18ef729175" providerId="LiveId" clId="{FA4F1720-4B09-4E47-B1BD-A0DE7E6635FE}" dt="2025-04-20T02:08:27.161" v="1278" actId="478"/>
-          <ac:picMkLst>
-            <pc:docMk/>
-            <pc:sldMk cId="1200349377" sldId="277"/>
-            <ac:picMk id="10" creationId="{DA16248E-F335-2903-28B8-EC82B16BF049}"/>
           </ac:picMkLst>
         </pc:picChg>
         <pc:picChg chg="add mod">
@@ -1376,22 +745,6 @@
           <pc:docMk/>
           <pc:sldMk cId="1576724950" sldId="278"/>
         </pc:sldMkLst>
-        <pc:spChg chg="mod">
-          <ac:chgData name="ADRIAN LAPAZ" userId="d8ff7f18ef729175" providerId="LiveId" clId="{FA4F1720-4B09-4E47-B1BD-A0DE7E6635FE}" dt="2025-04-20T15:17:38.399" v="1295"/>
-          <ac:spMkLst>
-            <pc:docMk/>
-            <pc:sldMk cId="1576724950" sldId="278"/>
-            <ac:spMk id="2" creationId="{CB1F7C81-C99F-A556-E400-C2FC50A86F63}"/>
-          </ac:spMkLst>
-        </pc:spChg>
-        <pc:picChg chg="del">
-          <ac:chgData name="ADRIAN LAPAZ" userId="d8ff7f18ef729175" providerId="LiveId" clId="{FA4F1720-4B09-4E47-B1BD-A0DE7E6635FE}" dt="2025-04-20T02:08:29.284" v="1279" actId="478"/>
-          <ac:picMkLst>
-            <pc:docMk/>
-            <pc:sldMk cId="1576724950" sldId="278"/>
-            <ac:picMk id="10" creationId="{B7DE77B4-7C98-EE54-C57B-059220945B24}"/>
-          </ac:picMkLst>
-        </pc:picChg>
       </pc:sldChg>
       <pc:sldChg chg="modSp add del mod">
         <pc:chgData name="ADRIAN LAPAZ" userId="d8ff7f18ef729175" providerId="LiveId" clId="{FA4F1720-4B09-4E47-B1BD-A0DE7E6635FE}" dt="2025-04-20T16:00:28.403" v="1396" actId="47"/>
@@ -1399,14 +752,6 @@
           <pc:docMk/>
           <pc:sldMk cId="1262696104" sldId="279"/>
         </pc:sldMkLst>
-        <pc:spChg chg="mod">
-          <ac:chgData name="ADRIAN LAPAZ" userId="d8ff7f18ef729175" providerId="LiveId" clId="{FA4F1720-4B09-4E47-B1BD-A0DE7E6635FE}" dt="2025-04-20T15:17:43.673" v="1296"/>
-          <ac:spMkLst>
-            <pc:docMk/>
-            <pc:sldMk cId="1262696104" sldId="279"/>
-            <ac:spMk id="2" creationId="{2A09FFFC-3BA0-2097-DAD4-DE174EC4D2A5}"/>
-          </ac:spMkLst>
-        </pc:spChg>
       </pc:sldChg>
       <pc:sldChg chg="delSp add del mod">
         <pc:chgData name="ADRIAN LAPAZ" userId="d8ff7f18ef729175" providerId="LiveId" clId="{FA4F1720-4B09-4E47-B1BD-A0DE7E6635FE}" dt="2025-04-20T16:00:28.403" v="1396" actId="47"/>
@@ -1414,14 +759,6 @@
           <pc:docMk/>
           <pc:sldMk cId="2027205346" sldId="280"/>
         </pc:sldMkLst>
-        <pc:picChg chg="del">
-          <ac:chgData name="ADRIAN LAPAZ" userId="d8ff7f18ef729175" providerId="LiveId" clId="{FA4F1720-4B09-4E47-B1BD-A0DE7E6635FE}" dt="2025-04-20T15:15:44.527" v="1286" actId="478"/>
-          <ac:picMkLst>
-            <pc:docMk/>
-            <pc:sldMk cId="2027205346" sldId="280"/>
-            <ac:picMk id="4" creationId="{912099F7-BDC1-5351-CA76-0E5A109F07C7}"/>
-          </ac:picMkLst>
-        </pc:picChg>
       </pc:sldChg>
       <pc:sldChg chg="modSp add del mod">
         <pc:chgData name="ADRIAN LAPAZ" userId="d8ff7f18ef729175" providerId="LiveId" clId="{FA4F1720-4B09-4E47-B1BD-A0DE7E6635FE}" dt="2025-04-20T16:00:28.403" v="1396" actId="47"/>
@@ -1429,14 +766,6 @@
           <pc:docMk/>
           <pc:sldMk cId="296863093" sldId="281"/>
         </pc:sldMkLst>
-        <pc:spChg chg="mod">
-          <ac:chgData name="ADRIAN LAPAZ" userId="d8ff7f18ef729175" providerId="LiveId" clId="{FA4F1720-4B09-4E47-B1BD-A0DE7E6635FE}" dt="2025-04-20T15:52:54.009" v="1361"/>
-          <ac:spMkLst>
-            <pc:docMk/>
-            <pc:sldMk cId="296863093" sldId="281"/>
-            <ac:spMk id="2" creationId="{E35617EF-3251-8781-C899-D340889BB06C}"/>
-          </ac:spMkLst>
-        </pc:spChg>
       </pc:sldChg>
       <pc:sldChg chg="modSp add mod ord modAnim modNotes">
         <pc:chgData name="ADRIAN LAPAZ" userId="d8ff7f18ef729175" providerId="LiveId" clId="{FA4F1720-4B09-4E47-B1BD-A0DE7E6635FE}" dt="2025-04-21T00:44:52.023" v="3059"/>
@@ -1531,38 +860,6 @@
           <pc:docMk/>
           <pc:sldMk cId="2509890078" sldId="283"/>
         </pc:sldMkLst>
-        <pc:spChg chg="mod">
-          <ac:chgData name="ADRIAN LAPAZ" userId="d8ff7f18ef729175" providerId="LiveId" clId="{FA4F1720-4B09-4E47-B1BD-A0DE7E6635FE}" dt="2025-04-20T16:12:17.335" v="1554"/>
-          <ac:spMkLst>
-            <pc:docMk/>
-            <pc:sldMk cId="2509890078" sldId="283"/>
-            <ac:spMk id="2" creationId="{CD0F10EA-93BF-ED69-5C49-415CDB84B80F}"/>
-          </ac:spMkLst>
-        </pc:spChg>
-        <pc:picChg chg="mod">
-          <ac:chgData name="ADRIAN LAPAZ" userId="d8ff7f18ef729175" providerId="LiveId" clId="{FA4F1720-4B09-4E47-B1BD-A0DE7E6635FE}" dt="2025-04-20T16:12:17.335" v="1554"/>
-          <ac:picMkLst>
-            <pc:docMk/>
-            <pc:sldMk cId="2509890078" sldId="283"/>
-            <ac:picMk id="4" creationId="{644F3ABB-961F-2B6C-D927-DD7B719A3DE0}"/>
-          </ac:picMkLst>
-        </pc:picChg>
-        <pc:picChg chg="mod">
-          <ac:chgData name="ADRIAN LAPAZ" userId="d8ff7f18ef729175" providerId="LiveId" clId="{FA4F1720-4B09-4E47-B1BD-A0DE7E6635FE}" dt="2025-04-20T16:12:17.335" v="1554"/>
-          <ac:picMkLst>
-            <pc:docMk/>
-            <pc:sldMk cId="2509890078" sldId="283"/>
-            <ac:picMk id="5" creationId="{4B67A750-6F03-439A-BB52-10211E09D9CC}"/>
-          </ac:picMkLst>
-        </pc:picChg>
-        <pc:picChg chg="mod">
-          <ac:chgData name="ADRIAN LAPAZ" userId="d8ff7f18ef729175" providerId="LiveId" clId="{FA4F1720-4B09-4E47-B1BD-A0DE7E6635FE}" dt="2025-04-20T16:12:17.335" v="1554"/>
-          <ac:picMkLst>
-            <pc:docMk/>
-            <pc:sldMk cId="2509890078" sldId="283"/>
-            <ac:picMk id="10" creationId="{47C262D0-C1FD-E082-BDEC-21B3307BDF86}"/>
-          </ac:picMkLst>
-        </pc:picChg>
       </pc:sldChg>
       <pc:sldChg chg="modSp add del mod modNotes">
         <pc:chgData name="ADRIAN LAPAZ" userId="d8ff7f18ef729175" providerId="LiveId" clId="{FA4F1720-4B09-4E47-B1BD-A0DE7E6635FE}" dt="2025-04-20T16:25:03.992" v="1597" actId="47"/>
@@ -1570,86 +867,6 @@
           <pc:docMk/>
           <pc:sldMk cId="1012583559" sldId="284"/>
         </pc:sldMkLst>
-        <pc:spChg chg="mod">
-          <ac:chgData name="ADRIAN LAPAZ" userId="d8ff7f18ef729175" providerId="LiveId" clId="{FA4F1720-4B09-4E47-B1BD-A0DE7E6635FE}" dt="2025-04-20T16:12:17.335" v="1554"/>
-          <ac:spMkLst>
-            <pc:docMk/>
-            <pc:sldMk cId="1012583559" sldId="284"/>
-            <ac:spMk id="2" creationId="{076A2BF3-B3F1-F5F9-4DA6-4BAC97D81F18}"/>
-          </ac:spMkLst>
-        </pc:spChg>
-        <pc:spChg chg="mod">
-          <ac:chgData name="ADRIAN LAPAZ" userId="d8ff7f18ef729175" providerId="LiveId" clId="{FA4F1720-4B09-4E47-B1BD-A0DE7E6635FE}" dt="2025-04-20T16:12:17.335" v="1554"/>
-          <ac:spMkLst>
-            <pc:docMk/>
-            <pc:sldMk cId="1012583559" sldId="284"/>
-            <ac:spMk id="17" creationId="{A8FA203C-3E5C-4A83-6865-2A0202415A8F}"/>
-          </ac:spMkLst>
-        </pc:spChg>
-        <pc:spChg chg="mod">
-          <ac:chgData name="ADRIAN LAPAZ" userId="d8ff7f18ef729175" providerId="LiveId" clId="{FA4F1720-4B09-4E47-B1BD-A0DE7E6635FE}" dt="2025-04-20T16:12:17.335" v="1554"/>
-          <ac:spMkLst>
-            <pc:docMk/>
-            <pc:sldMk cId="1012583559" sldId="284"/>
-            <ac:spMk id="18" creationId="{DEC603BB-8A20-EB09-0AA4-F102536AF912}"/>
-          </ac:spMkLst>
-        </pc:spChg>
-        <pc:picChg chg="mod">
-          <ac:chgData name="ADRIAN LAPAZ" userId="d8ff7f18ef729175" providerId="LiveId" clId="{FA4F1720-4B09-4E47-B1BD-A0DE7E6635FE}" dt="2025-04-20T16:12:17.335" v="1554"/>
-          <ac:picMkLst>
-            <pc:docMk/>
-            <pc:sldMk cId="1012583559" sldId="284"/>
-            <ac:picMk id="6" creationId="{7E8B58ED-7CD9-731B-78F8-D8BA3CF532CF}"/>
-          </ac:picMkLst>
-        </pc:picChg>
-        <pc:picChg chg="mod">
-          <ac:chgData name="ADRIAN LAPAZ" userId="d8ff7f18ef729175" providerId="LiveId" clId="{FA4F1720-4B09-4E47-B1BD-A0DE7E6635FE}" dt="2025-04-20T16:12:17.335" v="1554"/>
-          <ac:picMkLst>
-            <pc:docMk/>
-            <pc:sldMk cId="1012583559" sldId="284"/>
-            <ac:picMk id="8" creationId="{876A8C83-6A6D-6FD6-CE0D-BDF6E3E5088C}"/>
-          </ac:picMkLst>
-        </pc:picChg>
-        <pc:picChg chg="mod">
-          <ac:chgData name="ADRIAN LAPAZ" userId="d8ff7f18ef729175" providerId="LiveId" clId="{FA4F1720-4B09-4E47-B1BD-A0DE7E6635FE}" dt="2025-04-20T16:12:17.335" v="1554"/>
-          <ac:picMkLst>
-            <pc:docMk/>
-            <pc:sldMk cId="1012583559" sldId="284"/>
-            <ac:picMk id="10" creationId="{C33B8E94-998C-7554-6805-63FC1F7C6F4F}"/>
-          </ac:picMkLst>
-        </pc:picChg>
-        <pc:picChg chg="mod">
-          <ac:chgData name="ADRIAN LAPAZ" userId="d8ff7f18ef729175" providerId="LiveId" clId="{FA4F1720-4B09-4E47-B1BD-A0DE7E6635FE}" dt="2025-04-20T16:12:17.335" v="1554"/>
-          <ac:picMkLst>
-            <pc:docMk/>
-            <pc:sldMk cId="1012583559" sldId="284"/>
-            <ac:picMk id="13" creationId="{DF8037F1-F5D7-5FD1-E985-9F093708F966}"/>
-          </ac:picMkLst>
-        </pc:picChg>
-        <pc:picChg chg="mod">
-          <ac:chgData name="ADRIAN LAPAZ" userId="d8ff7f18ef729175" providerId="LiveId" clId="{FA4F1720-4B09-4E47-B1BD-A0DE7E6635FE}" dt="2025-04-20T16:12:17.335" v="1554"/>
-          <ac:picMkLst>
-            <pc:docMk/>
-            <pc:sldMk cId="1012583559" sldId="284"/>
-            <ac:picMk id="15" creationId="{4ED43DAE-88B4-69AC-3945-66DB9B97CF59}"/>
-          </ac:picMkLst>
-        </pc:picChg>
-        <pc:picChg chg="mod">
-          <ac:chgData name="ADRIAN LAPAZ" userId="d8ff7f18ef729175" providerId="LiveId" clId="{FA4F1720-4B09-4E47-B1BD-A0DE7E6635FE}" dt="2025-04-20T16:12:17.335" v="1554"/>
-          <ac:picMkLst>
-            <pc:docMk/>
-            <pc:sldMk cId="1012583559" sldId="284"/>
-            <ac:picMk id="20" creationId="{22CADEDC-F2CA-38B8-EF45-B37FF932EE42}"/>
-          </ac:picMkLst>
-        </pc:picChg>
-        <pc:cxnChg chg="mod">
-          <ac:chgData name="ADRIAN LAPAZ" userId="d8ff7f18ef729175" providerId="LiveId" clId="{FA4F1720-4B09-4E47-B1BD-A0DE7E6635FE}" dt="2025-04-20T16:12:17.335" v="1554"/>
-          <ac:cxnSpMkLst>
-            <pc:docMk/>
-            <pc:sldMk cId="1012583559" sldId="284"/>
-            <ac:cxnSpMk id="24" creationId="{8866C8F6-205F-8BAB-A90D-4D8F85F6E36A}"/>
-          </ac:cxnSpMkLst>
-        </pc:cxnChg>
       </pc:sldChg>
       <pc:sldChg chg="modSp add mod ord modAnim modNotes">
         <pc:chgData name="ADRIAN LAPAZ" userId="d8ff7f18ef729175" providerId="LiveId" clId="{FA4F1720-4B09-4E47-B1BD-A0DE7E6635FE}" dt="2025-04-21T00:44:10.040" v="3054"/>
@@ -1744,14 +961,6 @@
             <ac:spMk id="2" creationId="{C1E76924-147A-11AB-7A46-5680D65F3F0B}"/>
           </ac:spMkLst>
         </pc:spChg>
-        <pc:spChg chg="del mod">
-          <ac:chgData name="ADRIAN LAPAZ" userId="d8ff7f18ef729175" providerId="LiveId" clId="{FA4F1720-4B09-4E47-B1BD-A0DE7E6635FE}" dt="2025-04-20T16:41:30.841" v="1895" actId="478"/>
-          <ac:spMkLst>
-            <pc:docMk/>
-            <pc:sldMk cId="3073891630" sldId="286"/>
-            <ac:spMk id="3" creationId="{FB242712-1D0B-E2ED-0EF4-94AC8A90C70F}"/>
-          </ac:spMkLst>
-        </pc:spChg>
         <pc:spChg chg="add mod">
           <ac:chgData name="ADRIAN LAPAZ" userId="d8ff7f18ef729175" providerId="LiveId" clId="{FA4F1720-4B09-4E47-B1BD-A0DE7E6635FE}" dt="2025-04-20T22:03:22.296" v="2404" actId="1035"/>
           <ac:spMkLst>
@@ -1792,14 +1001,6 @@
             <ac:spMk id="9" creationId="{6953FAD8-A574-7E49-8B25-A67E9F3DF1D7}"/>
           </ac:spMkLst>
         </pc:spChg>
-        <pc:spChg chg="add del mod">
-          <ac:chgData name="ADRIAN LAPAZ" userId="d8ff7f18ef729175" providerId="LiveId" clId="{FA4F1720-4B09-4E47-B1BD-A0DE7E6635FE}" dt="2025-04-20T16:41:34.433" v="1896" actId="478"/>
-          <ac:spMkLst>
-            <pc:docMk/>
-            <pc:sldMk cId="3073891630" sldId="286"/>
-            <ac:spMk id="11" creationId="{685EA031-5206-1FD8-D1DB-D4654B356516}"/>
-          </ac:spMkLst>
-        </pc:spChg>
         <pc:spChg chg="add mod ord">
           <ac:chgData name="ADRIAN LAPAZ" userId="d8ff7f18ef729175" providerId="LiveId" clId="{FA4F1720-4B09-4E47-B1BD-A0DE7E6635FE}" dt="2025-04-20T22:03:46.329" v="2406" actId="14100"/>
           <ac:spMkLst>
@@ -1815,30 +1016,6 @@
           <pc:docMk/>
           <pc:sldMk cId="2660983155" sldId="287"/>
         </pc:sldMkLst>
-        <pc:spChg chg="mod">
-          <ac:chgData name="ADRIAN LAPAZ" userId="d8ff7f18ef729175" providerId="LiveId" clId="{FA4F1720-4B09-4E47-B1BD-A0DE7E6635FE}" dt="2025-04-20T16:44:28.237" v="1957" actId="20577"/>
-          <ac:spMkLst>
-            <pc:docMk/>
-            <pc:sldMk cId="2660983155" sldId="287"/>
-            <ac:spMk id="2" creationId="{88F3AD19-A860-3FD4-7D32-7566C366D566}"/>
-          </ac:spMkLst>
-        </pc:spChg>
-        <pc:spChg chg="mod">
-          <ac:chgData name="ADRIAN LAPAZ" userId="d8ff7f18ef729175" providerId="LiveId" clId="{FA4F1720-4B09-4E47-B1BD-A0DE7E6635FE}" dt="2025-04-20T16:52:25.011" v="2080" actId="6549"/>
-          <ac:spMkLst>
-            <pc:docMk/>
-            <pc:sldMk cId="2660983155" sldId="287"/>
-            <ac:spMk id="3" creationId="{EFBDA57F-457D-9FCE-A09D-E6B277270039}"/>
-          </ac:spMkLst>
-        </pc:spChg>
-        <pc:spChg chg="add">
-          <ac:chgData name="ADRIAN LAPAZ" userId="d8ff7f18ef729175" providerId="LiveId" clId="{FA4F1720-4B09-4E47-B1BD-A0DE7E6635FE}" dt="2025-04-20T16:45:45.335" v="1970"/>
-          <ac:spMkLst>
-            <pc:docMk/>
-            <pc:sldMk cId="2660983155" sldId="287"/>
-            <ac:spMk id="5" creationId="{0E5E1A7B-59F3-AA5B-E69E-E6071B4F3790}"/>
-          </ac:spMkLst>
-        </pc:spChg>
       </pc:sldChg>
       <pc:sldChg chg="addSp delSp modSp add mod modAnim">
         <pc:chgData name="ADRIAN LAPAZ" userId="d8ff7f18ef729175" providerId="LiveId" clId="{FA4F1720-4B09-4E47-B1BD-A0DE7E6635FE}" dt="2025-04-20T21:54:51.918" v="2338" actId="20577"/>
@@ -1862,22 +1039,6 @@
             <ac:spMk id="3" creationId="{895A5FFD-C38C-6774-5C39-684804B1AE3A}"/>
           </ac:spMkLst>
         </pc:spChg>
-        <pc:spChg chg="add">
-          <ac:chgData name="ADRIAN LAPAZ" userId="d8ff7f18ef729175" providerId="LiveId" clId="{FA4F1720-4B09-4E47-B1BD-A0DE7E6635FE}" dt="2025-04-20T21:54:32.079" v="2332"/>
-          <ac:spMkLst>
-            <pc:docMk/>
-            <pc:sldMk cId="4161097549" sldId="288"/>
-            <ac:spMk id="10" creationId="{1E33C73D-73AA-4FE1-866F-F086894C8B54}"/>
-          </ac:spMkLst>
-        </pc:spChg>
-        <pc:picChg chg="add del mod">
-          <ac:chgData name="ADRIAN LAPAZ" userId="d8ff7f18ef729175" providerId="LiveId" clId="{FA4F1720-4B09-4E47-B1BD-A0DE7E6635FE}" dt="2025-04-20T21:44:53.169" v="2321" actId="478"/>
-          <ac:picMkLst>
-            <pc:docMk/>
-            <pc:sldMk cId="4161097549" sldId="288"/>
-            <ac:picMk id="7" creationId="{C016F566-DE9C-8907-3731-DE800AC0AD36}"/>
-          </ac:picMkLst>
-        </pc:picChg>
         <pc:picChg chg="add mod">
           <ac:chgData name="ADRIAN LAPAZ" userId="d8ff7f18ef729175" providerId="LiveId" clId="{FA4F1720-4B09-4E47-B1BD-A0DE7E6635FE}" dt="2025-04-20T21:45:45.500" v="2330" actId="1076"/>
           <ac:picMkLst>
@@ -1893,14 +1054,6 @@
           <pc:docMk/>
           <pc:sldMk cId="3034641274" sldId="289"/>
         </pc:sldMkLst>
-        <pc:spChg chg="mod">
-          <ac:chgData name="ADRIAN LAPAZ" userId="d8ff7f18ef729175" providerId="LiveId" clId="{FA4F1720-4B09-4E47-B1BD-A0DE7E6635FE}" dt="2025-04-20T16:52:59.526" v="2092" actId="20577"/>
-          <ac:spMkLst>
-            <pc:docMk/>
-            <pc:sldMk cId="3034641274" sldId="289"/>
-            <ac:spMk id="2" creationId="{4D350299-0F58-66C3-37B1-D3E7293BB06B}"/>
-          </ac:spMkLst>
-        </pc:spChg>
         <pc:spChg chg="mod">
           <ac:chgData name="ADRIAN LAPAZ" userId="d8ff7f18ef729175" providerId="LiveId" clId="{FA4F1720-4B09-4E47-B1BD-A0DE7E6635FE}" dt="2025-04-21T21:55:12.058" v="3080" actId="14100"/>
           <ac:spMkLst>
@@ -1962,30 +1115,6 @@
             <pc:docMk/>
             <pc:sldMk cId="127363204" sldId="290"/>
             <ac:spMk id="2" creationId="{F9AEA30D-920C-4B20-27A9-F477F9077DB7}"/>
-          </ac:spMkLst>
-        </pc:spChg>
-        <pc:spChg chg="del">
-          <ac:chgData name="ADRIAN LAPAZ" userId="d8ff7f18ef729175" providerId="LiveId" clId="{FA4F1720-4B09-4E47-B1BD-A0DE7E6635FE}" dt="2025-04-20T21:41:41.864" v="2290" actId="478"/>
-          <ac:spMkLst>
-            <pc:docMk/>
-            <pc:sldMk cId="127363204" sldId="290"/>
-            <ac:spMk id="3" creationId="{377521D0-5461-5179-21BD-3A1367FDDA59}"/>
-          </ac:spMkLst>
-        </pc:spChg>
-        <pc:spChg chg="add del mod">
-          <ac:chgData name="ADRIAN LAPAZ" userId="d8ff7f18ef729175" providerId="LiveId" clId="{FA4F1720-4B09-4E47-B1BD-A0DE7E6635FE}" dt="2025-04-20T21:41:42.484" v="2291"/>
-          <ac:spMkLst>
-            <pc:docMk/>
-            <pc:sldMk cId="127363204" sldId="290"/>
-            <ac:spMk id="7" creationId="{34BE7070-72F9-1633-D696-B4E5FAE6EED2}"/>
-          </ac:spMkLst>
-        </pc:spChg>
-        <pc:spChg chg="add del mod">
-          <ac:chgData name="ADRIAN LAPAZ" userId="d8ff7f18ef729175" providerId="LiveId" clId="{FA4F1720-4B09-4E47-B1BD-A0DE7E6635FE}" dt="2025-04-20T22:39:59.678" v="2513" actId="478"/>
-          <ac:spMkLst>
-            <pc:docMk/>
-            <pc:sldMk cId="127363204" sldId="290"/>
-            <ac:spMk id="11" creationId="{C7A7BB9F-5621-C918-B41B-2C965D068292}"/>
           </ac:spMkLst>
         </pc:spChg>
         <pc:spChg chg="add mod">
@@ -2052,14 +1181,6 @@
             <ac:spMk id="25" creationId="{19E4FA51-C04F-3AAE-E033-6EF2754C9C64}"/>
           </ac:spMkLst>
         </pc:spChg>
-        <pc:picChg chg="add del mod">
-          <ac:chgData name="ADRIAN LAPAZ" userId="d8ff7f18ef729175" providerId="LiveId" clId="{FA4F1720-4B09-4E47-B1BD-A0DE7E6635FE}" dt="2025-04-20T22:37:51.444" v="2481" actId="478"/>
-          <ac:picMkLst>
-            <pc:docMk/>
-            <pc:sldMk cId="127363204" sldId="290"/>
-            <ac:picMk id="9" creationId="{A431810D-BF51-ADD7-EAC2-2A0792917D88}"/>
-          </ac:picMkLst>
-        </pc:picChg>
         <pc:picChg chg="mod">
           <ac:chgData name="ADRIAN LAPAZ" userId="d8ff7f18ef729175" providerId="LiveId" clId="{FA4F1720-4B09-4E47-B1BD-A0DE7E6635FE}" dt="2025-04-20T22:40:41.322" v="2558" actId="1036"/>
           <ac:picMkLst>
@@ -2130,30 +1251,6 @@
             <pc:docMk/>
             <pc:sldMk cId="127363204" sldId="290"/>
             <ac:picMk id="34" creationId="{096ECF9B-383B-A8D0-DD20-3E79005D4B6D}"/>
-          </ac:picMkLst>
-        </pc:picChg>
-        <pc:picChg chg="add mod">
-          <ac:chgData name="ADRIAN LAPAZ" userId="d8ff7f18ef729175" providerId="LiveId" clId="{FA4F1720-4B09-4E47-B1BD-A0DE7E6635FE}" dt="2025-04-20T22:38:49.672" v="2498"/>
-          <ac:picMkLst>
-            <pc:docMk/>
-            <pc:sldMk cId="127363204" sldId="290"/>
-            <ac:picMk id="46" creationId="{ACCF18FE-EBA2-4032-A26D-20C330113D81}"/>
-          </ac:picMkLst>
-        </pc:picChg>
-        <pc:picChg chg="add mod">
-          <ac:chgData name="ADRIAN LAPAZ" userId="d8ff7f18ef729175" providerId="LiveId" clId="{FA4F1720-4B09-4E47-B1BD-A0DE7E6635FE}" dt="2025-04-20T22:38:49.672" v="2498"/>
-          <ac:picMkLst>
-            <pc:docMk/>
-            <pc:sldMk cId="127363204" sldId="290"/>
-            <ac:picMk id="47" creationId="{C2A8CBDE-6D37-62FC-6027-E98F2F9BFC0F}"/>
-          </ac:picMkLst>
-        </pc:picChg>
-        <pc:picChg chg="add mod">
-          <ac:chgData name="ADRIAN LAPAZ" userId="d8ff7f18ef729175" providerId="LiveId" clId="{FA4F1720-4B09-4E47-B1BD-A0DE7E6635FE}" dt="2025-04-20T22:38:49.672" v="2498"/>
-          <ac:picMkLst>
-            <pc:docMk/>
-            <pc:sldMk cId="127363204" sldId="290"/>
-            <ac:picMk id="48" creationId="{099FA9D3-CDD5-2A5A-64CC-F3EE9423B502}"/>
           </ac:picMkLst>
         </pc:picChg>
         <pc:cxnChg chg="mod">
@@ -2241,22 +1338,6 @@
             <ac:spMk id="2" creationId="{84C7D1C6-4076-B2BF-B498-6FD1E099CC50}"/>
           </ac:spMkLst>
         </pc:spChg>
-        <pc:spChg chg="del mod">
-          <ac:chgData name="ADRIAN LAPAZ" userId="d8ff7f18ef729175" providerId="LiveId" clId="{FA4F1720-4B09-4E47-B1BD-A0DE7E6635FE}" dt="2025-04-20T23:08:23.918" v="2643" actId="478"/>
-          <ac:spMkLst>
-            <pc:docMk/>
-            <pc:sldMk cId="3545665216" sldId="291"/>
-            <ac:spMk id="3" creationId="{644C0EA4-D046-FEDC-6E6A-35AFFAE7D8A9}"/>
-          </ac:spMkLst>
-        </pc:spChg>
-        <pc:spChg chg="add del mod">
-          <ac:chgData name="ADRIAN LAPAZ" userId="d8ff7f18ef729175" providerId="LiveId" clId="{FA4F1720-4B09-4E47-B1BD-A0DE7E6635FE}" dt="2025-04-20T23:09:09.229" v="2666"/>
-          <ac:spMkLst>
-            <pc:docMk/>
-            <pc:sldMk cId="3545665216" sldId="291"/>
-            <ac:spMk id="7" creationId="{8C407C8C-C585-FE30-1AF3-0CCEFEA77167}"/>
-          </ac:spMkLst>
-        </pc:spChg>
         <pc:spChg chg="add mod">
           <ac:chgData name="ADRIAN LAPAZ" userId="d8ff7f18ef729175" providerId="LiveId" clId="{FA4F1720-4B09-4E47-B1BD-A0DE7E6635FE}" dt="2025-04-21T00:38:35.680" v="3022" actId="14100"/>
           <ac:spMkLst>
@@ -2281,14 +1362,6 @@
             <ac:spMk id="11" creationId="{F4D41F70-447D-C174-1E97-A7730CE71866}"/>
           </ac:spMkLst>
         </pc:spChg>
-        <pc:picChg chg="del">
-          <ac:chgData name="ADRIAN LAPAZ" userId="d8ff7f18ef729175" providerId="LiveId" clId="{FA4F1720-4B09-4E47-B1BD-A0DE7E6635FE}" dt="2025-04-20T21:54:42.730" v="2334" actId="478"/>
-          <ac:picMkLst>
-            <pc:docMk/>
-            <pc:sldMk cId="3545665216" sldId="291"/>
-            <ac:picMk id="9" creationId="{F953E023-AE95-A21F-2A82-53A8FE304598}"/>
-          </ac:picMkLst>
-        </pc:picChg>
       </pc:sldChg>
       <pc:sldChg chg="modSp add mod modAnim">
         <pc:chgData name="ADRIAN LAPAZ" userId="d8ff7f18ef729175" providerId="LiveId" clId="{FA4F1720-4B09-4E47-B1BD-A0DE7E6635FE}" dt="2025-04-20T23:50:43.715" v="3011"/>
@@ -8651,7 +7724,7 @@
                 <a:latin typeface="Arial" panose="020B0604020202020204" pitchFamily="34" charset="0"/>
                 <a:cs typeface="Arial" panose="020B0604020202020204" pitchFamily="34" charset="0"/>
               </a:rPr>
-              <a:t>Tabla de gestión de riesgos: (El RPN se calcula como RPN=</a:t>
+              <a:t>Tabla de gestión de riesgos: (el RPN se calcula como RPN=</a:t>
             </a:r>
             <a:r>
               <a:rPr lang="es-AR" sz="2000" dirty="0" err="1">
@@ -8865,7 +7938,7 @@
         <p:cNvPr id="1" name="">
           <a:extLst>
             <a:ext uri="{FF2B5EF4-FFF2-40B4-BE49-F238E27FC236}">
-              <a16:creationId xmlns:a16="http://schemas.microsoft.com/office/drawing/2014/main" id="{4052676B-E01F-A1D7-293E-89F833853CEC}"/>
+              <a16:creationId xmlns:a16="http://schemas.microsoft.com/office/drawing/2014/main" id="{8F3EF23A-FCAD-8D47-B84A-3A53D30322C2}"/>
             </a:ext>
           </a:extLst>
         </p:cNvPr>
@@ -8885,7 +7958,7 @@
           <p:cNvPr id="2" name="Título 1">
             <a:extLst>
               <a:ext uri="{FF2B5EF4-FFF2-40B4-BE49-F238E27FC236}">
-                <a16:creationId xmlns:a16="http://schemas.microsoft.com/office/drawing/2014/main" id="{84C7D1C6-4076-B2BF-B498-6FD1E099CC50}"/>
+                <a16:creationId xmlns:a16="http://schemas.microsoft.com/office/drawing/2014/main" id="{6091941E-F33D-05F9-0F60-02002CBD8017}"/>
               </a:ext>
             </a:extLst>
           </p:cNvPr>
@@ -8898,22 +7971,437 @@
         </p:nvSpPr>
         <p:spPr/>
         <p:txBody>
-          <a:bodyPr/>
+          <a:bodyPr>
+            <a:normAutofit/>
+          </a:bodyPr>
           <a:lstStyle/>
           <a:p>
             <a:r>
-              <a:rPr lang="es-AR" dirty="0"/>
+              <a:rPr lang="es-AR" sz="4000" dirty="0">
+                <a:latin typeface="Arial" panose="020B0604020202020204" pitchFamily="34" charset="0"/>
+                <a:cs typeface="Arial" panose="020B0604020202020204" pitchFamily="34" charset="0"/>
+              </a:rPr>
               <a:t>Evaluación de calidad</a:t>
             </a:r>
           </a:p>
         </p:txBody>
       </p:sp>
+      <p:graphicFrame>
+        <p:nvGraphicFramePr>
+          <p:cNvPr id="5" name="Marcador de contenido 4">
+            <a:extLst>
+              <a:ext uri="{FF2B5EF4-FFF2-40B4-BE49-F238E27FC236}">
+                <a16:creationId xmlns:a16="http://schemas.microsoft.com/office/drawing/2014/main" id="{5E4E3D4F-ABD3-FE61-5AE5-ADA080984A28}"/>
+              </a:ext>
+            </a:extLst>
+          </p:cNvPr>
+          <p:cNvGraphicFramePr>
+            <a:graphicFrameLocks noGrp="1"/>
+          </p:cNvGraphicFramePr>
+          <p:nvPr>
+            <p:ph idx="1"/>
+            <p:extLst>
+              <p:ext uri="{D42A27DB-BD31-4B8C-83A1-F6EECF244321}">
+                <p14:modId xmlns:p14="http://schemas.microsoft.com/office/powerpoint/2010/main" val="40603304"/>
+              </p:ext>
+            </p:extLst>
+          </p:nvPr>
+        </p:nvGraphicFramePr>
+        <p:xfrm>
+          <a:off x="838200" y="1825625"/>
+          <a:ext cx="10515597" cy="4119880"/>
+        </p:xfrm>
+        <a:graphic>
+          <a:graphicData uri="http://schemas.openxmlformats.org/drawingml/2006/table">
+            <a:tbl>
+              <a:tblPr firstRow="1" bandRow="1">
+                <a:tableStyleId>{5C22544A-7EE6-4342-B048-85BDC9FD1C3A}</a:tableStyleId>
+              </a:tblPr>
+              <a:tblGrid>
+                <a:gridCol w="3505199">
+                  <a:extLst>
+                    <a:ext uri="{9D8B030D-6E8A-4147-A177-3AD203B41FA5}">
+                      <a16:colId xmlns:a16="http://schemas.microsoft.com/office/drawing/2014/main" val="524849649"/>
+                    </a:ext>
+                  </a:extLst>
+                </a:gridCol>
+                <a:gridCol w="3505199">
+                  <a:extLst>
+                    <a:ext uri="{9D8B030D-6E8A-4147-A177-3AD203B41FA5}">
+                      <a16:colId xmlns:a16="http://schemas.microsoft.com/office/drawing/2014/main" val="3293401971"/>
+                    </a:ext>
+                  </a:extLst>
+                </a:gridCol>
+                <a:gridCol w="3505199">
+                  <a:extLst>
+                    <a:ext uri="{9D8B030D-6E8A-4147-A177-3AD203B41FA5}">
+                      <a16:colId xmlns:a16="http://schemas.microsoft.com/office/drawing/2014/main" val="3537449010"/>
+                    </a:ext>
+                  </a:extLst>
+                </a:gridCol>
+              </a:tblGrid>
+              <a:tr h="370840">
+                <a:tc>
+                  <a:txBody>
+                    <a:bodyPr/>
+                    <a:lstStyle/>
+                    <a:p>
+                      <a:r>
+                        <a:rPr lang="es-ES" sz="1800" dirty="0">
+                          <a:latin typeface="Arial" panose="020B0604020202020204" pitchFamily="34" charset="0"/>
+                          <a:cs typeface="Arial" panose="020B0604020202020204" pitchFamily="34" charset="0"/>
+                        </a:rPr>
+                        <a:t>Requerimiento</a:t>
+                      </a:r>
+                      <a:endParaRPr lang="es-AR" sz="1800" dirty="0">
+                        <a:latin typeface="Arial" panose="020B0604020202020204" pitchFamily="34" charset="0"/>
+                        <a:cs typeface="Arial" panose="020B0604020202020204" pitchFamily="34" charset="0"/>
+                      </a:endParaRPr>
+                    </a:p>
+                  </a:txBody>
+                  <a:tcPr anchor="ctr"/>
+                </a:tc>
+                <a:tc>
+                  <a:txBody>
+                    <a:bodyPr/>
+                    <a:lstStyle/>
+                    <a:p>
+                      <a:r>
+                        <a:rPr lang="es-ES" sz="1800" dirty="0">
+                          <a:latin typeface="Arial" panose="020B0604020202020204" pitchFamily="34" charset="0"/>
+                          <a:cs typeface="Arial" panose="020B0604020202020204" pitchFamily="34" charset="0"/>
+                        </a:rPr>
+                        <a:t>Verificación</a:t>
+                      </a:r>
+                      <a:endParaRPr lang="es-AR" sz="1800" dirty="0">
+                        <a:latin typeface="Arial" panose="020B0604020202020204" pitchFamily="34" charset="0"/>
+                        <a:cs typeface="Arial" panose="020B0604020202020204" pitchFamily="34" charset="0"/>
+                      </a:endParaRPr>
+                    </a:p>
+                  </a:txBody>
+                  <a:tcPr anchor="ctr"/>
+                </a:tc>
+                <a:tc>
+                  <a:txBody>
+                    <a:bodyPr/>
+                    <a:lstStyle/>
+                    <a:p>
+                      <a:r>
+                        <a:rPr lang="es-ES" sz="1800" dirty="0">
+                          <a:latin typeface="Arial" panose="020B0604020202020204" pitchFamily="34" charset="0"/>
+                          <a:cs typeface="Arial" panose="020B0604020202020204" pitchFamily="34" charset="0"/>
+                        </a:rPr>
+                        <a:t>Validación</a:t>
+                      </a:r>
+                      <a:endParaRPr lang="es-AR" sz="1800" dirty="0">
+                        <a:latin typeface="Arial" panose="020B0604020202020204" pitchFamily="34" charset="0"/>
+                        <a:cs typeface="Arial" panose="020B0604020202020204" pitchFamily="34" charset="0"/>
+                      </a:endParaRPr>
+                    </a:p>
+                  </a:txBody>
+                  <a:tcPr anchor="ctr"/>
+                </a:tc>
+                <a:extLst>
+                  <a:ext uri="{0D108BD9-81ED-4DB2-BD59-A6C34878D82A}">
+                    <a16:rowId xmlns:a16="http://schemas.microsoft.com/office/drawing/2014/main" val="3001924527"/>
+                  </a:ext>
+                </a:extLst>
+              </a:tr>
+              <a:tr h="370840">
+                <a:tc>
+                  <a:txBody>
+                    <a:bodyPr/>
+                    <a:lstStyle/>
+                    <a:p>
+                      <a:pPr marL="0" marR="0" lvl="0" indent="0" algn="l" defTabSz="914377" rtl="0" eaLnBrk="1" fontAlgn="auto" latinLnBrk="0" hangingPunct="1">
+                        <a:lnSpc>
+                          <a:spcPct val="100000"/>
+                        </a:lnSpc>
+                        <a:spcBef>
+                          <a:spcPts val="0"/>
+                        </a:spcBef>
+                        <a:spcAft>
+                          <a:spcPts val="0"/>
+                        </a:spcAft>
+                        <a:buClrTx/>
+                        <a:buSzTx/>
+                        <a:buFontTx/>
+                        <a:buNone/>
+                        <a:tabLst/>
+                        <a:defRPr/>
+                      </a:pPr>
+                      <a:r>
+                        <a:rPr lang="es-AR" sz="1800" b="1" dirty="0" err="1">
+                          <a:solidFill>
+                            <a:schemeClr val="tx1"/>
+                          </a:solidFill>
+                          <a:latin typeface="Arial" panose="020B0604020202020204" pitchFamily="34" charset="0"/>
+                          <a:cs typeface="Arial" panose="020B0604020202020204" pitchFamily="34" charset="0"/>
+                        </a:rPr>
+                        <a:t>Req</a:t>
+                      </a:r>
+                      <a:r>
+                        <a:rPr lang="es-AR" sz="1800" b="1" dirty="0">
+                          <a:solidFill>
+                            <a:schemeClr val="tx1"/>
+                          </a:solidFill>
+                          <a:latin typeface="Arial" panose="020B0604020202020204" pitchFamily="34" charset="0"/>
+                          <a:cs typeface="Arial" panose="020B0604020202020204" pitchFamily="34" charset="0"/>
+                        </a:rPr>
+                        <a:t> #1.5: </a:t>
+                      </a:r>
+                      <a:r>
+                        <a:rPr lang="es-AR" sz="1800" dirty="0">
+                          <a:solidFill>
+                            <a:schemeClr val="tx1"/>
+                          </a:solidFill>
+                          <a:latin typeface="Arial" panose="020B0604020202020204" pitchFamily="34" charset="0"/>
+                          <a:cs typeface="Arial" panose="020B0604020202020204" pitchFamily="34" charset="0"/>
+                        </a:rPr>
+                        <a:t>la estimación del NDVI potencial debe estar entre 0,4 y 1,0.</a:t>
+                      </a:r>
+                    </a:p>
+                  </a:txBody>
+                  <a:tcPr anchor="ctr"/>
+                </a:tc>
+                <a:tc>
+                  <a:txBody>
+                    <a:bodyPr/>
+                    <a:lstStyle/>
+                    <a:p>
+                      <a:pPr marL="0" marR="0" lvl="0" indent="0" algn="l" defTabSz="914377" rtl="0" eaLnBrk="1" fontAlgn="auto" latinLnBrk="0" hangingPunct="1">
+                        <a:lnSpc>
+                          <a:spcPct val="100000"/>
+                        </a:lnSpc>
+                        <a:spcBef>
+                          <a:spcPts val="0"/>
+                        </a:spcBef>
+                        <a:spcAft>
+                          <a:spcPts val="0"/>
+                        </a:spcAft>
+                        <a:buClrTx/>
+                        <a:buSzTx/>
+                        <a:buFontTx/>
+                        <a:buNone/>
+                        <a:tabLst/>
+                        <a:defRPr/>
+                      </a:pPr>
+                      <a:r>
+                        <a:rPr lang="es-AR" sz="1800" dirty="0">
+                          <a:solidFill>
+                            <a:schemeClr val="tx1"/>
+                          </a:solidFill>
+                          <a:latin typeface="Arial" panose="020B0604020202020204" pitchFamily="34" charset="0"/>
+                          <a:cs typeface="Arial" panose="020B0604020202020204" pitchFamily="34" charset="0"/>
+                        </a:rPr>
+                        <a:t>Implementar pruebas automatizadas para verificar que los valores de salida del modelo se ubiquen dentro del intervalo (0,4; 1,0).</a:t>
+                      </a:r>
+                    </a:p>
+                  </a:txBody>
+                  <a:tcPr anchor="ctr"/>
+                </a:tc>
+                <a:tc>
+                  <a:txBody>
+                    <a:bodyPr/>
+                    <a:lstStyle/>
+                    <a:p>
+                      <a:pPr marL="0" marR="0" lvl="0" indent="0" algn="l" defTabSz="914377" rtl="0" eaLnBrk="1" fontAlgn="auto" latinLnBrk="0" hangingPunct="1">
+                        <a:lnSpc>
+                          <a:spcPct val="100000"/>
+                        </a:lnSpc>
+                        <a:spcBef>
+                          <a:spcPts val="0"/>
+                        </a:spcBef>
+                        <a:spcAft>
+                          <a:spcPts val="0"/>
+                        </a:spcAft>
+                        <a:buClrTx/>
+                        <a:buSzTx/>
+                        <a:buFontTx/>
+                        <a:buNone/>
+                        <a:tabLst/>
+                        <a:defRPr/>
+                      </a:pPr>
+                      <a:r>
+                        <a:rPr lang="es-AR" sz="1800" dirty="0">
+                          <a:solidFill>
+                            <a:schemeClr val="tx1"/>
+                          </a:solidFill>
+                          <a:latin typeface="Arial" panose="020B0604020202020204" pitchFamily="34" charset="0"/>
+                          <a:cs typeface="Arial" panose="020B0604020202020204" pitchFamily="34" charset="0"/>
+                        </a:rPr>
+                        <a:t>Presentar al cliente histogramas de los valores de NDVI generados por el modelo para confirmar su ajuste al rango agronómico definido.</a:t>
+                      </a:r>
+                    </a:p>
+                  </a:txBody>
+                  <a:tcPr anchor="ctr"/>
+                </a:tc>
+                <a:extLst>
+                  <a:ext uri="{0D108BD9-81ED-4DB2-BD59-A6C34878D82A}">
+                    <a16:rowId xmlns:a16="http://schemas.microsoft.com/office/drawing/2014/main" val="1888906468"/>
+                  </a:ext>
+                </a:extLst>
+              </a:tr>
+              <a:tr h="370840">
+                <a:tc>
+                  <a:txBody>
+                    <a:bodyPr/>
+                    <a:lstStyle/>
+                    <a:p>
+                      <a:r>
+                        <a:rPr lang="es-AR" sz="1800" b="1" dirty="0" err="1">
+                          <a:solidFill>
+                            <a:schemeClr val="tx1"/>
+                          </a:solidFill>
+                          <a:latin typeface="Arial" panose="020B0604020202020204" pitchFamily="34" charset="0"/>
+                          <a:cs typeface="Arial" panose="020B0604020202020204" pitchFamily="34" charset="0"/>
+                        </a:rPr>
+                        <a:t>Req</a:t>
+                      </a:r>
+                      <a:r>
+                        <a:rPr lang="es-AR" sz="1800" b="1" dirty="0">
+                          <a:solidFill>
+                            <a:schemeClr val="tx1"/>
+                          </a:solidFill>
+                          <a:latin typeface="Arial" panose="020B0604020202020204" pitchFamily="34" charset="0"/>
+                          <a:cs typeface="Arial" panose="020B0604020202020204" pitchFamily="34" charset="0"/>
+                        </a:rPr>
+                        <a:t> #2.2:</a:t>
+                      </a:r>
+                      <a:r>
+                        <a:rPr lang="es-AR" sz="1800" dirty="0">
+                          <a:solidFill>
+                            <a:schemeClr val="tx1"/>
+                          </a:solidFill>
+                          <a:latin typeface="Arial" panose="020B0604020202020204" pitchFamily="34" charset="0"/>
+                          <a:cs typeface="Arial" panose="020B0604020202020204" pitchFamily="34" charset="0"/>
+                        </a:rPr>
+                        <a:t> los resultados deben ser publicados en revistas de investigación locales e</a:t>
+                      </a:r>
+                    </a:p>
+                    <a:p>
+                      <a:r>
+                        <a:rPr lang="es-AR" sz="1800" dirty="0">
+                          <a:solidFill>
+                            <a:schemeClr val="tx1"/>
+                          </a:solidFill>
+                          <a:latin typeface="Arial" panose="020B0604020202020204" pitchFamily="34" charset="0"/>
+                          <a:cs typeface="Arial" panose="020B0604020202020204" pitchFamily="34" charset="0"/>
+                        </a:rPr>
+                        <a:t>internacionales.</a:t>
+                      </a:r>
+                    </a:p>
+                  </a:txBody>
+                  <a:tcPr anchor="ctr"/>
+                </a:tc>
+                <a:tc>
+                  <a:txBody>
+                    <a:bodyPr/>
+                    <a:lstStyle/>
+                    <a:p>
+                      <a:pPr marL="0" marR="0" lvl="0" indent="0" algn="l" defTabSz="914377" rtl="0" eaLnBrk="1" fontAlgn="auto" latinLnBrk="0" hangingPunct="1">
+                        <a:lnSpc>
+                          <a:spcPct val="100000"/>
+                        </a:lnSpc>
+                        <a:spcBef>
+                          <a:spcPts val="0"/>
+                        </a:spcBef>
+                        <a:spcAft>
+                          <a:spcPts val="0"/>
+                        </a:spcAft>
+                        <a:buClrTx/>
+                        <a:buSzTx/>
+                        <a:buFontTx/>
+                        <a:buNone/>
+                        <a:tabLst/>
+                        <a:defRPr/>
+                      </a:pPr>
+                      <a:r>
+                        <a:rPr lang="es-AR" sz="1800" dirty="0">
+                          <a:solidFill>
+                            <a:schemeClr val="tx1"/>
+                          </a:solidFill>
+                          <a:latin typeface="Arial" panose="020B0604020202020204" pitchFamily="34" charset="0"/>
+                          <a:cs typeface="Arial" panose="020B0604020202020204" pitchFamily="34" charset="0"/>
+                        </a:rPr>
+                        <a:t>Asegurar que los manuscritos preparados para </a:t>
+                      </a:r>
+                      <a:r>
+                        <a:rPr lang="es-AR" sz="1800">
+                          <a:solidFill>
+                            <a:schemeClr val="tx1"/>
+                          </a:solidFill>
+                          <a:latin typeface="Arial" panose="020B0604020202020204" pitchFamily="34" charset="0"/>
+                          <a:cs typeface="Arial" panose="020B0604020202020204" pitchFamily="34" charset="0"/>
+                        </a:rPr>
+                        <a:t>su publicación </a:t>
+                      </a:r>
+                      <a:r>
+                        <a:rPr lang="es-AR" sz="1800" dirty="0">
+                          <a:solidFill>
+                            <a:schemeClr val="tx1"/>
+                          </a:solidFill>
+                          <a:latin typeface="Arial" panose="020B0604020202020204" pitchFamily="34" charset="0"/>
+                          <a:cs typeface="Arial" panose="020B0604020202020204" pitchFamily="34" charset="0"/>
+                        </a:rPr>
+                        <a:t>cumplan rigurosamente con las normas de estilo y formato especificadas por las revistas científicas objetivo (incluyendo estructura, citación, figuras y tablas).</a:t>
+                      </a:r>
+                    </a:p>
+                  </a:txBody>
+                  <a:tcPr anchor="ctr"/>
+                </a:tc>
+                <a:tc>
+                  <a:txBody>
+                    <a:bodyPr/>
+                    <a:lstStyle/>
+                    <a:p>
+                      <a:pPr marL="0" marR="0" lvl="0" indent="0" algn="l" defTabSz="914377" rtl="0" eaLnBrk="1" fontAlgn="auto" latinLnBrk="0" hangingPunct="1">
+                        <a:lnSpc>
+                          <a:spcPct val="100000"/>
+                        </a:lnSpc>
+                        <a:spcBef>
+                          <a:spcPts val="0"/>
+                        </a:spcBef>
+                        <a:spcAft>
+                          <a:spcPts val="0"/>
+                        </a:spcAft>
+                        <a:buClrTx/>
+                        <a:buSzTx/>
+                        <a:buFontTx/>
+                        <a:buNone/>
+                        <a:tabLst/>
+                        <a:defRPr/>
+                      </a:pPr>
+                      <a:r>
+                        <a:rPr lang="es-AR" sz="1800" dirty="0">
+                          <a:solidFill>
+                            <a:schemeClr val="tx1"/>
+                          </a:solidFill>
+                          <a:latin typeface="Arial" panose="020B0604020202020204" pitchFamily="34" charset="0"/>
+                          <a:cs typeface="Arial" panose="020B0604020202020204" pitchFamily="34" charset="0"/>
+                        </a:rPr>
+                        <a:t>Obtener una respuesta editorial (aceptación, solicitud de revisiones mayores/menores, o rechazo) por parte de los comités editoriales de, al menos, dos revistas científicas seleccionadas como potenciales vehículos de publicación.</a:t>
+                      </a:r>
+                    </a:p>
+                  </a:txBody>
+                  <a:tcPr anchor="ctr"/>
+                </a:tc>
+                <a:extLst>
+                  <a:ext uri="{0D108BD9-81ED-4DB2-BD59-A6C34878D82A}">
+                    <a16:rowId xmlns:a16="http://schemas.microsoft.com/office/drawing/2014/main" val="469241079"/>
+                  </a:ext>
+                </a:extLst>
+              </a:tr>
+            </a:tbl>
+          </a:graphicData>
+        </a:graphic>
+      </p:graphicFrame>
       <p:sp>
         <p:nvSpPr>
           <p:cNvPr id="4" name="Marcador de número de diapositiva 3">
             <a:extLst>
               <a:ext uri="{FF2B5EF4-FFF2-40B4-BE49-F238E27FC236}">
-                <a16:creationId xmlns:a16="http://schemas.microsoft.com/office/drawing/2014/main" id="{E1E850B5-EB47-3DED-78FF-60F552ED2267}"/>
+                <a16:creationId xmlns:a16="http://schemas.microsoft.com/office/drawing/2014/main" id="{4893580D-5986-2C9E-4CB6-04DE9AEEC63E}"/>
               </a:ext>
             </a:extLst>
           </p:cNvPr>
@@ -8942,7 +8430,7 @@
           <p:cNvPr id="6" name="Imagen 5" descr="Logotipo&#10;&#10;El contenido generado por IA puede ser incorrecto.">
             <a:extLst>
               <a:ext uri="{FF2B5EF4-FFF2-40B4-BE49-F238E27FC236}">
-                <a16:creationId xmlns:a16="http://schemas.microsoft.com/office/drawing/2014/main" id="{B01714EB-1D87-ECB5-CBF3-DEB804AFCE35}"/>
+                <a16:creationId xmlns:a16="http://schemas.microsoft.com/office/drawing/2014/main" id="{9734F6CF-89A1-AD74-1647-BB3214666007}"/>
               </a:ext>
             </a:extLst>
           </p:cNvPr>
@@ -8973,233 +8461,10 @@
           </a:prstGeom>
         </p:spPr>
       </p:pic>
-      <p:sp>
-        <p:nvSpPr>
-          <p:cNvPr id="8" name="Rectángulo 7">
-            <a:extLst>
-              <a:ext uri="{FF2B5EF4-FFF2-40B4-BE49-F238E27FC236}">
-                <a16:creationId xmlns:a16="http://schemas.microsoft.com/office/drawing/2014/main" id="{7AC8A693-20B2-F8B1-2F24-57627B564373}"/>
-              </a:ext>
-            </a:extLst>
-          </p:cNvPr>
-          <p:cNvSpPr/>
-          <p:nvPr/>
-        </p:nvSpPr>
-        <p:spPr>
-          <a:xfrm>
-            <a:off x="1275426" y="3429000"/>
-            <a:ext cx="4015666" cy="1325564"/>
-          </a:xfrm>
-          <a:prstGeom prst="rect">
-            <a:avLst/>
-          </a:prstGeom>
-          <a:solidFill>
-            <a:schemeClr val="bg1"/>
-          </a:solidFill>
-        </p:spPr>
-        <p:style>
-          <a:lnRef idx="2">
-            <a:schemeClr val="accent1">
-              <a:shade val="15000"/>
-            </a:schemeClr>
-          </a:lnRef>
-          <a:fillRef idx="1">
-            <a:schemeClr val="accent1"/>
-          </a:fillRef>
-          <a:effectRef idx="0">
-            <a:schemeClr val="accent1"/>
-          </a:effectRef>
-          <a:fontRef idx="minor">
-            <a:schemeClr val="lt1"/>
-          </a:fontRef>
-        </p:style>
-        <p:txBody>
-          <a:bodyPr rtlCol="0" anchor="ctr"/>
-          <a:lstStyle/>
-          <a:p>
-            <a:r>
-              <a:rPr lang="es-AR" sz="1800" b="1" dirty="0">
-                <a:solidFill>
-                  <a:schemeClr val="tx1"/>
-                </a:solidFill>
-                <a:latin typeface="Arial" panose="020B0604020202020204" pitchFamily="34" charset="0"/>
-                <a:cs typeface="Arial" panose="020B0604020202020204" pitchFamily="34" charset="0"/>
-              </a:rPr>
-              <a:t>Verificación: </a:t>
-            </a:r>
-            <a:r>
-              <a:rPr lang="es-AR" sz="1800" dirty="0">
-                <a:solidFill>
-                  <a:schemeClr val="tx1"/>
-                </a:solidFill>
-                <a:latin typeface="Arial" panose="020B0604020202020204" pitchFamily="34" charset="0"/>
-                <a:cs typeface="Arial" panose="020B0604020202020204" pitchFamily="34" charset="0"/>
-              </a:rPr>
-              <a:t>implementar pruebas automatizadas para verificar que los valores de salida del modelo se ubiquen dentro del intervalo (0,4; 1,0)</a:t>
-            </a:r>
-          </a:p>
-        </p:txBody>
-      </p:sp>
-      <p:sp>
-        <p:nvSpPr>
-          <p:cNvPr id="10" name="Rectángulo 9">
-            <a:extLst>
-              <a:ext uri="{FF2B5EF4-FFF2-40B4-BE49-F238E27FC236}">
-                <a16:creationId xmlns:a16="http://schemas.microsoft.com/office/drawing/2014/main" id="{0E98D0B4-5144-A7CF-FB9B-DFC6989B029E}"/>
-              </a:ext>
-            </a:extLst>
-          </p:cNvPr>
-          <p:cNvSpPr/>
-          <p:nvPr/>
-        </p:nvSpPr>
-        <p:spPr>
-          <a:xfrm>
-            <a:off x="3666477" y="2048937"/>
-            <a:ext cx="4243527" cy="1198485"/>
-          </a:xfrm>
-          <a:prstGeom prst="rect">
-            <a:avLst/>
-          </a:prstGeom>
-          <a:solidFill>
-            <a:schemeClr val="bg1"/>
-          </a:solidFill>
-          <a:ln>
-            <a:noFill/>
-          </a:ln>
-        </p:spPr>
-        <p:style>
-          <a:lnRef idx="2">
-            <a:schemeClr val="accent1">
-              <a:shade val="15000"/>
-            </a:schemeClr>
-          </a:lnRef>
-          <a:fillRef idx="1">
-            <a:schemeClr val="accent1"/>
-          </a:fillRef>
-          <a:effectRef idx="0">
-            <a:schemeClr val="accent1"/>
-          </a:effectRef>
-          <a:fontRef idx="minor">
-            <a:schemeClr val="lt1"/>
-          </a:fontRef>
-        </p:style>
-        <p:txBody>
-          <a:bodyPr rtlCol="0" anchor="ctr"/>
-          <a:lstStyle/>
-          <a:p>
-            <a:r>
-              <a:rPr lang="es-AR" sz="1800" b="1" dirty="0" err="1">
-                <a:solidFill>
-                  <a:schemeClr val="tx1"/>
-                </a:solidFill>
-                <a:latin typeface="Arial" panose="020B0604020202020204" pitchFamily="34" charset="0"/>
-                <a:cs typeface="Arial" panose="020B0604020202020204" pitchFamily="34" charset="0"/>
-              </a:rPr>
-              <a:t>Req</a:t>
-            </a:r>
-            <a:r>
-              <a:rPr lang="es-AR" sz="1800" b="1" dirty="0">
-                <a:solidFill>
-                  <a:schemeClr val="tx1"/>
-                </a:solidFill>
-                <a:latin typeface="Arial" panose="020B0604020202020204" pitchFamily="34" charset="0"/>
-                <a:cs typeface="Arial" panose="020B0604020202020204" pitchFamily="34" charset="0"/>
-              </a:rPr>
-              <a:t> #1.5: </a:t>
-            </a:r>
-            <a:r>
-              <a:rPr lang="es-AR" sz="1800" dirty="0">
-                <a:solidFill>
-                  <a:schemeClr val="tx1"/>
-                </a:solidFill>
-                <a:latin typeface="Arial" panose="020B0604020202020204" pitchFamily="34" charset="0"/>
-                <a:cs typeface="Arial" panose="020B0604020202020204" pitchFamily="34" charset="0"/>
-              </a:rPr>
-              <a:t>la estimación del NDVI potencial debe estar entre 0,4 y 1,0.</a:t>
-            </a:r>
-          </a:p>
-        </p:txBody>
-      </p:sp>
-      <p:sp>
-        <p:nvSpPr>
-          <p:cNvPr id="11" name="Marcador de contenido 10">
-            <a:extLst>
-              <a:ext uri="{FF2B5EF4-FFF2-40B4-BE49-F238E27FC236}">
-                <a16:creationId xmlns:a16="http://schemas.microsoft.com/office/drawing/2014/main" id="{F4D41F70-447D-C174-1E97-A7730CE71866}"/>
-              </a:ext>
-            </a:extLst>
-          </p:cNvPr>
-          <p:cNvSpPr>
-            <a:spLocks noGrp="1"/>
-          </p:cNvSpPr>
-          <p:nvPr>
-            <p:ph idx="1"/>
-          </p:nvPr>
-        </p:nvSpPr>
-        <p:spPr>
-          <a:xfrm>
-            <a:off x="6602767" y="3429000"/>
-            <a:ext cx="4015666" cy="1332581"/>
-          </a:xfrm>
-          <a:prstGeom prst="rect">
-            <a:avLst/>
-          </a:prstGeom>
-          <a:solidFill>
-            <a:schemeClr val="bg1"/>
-          </a:solidFill>
-        </p:spPr>
-        <p:style>
-          <a:lnRef idx="2">
-            <a:schemeClr val="accent1">
-              <a:shade val="15000"/>
-            </a:schemeClr>
-          </a:lnRef>
-          <a:fillRef idx="1">
-            <a:schemeClr val="accent1"/>
-          </a:fillRef>
-          <a:effectRef idx="0">
-            <a:schemeClr val="accent1"/>
-          </a:effectRef>
-          <a:fontRef idx="minor">
-            <a:schemeClr val="lt1"/>
-          </a:fontRef>
-        </p:style>
-        <p:txBody>
-          <a:bodyPr rtlCol="0" anchor="ctr">
-            <a:normAutofit/>
-          </a:bodyPr>
-          <a:lstStyle/>
-          <a:p>
-            <a:pPr marL="0" indent="0">
-              <a:buNone/>
-            </a:pPr>
-            <a:r>
-              <a:rPr lang="es-AR" sz="1800" b="1" dirty="0">
-                <a:solidFill>
-                  <a:schemeClr val="tx1"/>
-                </a:solidFill>
-                <a:latin typeface="Arial" panose="020B0604020202020204" pitchFamily="34" charset="0"/>
-                <a:cs typeface="Arial" panose="020B0604020202020204" pitchFamily="34" charset="0"/>
-              </a:rPr>
-              <a:t>Validación:</a:t>
-            </a:r>
-            <a:r>
-              <a:rPr lang="es-AR" sz="1800" dirty="0">
-                <a:solidFill>
-                  <a:schemeClr val="tx1"/>
-                </a:solidFill>
-                <a:latin typeface="Arial" panose="020B0604020202020204" pitchFamily="34" charset="0"/>
-                <a:cs typeface="Arial" panose="020B0604020202020204" pitchFamily="34" charset="0"/>
-              </a:rPr>
-              <a:t> presentar al cliente histogramas de los valores de NDVI generados por el modelo para confirmar su ajuste al rango agronómico definido</a:t>
-            </a:r>
-          </a:p>
-        </p:txBody>
-      </p:sp>
     </p:spTree>
     <p:extLst>
       <p:ext uri="{BB962C8B-B14F-4D97-AF65-F5344CB8AC3E}">
-        <p14:creationId xmlns:p14="http://schemas.microsoft.com/office/powerpoint/2010/main" val="3545665216"/>
+        <p14:creationId xmlns:p14="http://schemas.microsoft.com/office/powerpoint/2010/main" val="3583603672"/>
       </p:ext>
     </p:extLst>
   </p:cSld>
@@ -9297,7 +8562,7 @@
                 <a:latin typeface="Arial" panose="020B0604020202020204" pitchFamily="34" charset="0"/>
                 <a:cs typeface="Arial" panose="020B0604020202020204" pitchFamily="34" charset="0"/>
               </a:rPr>
-              <a:t>Los tiempos se cumplieron a nivel general</a:t>
+              <a:t>Verificar el cumplimiento de los requerimientos del proyecto.</a:t>
             </a:r>
           </a:p>
           <a:p>
@@ -9310,7 +8575,7 @@
                 <a:latin typeface="Arial" panose="020B0604020202020204" pitchFamily="34" charset="0"/>
                 <a:cs typeface="Arial" panose="020B0604020202020204" pitchFamily="34" charset="0"/>
               </a:rPr>
-              <a:t>La metodología puede cambiar</a:t>
+              <a:t>Entregar la documentación correspondiente.</a:t>
             </a:r>
           </a:p>
           <a:p>
@@ -9323,10 +8588,47 @@
                 <a:latin typeface="Arial" panose="020B0604020202020204" pitchFamily="34" charset="0"/>
                 <a:cs typeface="Arial" panose="020B0604020202020204" pitchFamily="34" charset="0"/>
               </a:rPr>
-              <a:t>Acto de presentación y defensa del proyecto</a:t>
-            </a:r>
-          </a:p>
-          <a:p>
+              <a:t>Presentación y demostración del proyecto ante jurados, mediante</a:t>
+            </a:r>
+          </a:p>
+          <a:p>
+            <a:pPr>
+              <a:buFont typeface="Wingdings" panose="05000000000000000000" pitchFamily="2" charset="2"/>
+              <a:buChar char="Ø"/>
+            </a:pPr>
+            <a:r>
+              <a:rPr lang="es-AR" sz="2200" dirty="0">
+                <a:latin typeface="Arial" panose="020B0604020202020204" pitchFamily="34" charset="0"/>
+                <a:cs typeface="Arial" panose="020B0604020202020204" pitchFamily="34" charset="0"/>
+              </a:rPr>
+              <a:t>diapositivas y/o vídeos.</a:t>
+            </a:r>
+          </a:p>
+          <a:p>
+            <a:pPr>
+              <a:buFont typeface="Wingdings" panose="05000000000000000000" pitchFamily="2" charset="2"/>
+              <a:buChar char="Ø"/>
+            </a:pPr>
+            <a:r>
+              <a:rPr lang="es-AR" sz="2200" dirty="0">
+                <a:latin typeface="Arial" panose="020B0604020202020204" pitchFamily="34" charset="0"/>
+                <a:cs typeface="Arial" panose="020B0604020202020204" pitchFamily="34" charset="0"/>
+              </a:rPr>
+              <a:t>Identificar técnicas útiles e inútiles utilizadas.</a:t>
+            </a:r>
+          </a:p>
+          <a:p>
+            <a:pPr>
+              <a:buFont typeface="Wingdings" panose="05000000000000000000" pitchFamily="2" charset="2"/>
+              <a:buChar char="Ø"/>
+            </a:pPr>
+            <a:r>
+              <a:rPr lang="es-AR" sz="2200" dirty="0">
+                <a:latin typeface="Arial" panose="020B0604020202020204" pitchFamily="34" charset="0"/>
+                <a:cs typeface="Arial" panose="020B0604020202020204" pitchFamily="34" charset="0"/>
+              </a:rPr>
+              <a:t>Entregar un sistema funcional.</a:t>
+            </a:r>
             <a:endParaRPr lang="es-AR" dirty="0"/>
           </a:p>
         </p:txBody>
@@ -10628,7 +9930,7 @@
                     <a:latin typeface="Arial" panose="020B0604020202020204" pitchFamily="34" charset="0"/>
                     <a:cs typeface="Arial" panose="020B0604020202020204" pitchFamily="34" charset="0"/>
                   </a:rPr>
-                  <a:t>Índice de vegetación de diferencia normalizada (NDVI)</a:t>
+                  <a:t>Índice de vegetación de diferencia normalizada (NDVI):</a:t>
                 </a:r>
                 <a:endParaRPr lang="es-ES" sz="1600" i="1" dirty="0">
                   <a:latin typeface="Arial" panose="020B0604020202020204" pitchFamily="34" charset="0"/>
@@ -13278,11 +12580,16 @@
         </p:nvSpPr>
         <p:spPr/>
         <p:txBody>
-          <a:bodyPr/>
+          <a:bodyPr>
+            <a:normAutofit/>
+          </a:bodyPr>
           <a:lstStyle/>
           <a:p>
             <a:r>
-              <a:rPr lang="es-AR" dirty="0"/>
+              <a:rPr lang="es-AR" sz="4000" dirty="0">
+                <a:latin typeface="Arial" panose="020B0604020202020204" pitchFamily="34" charset="0"/>
+                <a:cs typeface="Arial" panose="020B0604020202020204" pitchFamily="34" charset="0"/>
+              </a:rPr>
               <a:t>Propósito</a:t>
             </a:r>
           </a:p>
@@ -13320,7 +12627,7 @@
                 <a:latin typeface="Arial" panose="020B0604020202020204" pitchFamily="34" charset="0"/>
                 <a:cs typeface="Arial" panose="020B0604020202020204" pitchFamily="34" charset="0"/>
               </a:rPr>
-              <a:t>Predecir el NDVI potencial del cultivo a partir de observaciones tempranas (45, 60, 75 días desde siembra - DDS)</a:t>
+              <a:t>Predecir el NDVI potencial del cultivo a partir de observaciones tempranas (45, 60, 75 días desde siembra - DDS).</a:t>
             </a:r>
           </a:p>
           <a:p>
@@ -13333,7 +12640,7 @@
                 <a:latin typeface="Arial" panose="020B0604020202020204" pitchFamily="34" charset="0"/>
                 <a:cs typeface="Arial" panose="020B0604020202020204" pitchFamily="34" charset="0"/>
               </a:rPr>
-              <a:t>Evaluar si la inclusión de variables agroclimáticas y de manejo (modelo híbrido) mejora la precisión respecto a un modelo solo bayesiano</a:t>
+              <a:t>Evaluar si la inclusión de variables agroclimáticas y de manejo (modelo híbrido) mejora la precisión respecto a un modelo solo bayesiano.</a:t>
             </a:r>
           </a:p>
         </p:txBody>
@@ -13641,7 +12948,7 @@
                 <a:latin typeface="Arial" panose="020B0604020202020204" pitchFamily="34" charset="0"/>
                 <a:cs typeface="Arial" panose="020B0604020202020204" pitchFamily="34" charset="0"/>
               </a:rPr>
-              <a:t>Información de la producción de cebada 2023 y 2024 para miles de lotes</a:t>
+              <a:t>Información de la producción de cebada 2023 y 2024 para miles de lotes.</a:t>
             </a:r>
           </a:p>
           <a:p>
@@ -13654,7 +12961,7 @@
                 <a:latin typeface="Arial" panose="020B0604020202020204" pitchFamily="34" charset="0"/>
                 <a:cs typeface="Arial" panose="020B0604020202020204" pitchFamily="34" charset="0"/>
               </a:rPr>
-              <a:t>Datos agroclimáticos por lote</a:t>
+              <a:t>Datos agroclimáticos por lote.</a:t>
             </a:r>
           </a:p>
           <a:p>
@@ -13667,7 +12974,7 @@
                 <a:latin typeface="Arial" panose="020B0604020202020204" pitchFamily="34" charset="0"/>
                 <a:cs typeface="Arial" panose="020B0604020202020204" pitchFamily="34" charset="0"/>
               </a:rPr>
-              <a:t>Datos satelitales para cinco puntos representativos por lote</a:t>
+              <a:t>Datos satelitales para cinco puntos representativos por lote.</a:t>
             </a:r>
           </a:p>
           <a:p>

--- a/Adrian_Lapaz_presentacion.pptx
+++ b/Adrian_Lapaz_presentacion.pptx
@@ -139,207 +139,6 @@
 
 <file path=ppt/changesInfos/changesInfo1.xml><?xml version="1.0" encoding="utf-8"?>
 <pc:chgInfo xmlns:a="http://schemas.openxmlformats.org/drawingml/2006/main" xmlns:r="http://schemas.openxmlformats.org/officeDocument/2006/relationships" xmlns:ac="http://schemas.microsoft.com/office/drawing/2013/main/command" xmlns:pc="http://schemas.microsoft.com/office/powerpoint/2013/main/command">
-  <pc:docChgLst>
-    <pc:chgData name="ADRIAN LAPAZ" userId="d8ff7f18ef729175" providerId="LiveId" clId="{1FD4D17B-9F0D-456B-91F1-7EE1DCA3F045}"/>
-    <pc:docChg chg="undo redo custSel addSld delSld modSld">
-      <pc:chgData name="ADRIAN LAPAZ" userId="d8ff7f18ef729175" providerId="LiveId" clId="{1FD4D17B-9F0D-456B-91F1-7EE1DCA3F045}" dt="2025-04-22T00:36:06.699" v="236" actId="20577"/>
-      <pc:docMkLst>
-        <pc:docMk/>
-      </pc:docMkLst>
-      <pc:sldChg chg="modSp mod">
-        <pc:chgData name="ADRIAN LAPAZ" userId="d8ff7f18ef729175" providerId="LiveId" clId="{1FD4D17B-9F0D-456B-91F1-7EE1DCA3F045}" dt="2025-04-22T00:11:30.596" v="32" actId="20577"/>
-        <pc:sldMkLst>
-          <pc:docMk/>
-          <pc:sldMk cId="366488338" sldId="258"/>
-        </pc:sldMkLst>
-        <pc:spChg chg="mod">
-          <ac:chgData name="ADRIAN LAPAZ" userId="d8ff7f18ef729175" providerId="LiveId" clId="{1FD4D17B-9F0D-456B-91F1-7EE1DCA3F045}" dt="2025-04-22T00:09:15.090" v="1" actId="255"/>
-          <ac:spMkLst>
-            <pc:docMk/>
-            <pc:sldMk cId="366488338" sldId="258"/>
-            <ac:spMk id="2" creationId="{9C253F4F-4B4D-E853-E358-98952962C28F}"/>
-          </ac:spMkLst>
-        </pc:spChg>
-        <pc:spChg chg="mod">
-          <ac:chgData name="ADRIAN LAPAZ" userId="d8ff7f18ef729175" providerId="LiveId" clId="{1FD4D17B-9F0D-456B-91F1-7EE1DCA3F045}" dt="2025-04-22T00:11:30.596" v="32" actId="20577"/>
-          <ac:spMkLst>
-            <pc:docMk/>
-            <pc:sldMk cId="366488338" sldId="258"/>
-            <ac:spMk id="3" creationId="{69D5B813-546E-0DE0-5D28-44B31E9BE823}"/>
-          </ac:spMkLst>
-        </pc:spChg>
-      </pc:sldChg>
-      <pc:sldChg chg="modSp mod">
-        <pc:chgData name="ADRIAN LAPAZ" userId="d8ff7f18ef729175" providerId="LiveId" clId="{1FD4D17B-9F0D-456B-91F1-7EE1DCA3F045}" dt="2025-04-22T00:11:23.790" v="30" actId="20577"/>
-        <pc:sldMkLst>
-          <pc:docMk/>
-          <pc:sldMk cId="1200349377" sldId="277"/>
-        </pc:sldMkLst>
-        <pc:spChg chg="mod">
-          <ac:chgData name="ADRIAN LAPAZ" userId="d8ff7f18ef729175" providerId="LiveId" clId="{1FD4D17B-9F0D-456B-91F1-7EE1DCA3F045}" dt="2025-04-22T00:11:23.790" v="30" actId="20577"/>
-          <ac:spMkLst>
-            <pc:docMk/>
-            <pc:sldMk cId="1200349377" sldId="277"/>
-            <ac:spMk id="3" creationId="{9C5A7905-DC80-F889-4EDA-6DB143883B0C}"/>
-          </ac:spMkLst>
-        </pc:spChg>
-      </pc:sldChg>
-      <pc:sldChg chg="modSp">
-        <pc:chgData name="ADRIAN LAPAZ" userId="d8ff7f18ef729175" providerId="LiveId" clId="{1FD4D17B-9F0D-456B-91F1-7EE1DCA3F045}" dt="2025-04-22T00:09:35.203" v="5" actId="20577"/>
-        <pc:sldMkLst>
-          <pc:docMk/>
-          <pc:sldMk cId="4161097549" sldId="288"/>
-        </pc:sldMkLst>
-        <pc:spChg chg="mod">
-          <ac:chgData name="ADRIAN LAPAZ" userId="d8ff7f18ef729175" providerId="LiveId" clId="{1FD4D17B-9F0D-456B-91F1-7EE1DCA3F045}" dt="2025-04-22T00:09:35.203" v="5" actId="20577"/>
-          <ac:spMkLst>
-            <pc:docMk/>
-            <pc:sldMk cId="4161097549" sldId="288"/>
-            <ac:spMk id="3" creationId="{895A5FFD-C38C-6774-5C39-684804B1AE3A}"/>
-          </ac:spMkLst>
-        </pc:spChg>
-      </pc:sldChg>
-      <pc:sldChg chg="addSp modSp del mod">
-        <pc:chgData name="ADRIAN LAPAZ" userId="d8ff7f18ef729175" providerId="LiveId" clId="{1FD4D17B-9F0D-456B-91F1-7EE1DCA3F045}" dt="2025-04-22T00:35:41.712" v="224" actId="2696"/>
-        <pc:sldMkLst>
-          <pc:docMk/>
-          <pc:sldMk cId="3545665216" sldId="291"/>
-        </pc:sldMkLst>
-        <pc:spChg chg="add mod">
-          <ac:chgData name="ADRIAN LAPAZ" userId="d8ff7f18ef729175" providerId="LiveId" clId="{1FD4D17B-9F0D-456B-91F1-7EE1DCA3F045}" dt="2025-04-22T00:32:42.292" v="158" actId="20577"/>
-          <ac:spMkLst>
-            <pc:docMk/>
-            <pc:sldMk cId="3545665216" sldId="291"/>
-            <ac:spMk id="3" creationId="{0095FD23-7D28-E714-A9CE-27CF4BE0736B}"/>
-          </ac:spMkLst>
-        </pc:spChg>
-        <pc:spChg chg="add mod">
-          <ac:chgData name="ADRIAN LAPAZ" userId="d8ff7f18ef729175" providerId="LiveId" clId="{1FD4D17B-9F0D-456B-91F1-7EE1DCA3F045}" dt="2025-04-22T00:30:08.957" v="71" actId="14100"/>
-          <ac:spMkLst>
-            <pc:docMk/>
-            <pc:sldMk cId="3545665216" sldId="291"/>
-            <ac:spMk id="5" creationId="{268E7EAE-E8DC-4B9E-7422-9C259C5C84E2}"/>
-          </ac:spMkLst>
-        </pc:spChg>
-        <pc:spChg chg="add mod">
-          <ac:chgData name="ADRIAN LAPAZ" userId="d8ff7f18ef729175" providerId="LiveId" clId="{1FD4D17B-9F0D-456B-91F1-7EE1DCA3F045}" dt="2025-04-22T00:32:37.640" v="157" actId="113"/>
-          <ac:spMkLst>
-            <pc:docMk/>
-            <pc:sldMk cId="3545665216" sldId="291"/>
-            <ac:spMk id="7" creationId="{3F425481-9C88-C89B-AD8E-D37B75E12A3D}"/>
-          </ac:spMkLst>
-        </pc:spChg>
-        <pc:spChg chg="mod">
-          <ac:chgData name="ADRIAN LAPAZ" userId="d8ff7f18ef729175" providerId="LiveId" clId="{1FD4D17B-9F0D-456B-91F1-7EE1DCA3F045}" dt="2025-04-22T00:32:45.972" v="159" actId="20577"/>
-          <ac:spMkLst>
-            <pc:docMk/>
-            <pc:sldMk cId="3545665216" sldId="291"/>
-            <ac:spMk id="8" creationId="{7AC8A693-20B2-F8B1-2F24-57627B564373}"/>
-          </ac:spMkLst>
-        </pc:spChg>
-        <pc:spChg chg="mod">
-          <ac:chgData name="ADRIAN LAPAZ" userId="d8ff7f18ef729175" providerId="LiveId" clId="{1FD4D17B-9F0D-456B-91F1-7EE1DCA3F045}" dt="2025-04-22T00:13:08.224" v="62" actId="14100"/>
-          <ac:spMkLst>
-            <pc:docMk/>
-            <pc:sldMk cId="3545665216" sldId="291"/>
-            <ac:spMk id="10" creationId="{0E98D0B4-5144-A7CF-FB9B-DFC6989B029E}"/>
-          </ac:spMkLst>
-        </pc:spChg>
-        <pc:spChg chg="mod">
-          <ac:chgData name="ADRIAN LAPAZ" userId="d8ff7f18ef729175" providerId="LiveId" clId="{1FD4D17B-9F0D-456B-91F1-7EE1DCA3F045}" dt="2025-04-22T00:32:27.374" v="154" actId="20577"/>
-          <ac:spMkLst>
-            <pc:docMk/>
-            <pc:sldMk cId="3545665216" sldId="291"/>
-            <ac:spMk id="11" creationId="{F4D41F70-447D-C174-1E97-A7730CE71866}"/>
-          </ac:spMkLst>
-        </pc:spChg>
-      </pc:sldChg>
-      <pc:sldChg chg="modSp modAnim">
-        <pc:chgData name="ADRIAN LAPAZ" userId="d8ff7f18ef729175" providerId="LiveId" clId="{1FD4D17B-9F0D-456B-91F1-7EE1DCA3F045}" dt="2025-04-22T00:11:13.988" v="27" actId="20577"/>
-        <pc:sldMkLst>
-          <pc:docMk/>
-          <pc:sldMk cId="515186656" sldId="292"/>
-        </pc:sldMkLst>
-        <pc:spChg chg="mod">
-          <ac:chgData name="ADRIAN LAPAZ" userId="d8ff7f18ef729175" providerId="LiveId" clId="{1FD4D17B-9F0D-456B-91F1-7EE1DCA3F045}" dt="2025-04-22T00:10:52.558" v="11" actId="20577"/>
-          <ac:spMkLst>
-            <pc:docMk/>
-            <pc:sldMk cId="515186656" sldId="292"/>
-            <ac:spMk id="3" creationId="{98CFF59B-E454-23D7-1CE9-43F21A214C45}"/>
-          </ac:spMkLst>
-        </pc:spChg>
-      </pc:sldChg>
-      <pc:sldChg chg="modSp mod">
-        <pc:chgData name="ADRIAN LAPAZ" userId="d8ff7f18ef729175" providerId="LiveId" clId="{1FD4D17B-9F0D-456B-91F1-7EE1DCA3F045}" dt="2025-04-22T00:11:16.531" v="29"/>
-        <pc:sldMkLst>
-          <pc:docMk/>
-          <pc:sldMk cId="114352189" sldId="293"/>
-        </pc:sldMkLst>
-        <pc:spChg chg="mod">
-          <ac:chgData name="ADRIAN LAPAZ" userId="d8ff7f18ef729175" providerId="LiveId" clId="{1FD4D17B-9F0D-456B-91F1-7EE1DCA3F045}" dt="2025-04-22T00:11:16.531" v="29"/>
-          <ac:spMkLst>
-            <pc:docMk/>
-            <pc:sldMk cId="114352189" sldId="293"/>
-            <ac:spMk id="3" creationId="{82393443-B079-87EB-9092-BCEEFDAA57E0}"/>
-          </ac:spMkLst>
-        </pc:spChg>
-      </pc:sldChg>
-      <pc:sldChg chg="modSp">
-        <pc:chgData name="ADRIAN LAPAZ" userId="d8ff7f18ef729175" providerId="LiveId" clId="{1FD4D17B-9F0D-456B-91F1-7EE1DCA3F045}" dt="2025-04-22T00:11:38.929" v="35" actId="20577"/>
-        <pc:sldMkLst>
-          <pc:docMk/>
-          <pc:sldMk cId="4080647131" sldId="294"/>
-        </pc:sldMkLst>
-        <pc:spChg chg="mod">
-          <ac:chgData name="ADRIAN LAPAZ" userId="d8ff7f18ef729175" providerId="LiveId" clId="{1FD4D17B-9F0D-456B-91F1-7EE1DCA3F045}" dt="2025-04-22T00:11:38.929" v="35" actId="20577"/>
-          <ac:spMkLst>
-            <pc:docMk/>
-            <pc:sldMk cId="4080647131" sldId="294"/>
-            <ac:spMk id="3" creationId="{9632E9EC-00BE-4B54-846E-660E87F4A90E}"/>
-          </ac:spMkLst>
-        </pc:spChg>
-      </pc:sldChg>
-      <pc:sldChg chg="addSp delSp modSp add mod delAnim modAnim">
-        <pc:chgData name="ADRIAN LAPAZ" userId="d8ff7f18ef729175" providerId="LiveId" clId="{1FD4D17B-9F0D-456B-91F1-7EE1DCA3F045}" dt="2025-04-22T00:36:06.699" v="236" actId="20577"/>
-        <pc:sldMkLst>
-          <pc:docMk/>
-          <pc:sldMk cId="3583603672" sldId="295"/>
-        </pc:sldMkLst>
-        <pc:spChg chg="mod">
-          <ac:chgData name="ADRIAN LAPAZ" userId="d8ff7f18ef729175" providerId="LiveId" clId="{1FD4D17B-9F0D-456B-91F1-7EE1DCA3F045}" dt="2025-04-22T00:35:37.313" v="223" actId="255"/>
-          <ac:spMkLst>
-            <pc:docMk/>
-            <pc:sldMk cId="3583603672" sldId="295"/>
-            <ac:spMk id="2" creationId="{6091941E-F33D-05F9-0F60-02002CBD8017}"/>
-          </ac:spMkLst>
-        </pc:spChg>
-        <pc:spChg chg="del mod">
-          <ac:chgData name="ADRIAN LAPAZ" userId="d8ff7f18ef729175" providerId="LiveId" clId="{1FD4D17B-9F0D-456B-91F1-7EE1DCA3F045}" dt="2025-04-22T00:33:11.129" v="164" actId="3680"/>
-          <ac:spMkLst>
-            <pc:docMk/>
-            <pc:sldMk cId="3583603672" sldId="295"/>
-            <ac:spMk id="3" creationId="{CC650CAD-A528-71BD-0EDB-352679222199}"/>
-          </ac:spMkLst>
-        </pc:spChg>
-        <pc:graphicFrameChg chg="add mod ord modGraphic">
-          <ac:chgData name="ADRIAN LAPAZ" userId="d8ff7f18ef729175" providerId="LiveId" clId="{1FD4D17B-9F0D-456B-91F1-7EE1DCA3F045}" dt="2025-04-22T00:36:06.699" v="236" actId="20577"/>
-          <ac:graphicFrameMkLst>
-            <pc:docMk/>
-            <pc:sldMk cId="3583603672" sldId="295"/>
-            <ac:graphicFrameMk id="5" creationId="{5E4E3D4F-ABD3-FE61-5AE5-ADA080984A28}"/>
-          </ac:graphicFrameMkLst>
-        </pc:graphicFrameChg>
-        <pc:picChg chg="del">
-          <ac:chgData name="ADRIAN LAPAZ" userId="d8ff7f18ef729175" providerId="LiveId" clId="{1FD4D17B-9F0D-456B-91F1-7EE1DCA3F045}" dt="2025-04-22T00:32:54.908" v="161" actId="478"/>
-          <ac:picMkLst>
-            <pc:docMk/>
-            <pc:sldMk cId="3583603672" sldId="295"/>
-            <ac:picMk id="9" creationId="{504D7246-59AB-F984-1298-6713E53B19F6}"/>
-          </ac:picMkLst>
-        </pc:picChg>
-      </pc:sldChg>
-    </pc:docChg>
-  </pc:docChgLst>
   <pc:docChgLst>
     <pc:chgData name="ADRIAN LAPAZ" userId="d8ff7f18ef729175" providerId="LiveId" clId="{FA4F1720-4B09-4E47-B1BD-A0DE7E6635FE}"/>
     <pc:docChg chg="undo redo custSel addSld delSld modSld sldOrd modMainMaster modNotesMaster">
@@ -1722,6 +1521,207 @@
       </pc:sldMasterChg>
     </pc:docChg>
   </pc:docChgLst>
+  <pc:docChgLst>
+    <pc:chgData name="ADRIAN LAPAZ" userId="d8ff7f18ef729175" providerId="LiveId" clId="{1FD4D17B-9F0D-456B-91F1-7EE1DCA3F045}"/>
+    <pc:docChg chg="undo redo custSel addSld delSld modSld">
+      <pc:chgData name="ADRIAN LAPAZ" userId="d8ff7f18ef729175" providerId="LiveId" clId="{1FD4D17B-9F0D-456B-91F1-7EE1DCA3F045}" dt="2025-04-22T00:36:06.699" v="236" actId="20577"/>
+      <pc:docMkLst>
+        <pc:docMk/>
+      </pc:docMkLst>
+      <pc:sldChg chg="modSp mod">
+        <pc:chgData name="ADRIAN LAPAZ" userId="d8ff7f18ef729175" providerId="LiveId" clId="{1FD4D17B-9F0D-456B-91F1-7EE1DCA3F045}" dt="2025-04-22T00:11:30.596" v="32" actId="20577"/>
+        <pc:sldMkLst>
+          <pc:docMk/>
+          <pc:sldMk cId="366488338" sldId="258"/>
+        </pc:sldMkLst>
+        <pc:spChg chg="mod">
+          <ac:chgData name="ADRIAN LAPAZ" userId="d8ff7f18ef729175" providerId="LiveId" clId="{1FD4D17B-9F0D-456B-91F1-7EE1DCA3F045}" dt="2025-04-22T00:09:15.090" v="1" actId="255"/>
+          <ac:spMkLst>
+            <pc:docMk/>
+            <pc:sldMk cId="366488338" sldId="258"/>
+            <ac:spMk id="2" creationId="{9C253F4F-4B4D-E853-E358-98952962C28F}"/>
+          </ac:spMkLst>
+        </pc:spChg>
+        <pc:spChg chg="mod">
+          <ac:chgData name="ADRIAN LAPAZ" userId="d8ff7f18ef729175" providerId="LiveId" clId="{1FD4D17B-9F0D-456B-91F1-7EE1DCA3F045}" dt="2025-04-22T00:11:30.596" v="32" actId="20577"/>
+          <ac:spMkLst>
+            <pc:docMk/>
+            <pc:sldMk cId="366488338" sldId="258"/>
+            <ac:spMk id="3" creationId="{69D5B813-546E-0DE0-5D28-44B31E9BE823}"/>
+          </ac:spMkLst>
+        </pc:spChg>
+      </pc:sldChg>
+      <pc:sldChg chg="modSp mod">
+        <pc:chgData name="ADRIAN LAPAZ" userId="d8ff7f18ef729175" providerId="LiveId" clId="{1FD4D17B-9F0D-456B-91F1-7EE1DCA3F045}" dt="2025-04-22T00:11:23.790" v="30" actId="20577"/>
+        <pc:sldMkLst>
+          <pc:docMk/>
+          <pc:sldMk cId="1200349377" sldId="277"/>
+        </pc:sldMkLst>
+        <pc:spChg chg="mod">
+          <ac:chgData name="ADRIAN LAPAZ" userId="d8ff7f18ef729175" providerId="LiveId" clId="{1FD4D17B-9F0D-456B-91F1-7EE1DCA3F045}" dt="2025-04-22T00:11:23.790" v="30" actId="20577"/>
+          <ac:spMkLst>
+            <pc:docMk/>
+            <pc:sldMk cId="1200349377" sldId="277"/>
+            <ac:spMk id="3" creationId="{9C5A7905-DC80-F889-4EDA-6DB143883B0C}"/>
+          </ac:spMkLst>
+        </pc:spChg>
+      </pc:sldChg>
+      <pc:sldChg chg="modSp">
+        <pc:chgData name="ADRIAN LAPAZ" userId="d8ff7f18ef729175" providerId="LiveId" clId="{1FD4D17B-9F0D-456B-91F1-7EE1DCA3F045}" dt="2025-04-22T00:09:35.203" v="5" actId="20577"/>
+        <pc:sldMkLst>
+          <pc:docMk/>
+          <pc:sldMk cId="4161097549" sldId="288"/>
+        </pc:sldMkLst>
+        <pc:spChg chg="mod">
+          <ac:chgData name="ADRIAN LAPAZ" userId="d8ff7f18ef729175" providerId="LiveId" clId="{1FD4D17B-9F0D-456B-91F1-7EE1DCA3F045}" dt="2025-04-22T00:09:35.203" v="5" actId="20577"/>
+          <ac:spMkLst>
+            <pc:docMk/>
+            <pc:sldMk cId="4161097549" sldId="288"/>
+            <ac:spMk id="3" creationId="{895A5FFD-C38C-6774-5C39-684804B1AE3A}"/>
+          </ac:spMkLst>
+        </pc:spChg>
+      </pc:sldChg>
+      <pc:sldChg chg="addSp modSp del mod">
+        <pc:chgData name="ADRIAN LAPAZ" userId="d8ff7f18ef729175" providerId="LiveId" clId="{1FD4D17B-9F0D-456B-91F1-7EE1DCA3F045}" dt="2025-04-22T00:35:41.712" v="224" actId="2696"/>
+        <pc:sldMkLst>
+          <pc:docMk/>
+          <pc:sldMk cId="3545665216" sldId="291"/>
+        </pc:sldMkLst>
+        <pc:spChg chg="add mod">
+          <ac:chgData name="ADRIAN LAPAZ" userId="d8ff7f18ef729175" providerId="LiveId" clId="{1FD4D17B-9F0D-456B-91F1-7EE1DCA3F045}" dt="2025-04-22T00:32:42.292" v="158" actId="20577"/>
+          <ac:spMkLst>
+            <pc:docMk/>
+            <pc:sldMk cId="3545665216" sldId="291"/>
+            <ac:spMk id="3" creationId="{0095FD23-7D28-E714-A9CE-27CF4BE0736B}"/>
+          </ac:spMkLst>
+        </pc:spChg>
+        <pc:spChg chg="add mod">
+          <ac:chgData name="ADRIAN LAPAZ" userId="d8ff7f18ef729175" providerId="LiveId" clId="{1FD4D17B-9F0D-456B-91F1-7EE1DCA3F045}" dt="2025-04-22T00:30:08.957" v="71" actId="14100"/>
+          <ac:spMkLst>
+            <pc:docMk/>
+            <pc:sldMk cId="3545665216" sldId="291"/>
+            <ac:spMk id="5" creationId="{268E7EAE-E8DC-4B9E-7422-9C259C5C84E2}"/>
+          </ac:spMkLst>
+        </pc:spChg>
+        <pc:spChg chg="add mod">
+          <ac:chgData name="ADRIAN LAPAZ" userId="d8ff7f18ef729175" providerId="LiveId" clId="{1FD4D17B-9F0D-456B-91F1-7EE1DCA3F045}" dt="2025-04-22T00:32:37.640" v="157" actId="113"/>
+          <ac:spMkLst>
+            <pc:docMk/>
+            <pc:sldMk cId="3545665216" sldId="291"/>
+            <ac:spMk id="7" creationId="{3F425481-9C88-C89B-AD8E-D37B75E12A3D}"/>
+          </ac:spMkLst>
+        </pc:spChg>
+        <pc:spChg chg="mod">
+          <ac:chgData name="ADRIAN LAPAZ" userId="d8ff7f18ef729175" providerId="LiveId" clId="{1FD4D17B-9F0D-456B-91F1-7EE1DCA3F045}" dt="2025-04-22T00:32:45.972" v="159" actId="20577"/>
+          <ac:spMkLst>
+            <pc:docMk/>
+            <pc:sldMk cId="3545665216" sldId="291"/>
+            <ac:spMk id="8" creationId="{7AC8A693-20B2-F8B1-2F24-57627B564373}"/>
+          </ac:spMkLst>
+        </pc:spChg>
+        <pc:spChg chg="mod">
+          <ac:chgData name="ADRIAN LAPAZ" userId="d8ff7f18ef729175" providerId="LiveId" clId="{1FD4D17B-9F0D-456B-91F1-7EE1DCA3F045}" dt="2025-04-22T00:13:08.224" v="62" actId="14100"/>
+          <ac:spMkLst>
+            <pc:docMk/>
+            <pc:sldMk cId="3545665216" sldId="291"/>
+            <ac:spMk id="10" creationId="{0E98D0B4-5144-A7CF-FB9B-DFC6989B029E}"/>
+          </ac:spMkLst>
+        </pc:spChg>
+        <pc:spChg chg="mod">
+          <ac:chgData name="ADRIAN LAPAZ" userId="d8ff7f18ef729175" providerId="LiveId" clId="{1FD4D17B-9F0D-456B-91F1-7EE1DCA3F045}" dt="2025-04-22T00:32:27.374" v="154" actId="20577"/>
+          <ac:spMkLst>
+            <pc:docMk/>
+            <pc:sldMk cId="3545665216" sldId="291"/>
+            <ac:spMk id="11" creationId="{F4D41F70-447D-C174-1E97-A7730CE71866}"/>
+          </ac:spMkLst>
+        </pc:spChg>
+      </pc:sldChg>
+      <pc:sldChg chg="modSp modAnim">
+        <pc:chgData name="ADRIAN LAPAZ" userId="d8ff7f18ef729175" providerId="LiveId" clId="{1FD4D17B-9F0D-456B-91F1-7EE1DCA3F045}" dt="2025-04-22T00:11:13.988" v="27" actId="20577"/>
+        <pc:sldMkLst>
+          <pc:docMk/>
+          <pc:sldMk cId="515186656" sldId="292"/>
+        </pc:sldMkLst>
+        <pc:spChg chg="mod">
+          <ac:chgData name="ADRIAN LAPAZ" userId="d8ff7f18ef729175" providerId="LiveId" clId="{1FD4D17B-9F0D-456B-91F1-7EE1DCA3F045}" dt="2025-04-22T00:10:52.558" v="11" actId="20577"/>
+          <ac:spMkLst>
+            <pc:docMk/>
+            <pc:sldMk cId="515186656" sldId="292"/>
+            <ac:spMk id="3" creationId="{98CFF59B-E454-23D7-1CE9-43F21A214C45}"/>
+          </ac:spMkLst>
+        </pc:spChg>
+      </pc:sldChg>
+      <pc:sldChg chg="modSp mod">
+        <pc:chgData name="ADRIAN LAPAZ" userId="d8ff7f18ef729175" providerId="LiveId" clId="{1FD4D17B-9F0D-456B-91F1-7EE1DCA3F045}" dt="2025-04-22T00:11:16.531" v="29"/>
+        <pc:sldMkLst>
+          <pc:docMk/>
+          <pc:sldMk cId="114352189" sldId="293"/>
+        </pc:sldMkLst>
+        <pc:spChg chg="mod">
+          <ac:chgData name="ADRIAN LAPAZ" userId="d8ff7f18ef729175" providerId="LiveId" clId="{1FD4D17B-9F0D-456B-91F1-7EE1DCA3F045}" dt="2025-04-22T00:11:16.531" v="29"/>
+          <ac:spMkLst>
+            <pc:docMk/>
+            <pc:sldMk cId="114352189" sldId="293"/>
+            <ac:spMk id="3" creationId="{82393443-B079-87EB-9092-BCEEFDAA57E0}"/>
+          </ac:spMkLst>
+        </pc:spChg>
+      </pc:sldChg>
+      <pc:sldChg chg="modSp">
+        <pc:chgData name="ADRIAN LAPAZ" userId="d8ff7f18ef729175" providerId="LiveId" clId="{1FD4D17B-9F0D-456B-91F1-7EE1DCA3F045}" dt="2025-04-22T00:11:38.929" v="35" actId="20577"/>
+        <pc:sldMkLst>
+          <pc:docMk/>
+          <pc:sldMk cId="4080647131" sldId="294"/>
+        </pc:sldMkLst>
+        <pc:spChg chg="mod">
+          <ac:chgData name="ADRIAN LAPAZ" userId="d8ff7f18ef729175" providerId="LiveId" clId="{1FD4D17B-9F0D-456B-91F1-7EE1DCA3F045}" dt="2025-04-22T00:11:38.929" v="35" actId="20577"/>
+          <ac:spMkLst>
+            <pc:docMk/>
+            <pc:sldMk cId="4080647131" sldId="294"/>
+            <ac:spMk id="3" creationId="{9632E9EC-00BE-4B54-846E-660E87F4A90E}"/>
+          </ac:spMkLst>
+        </pc:spChg>
+      </pc:sldChg>
+      <pc:sldChg chg="addSp delSp modSp add mod delAnim modAnim">
+        <pc:chgData name="ADRIAN LAPAZ" userId="d8ff7f18ef729175" providerId="LiveId" clId="{1FD4D17B-9F0D-456B-91F1-7EE1DCA3F045}" dt="2025-04-22T00:36:06.699" v="236" actId="20577"/>
+        <pc:sldMkLst>
+          <pc:docMk/>
+          <pc:sldMk cId="3583603672" sldId="295"/>
+        </pc:sldMkLst>
+        <pc:spChg chg="mod">
+          <ac:chgData name="ADRIAN LAPAZ" userId="d8ff7f18ef729175" providerId="LiveId" clId="{1FD4D17B-9F0D-456B-91F1-7EE1DCA3F045}" dt="2025-04-22T00:35:37.313" v="223" actId="255"/>
+          <ac:spMkLst>
+            <pc:docMk/>
+            <pc:sldMk cId="3583603672" sldId="295"/>
+            <ac:spMk id="2" creationId="{6091941E-F33D-05F9-0F60-02002CBD8017}"/>
+          </ac:spMkLst>
+        </pc:spChg>
+        <pc:spChg chg="del mod">
+          <ac:chgData name="ADRIAN LAPAZ" userId="d8ff7f18ef729175" providerId="LiveId" clId="{1FD4D17B-9F0D-456B-91F1-7EE1DCA3F045}" dt="2025-04-22T00:33:11.129" v="164" actId="3680"/>
+          <ac:spMkLst>
+            <pc:docMk/>
+            <pc:sldMk cId="3583603672" sldId="295"/>
+            <ac:spMk id="3" creationId="{CC650CAD-A528-71BD-0EDB-352679222199}"/>
+          </ac:spMkLst>
+        </pc:spChg>
+        <pc:graphicFrameChg chg="add mod ord modGraphic">
+          <ac:chgData name="ADRIAN LAPAZ" userId="d8ff7f18ef729175" providerId="LiveId" clId="{1FD4D17B-9F0D-456B-91F1-7EE1DCA3F045}" dt="2025-04-22T00:36:06.699" v="236" actId="20577"/>
+          <ac:graphicFrameMkLst>
+            <pc:docMk/>
+            <pc:sldMk cId="3583603672" sldId="295"/>
+            <ac:graphicFrameMk id="5" creationId="{5E4E3D4F-ABD3-FE61-5AE5-ADA080984A28}"/>
+          </ac:graphicFrameMkLst>
+        </pc:graphicFrameChg>
+        <pc:picChg chg="del">
+          <ac:chgData name="ADRIAN LAPAZ" userId="d8ff7f18ef729175" providerId="LiveId" clId="{1FD4D17B-9F0D-456B-91F1-7EE1DCA3F045}" dt="2025-04-22T00:32:54.908" v="161" actId="478"/>
+          <ac:picMkLst>
+            <pc:docMk/>
+            <pc:sldMk cId="3583603672" sldId="295"/>
+            <ac:picMk id="9" creationId="{504D7246-59AB-F984-1298-6713E53B19F6}"/>
+          </ac:picMkLst>
+        </pc:picChg>
+      </pc:sldChg>
+    </pc:docChg>
+  </pc:docChgLst>
 </pc:chgInfo>
 </file>
 
@@ -1807,7 +1807,7 @@
           <a:p>
             <a:fld id="{06D84D36-9B05-453D-8828-0B2B32840A0E}" type="datetimeFigureOut">
               <a:rPr lang="es-AR" smtClean="0"/>
-              <a:t>21/4/2025</a:t>
+              <a:t>22/4/2025</a:t>
             </a:fld>
             <a:endParaRPr lang="es-AR"/>
           </a:p>
@@ -2689,7 +2689,7 @@
           <a:p>
             <a:fld id="{2E2DFD15-1F4F-4E3C-97EE-5ACF33F907DC}" type="datetime1">
               <a:rPr lang="es-AR" smtClean="0"/>
-              <a:t>21/4/2025</a:t>
+              <a:t>22/4/2025</a:t>
             </a:fld>
             <a:endParaRPr lang="es-AR"/>
           </a:p>
@@ -2859,7 +2859,7 @@
           <a:p>
             <a:fld id="{796B30DE-1BB8-4E41-8B92-0DB092DF9ECF}" type="datetime1">
               <a:rPr lang="es-AR" smtClean="0"/>
-              <a:t>21/4/2025</a:t>
+              <a:t>22/4/2025</a:t>
             </a:fld>
             <a:endParaRPr lang="es-AR"/>
           </a:p>
@@ -3039,7 +3039,7 @@
           <a:p>
             <a:fld id="{24A0C62B-B0BB-4D94-97D7-AF7892E80EE1}" type="datetime1">
               <a:rPr lang="es-AR" smtClean="0"/>
-              <a:t>21/4/2025</a:t>
+              <a:t>22/4/2025</a:t>
             </a:fld>
             <a:endParaRPr lang="es-AR"/>
           </a:p>
@@ -3209,7 +3209,7 @@
           <a:p>
             <a:fld id="{4ABB4626-3C7B-4DB7-BE1F-C02ED241C309}" type="datetime1">
               <a:rPr lang="es-AR" smtClean="0"/>
-              <a:t>21/4/2025</a:t>
+              <a:t>22/4/2025</a:t>
             </a:fld>
             <a:endParaRPr lang="es-AR"/>
           </a:p>
@@ -3455,7 +3455,7 @@
           <a:p>
             <a:fld id="{2D15F0A7-8CEB-4EC2-B5D2-F1F4C28B0549}" type="datetime1">
               <a:rPr lang="es-AR" smtClean="0"/>
-              <a:t>21/4/2025</a:t>
+              <a:t>22/4/2025</a:t>
             </a:fld>
             <a:endParaRPr lang="es-AR"/>
           </a:p>
@@ -3687,7 +3687,7 @@
           <a:p>
             <a:fld id="{8C4EA1A9-FB65-4779-96BA-33ECC0B9EA8D}" type="datetime1">
               <a:rPr lang="es-AR" smtClean="0"/>
-              <a:t>21/4/2025</a:t>
+              <a:t>22/4/2025</a:t>
             </a:fld>
             <a:endParaRPr lang="es-AR"/>
           </a:p>
@@ -4054,7 +4054,7 @@
           <a:p>
             <a:fld id="{8BAA0400-1683-4014-836C-68091B4745B7}" type="datetime1">
               <a:rPr lang="es-AR" smtClean="0"/>
-              <a:t>21/4/2025</a:t>
+              <a:t>22/4/2025</a:t>
             </a:fld>
             <a:endParaRPr lang="es-AR"/>
           </a:p>
@@ -4172,7 +4172,7 @@
           <a:p>
             <a:fld id="{E0EBB52C-70D3-46BB-A9C9-B4BCD68F1F45}" type="datetime1">
               <a:rPr lang="es-AR" smtClean="0"/>
-              <a:t>21/4/2025</a:t>
+              <a:t>22/4/2025</a:t>
             </a:fld>
             <a:endParaRPr lang="es-AR"/>
           </a:p>
@@ -4267,7 +4267,7 @@
           <a:p>
             <a:fld id="{B976ED00-AF77-4CAF-B467-EB0A97323BAC}" type="datetime1">
               <a:rPr lang="es-AR" smtClean="0"/>
-              <a:t>21/4/2025</a:t>
+              <a:t>22/4/2025</a:t>
             </a:fld>
             <a:endParaRPr lang="es-AR"/>
           </a:p>
@@ -4544,7 +4544,7 @@
           <a:p>
             <a:fld id="{7495D541-8D91-4F20-80D9-E947957BA833}" type="datetime1">
               <a:rPr lang="es-AR" smtClean="0"/>
-              <a:t>21/4/2025</a:t>
+              <a:t>22/4/2025</a:t>
             </a:fld>
             <a:endParaRPr lang="es-AR"/>
           </a:p>
@@ -4801,7 +4801,7 @@
           <a:p>
             <a:fld id="{DA9D775A-41C2-4F00-A276-DC4A9CA6B77D}" type="datetime1">
               <a:rPr lang="es-AR" smtClean="0"/>
-              <a:t>21/4/2025</a:t>
+              <a:t>22/4/2025</a:t>
             </a:fld>
             <a:endParaRPr lang="es-AR"/>
           </a:p>
@@ -5014,7 +5014,7 @@
           <a:p>
             <a:fld id="{4B0292B7-EDD5-4186-855F-12061877FDA8}" type="datetime1">
               <a:rPr lang="es-AR" smtClean="0"/>
-              <a:t>21/4/2025</a:t>
+              <a:t>22/4/2025</a:t>
             </a:fld>
             <a:endParaRPr lang="es-AR"/>
           </a:p>
@@ -7848,85 +7848,6 @@
   <p:clrMapOvr>
     <a:masterClrMapping/>
   </p:clrMapOvr>
-  <p:timing>
-    <p:tnLst>
-      <p:par>
-        <p:cTn id="1" dur="indefinite" restart="never" nodeType="tmRoot">
-          <p:childTnLst>
-            <p:seq concurrent="1" nextAc="seek">
-              <p:cTn id="2" dur="indefinite" nodeType="mainSeq">
-                <p:childTnLst>
-                  <p:par>
-                    <p:cTn id="3" fill="hold">
-                      <p:stCondLst>
-                        <p:cond delay="indefinite"/>
-                      </p:stCondLst>
-                      <p:childTnLst>
-                        <p:par>
-                          <p:cTn id="4" fill="hold">
-                            <p:stCondLst>
-                              <p:cond delay="0"/>
-                            </p:stCondLst>
-                            <p:childTnLst>
-                              <p:par>
-                                <p:cTn id="5" presetID="1" presetClass="entr" presetSubtype="0" fill="hold" nodeType="clickEffect">
-                                  <p:stCondLst>
-                                    <p:cond delay="0"/>
-                                  </p:stCondLst>
-                                  <p:childTnLst>
-                                    <p:set>
-                                      <p:cBhvr>
-                                        <p:cTn id="6" dur="1" fill="hold">
-                                          <p:stCondLst>
-                                            <p:cond delay="0"/>
-                                          </p:stCondLst>
-                                        </p:cTn>
-                                        <p:tgtEl>
-                                          <p:spTgt spid="3">
-                                            <p:txEl>
-                                              <p:pRg st="0" end="0"/>
-                                            </p:txEl>
-                                          </p:spTgt>
-                                        </p:tgtEl>
-                                        <p:attrNameLst>
-                                          <p:attrName>style.visibility</p:attrName>
-                                        </p:attrNameLst>
-                                      </p:cBhvr>
-                                      <p:to>
-                                        <p:strVal val="visible"/>
-                                      </p:to>
-                                    </p:set>
-                                  </p:childTnLst>
-                                </p:cTn>
-                              </p:par>
-                            </p:childTnLst>
-                          </p:cTn>
-                        </p:par>
-                      </p:childTnLst>
-                    </p:cTn>
-                  </p:par>
-                </p:childTnLst>
-              </p:cTn>
-              <p:prevCondLst>
-                <p:cond evt="onPrev" delay="0">
-                  <p:tgtEl>
-                    <p:sldTgt/>
-                  </p:tgtEl>
-                </p:cond>
-              </p:prevCondLst>
-              <p:nextCondLst>
-                <p:cond evt="onNext" delay="0">
-                  <p:tgtEl>
-                    <p:sldTgt/>
-                  </p:tgtEl>
-                </p:cond>
-              </p:nextCondLst>
-            </p:seq>
-          </p:childTnLst>
-        </p:cTn>
-      </p:par>
-    </p:tnLst>
-  </p:timing>
 </p:sld>
 </file>
 
@@ -8588,20 +8509,7 @@
                 <a:latin typeface="Arial" panose="020B0604020202020204" pitchFamily="34" charset="0"/>
                 <a:cs typeface="Arial" panose="020B0604020202020204" pitchFamily="34" charset="0"/>
               </a:rPr>
-              <a:t>Presentación y demostración del proyecto ante jurados, mediante</a:t>
-            </a:r>
-          </a:p>
-          <a:p>
-            <a:pPr>
-              <a:buFont typeface="Wingdings" panose="05000000000000000000" pitchFamily="2" charset="2"/>
-              <a:buChar char="Ø"/>
-            </a:pPr>
-            <a:r>
-              <a:rPr lang="es-AR" sz="2200" dirty="0">
-                <a:latin typeface="Arial" panose="020B0604020202020204" pitchFamily="34" charset="0"/>
-                <a:cs typeface="Arial" panose="020B0604020202020204" pitchFamily="34" charset="0"/>
-              </a:rPr>
-              <a:t>diapositivas y/o vídeos.</a:t>
+              <a:t>Presentación y demostración del proyecto ante jurados, mediante diapositivas y/o vídeos.</a:t>
             </a:r>
           </a:p>
           <a:p>
@@ -12892,14 +12800,22 @@
         </p:nvSpPr>
         <p:spPr/>
         <p:txBody>
-          <a:bodyPr/>
+          <a:bodyPr>
+            <a:normAutofit/>
+          </a:bodyPr>
           <a:lstStyle/>
           <a:p>
             <a:r>
-              <a:rPr lang="es-ES" dirty="0"/>
+              <a:rPr lang="es-ES" sz="4000" dirty="0">
+                <a:latin typeface="Arial" panose="020B0604020202020204" pitchFamily="34" charset="0"/>
+                <a:cs typeface="Arial" panose="020B0604020202020204" pitchFamily="34" charset="0"/>
+              </a:rPr>
               <a:t>Alcance</a:t>
             </a:r>
-            <a:endParaRPr lang="es-AR" dirty="0"/>
+            <a:endParaRPr lang="es-AR" sz="4000" dirty="0">
+              <a:latin typeface="Arial" panose="020B0604020202020204" pitchFamily="34" charset="0"/>
+              <a:cs typeface="Arial" panose="020B0604020202020204" pitchFamily="34" charset="0"/>
+            </a:endParaRPr>
           </a:p>
         </p:txBody>
       </p:sp>
